--- a/git및github첫걸음-협업하기.pptx
+++ b/git및github첫걸음-협업하기.pptx
@@ -5,7 +5,7 @@
     <p:sldMasterId id="2147483660" r:id="rId1"/>
   </p:sldMasterIdLst>
   <p:notesMasterIdLst>
-    <p:notesMasterId r:id="rId36"/>
+    <p:notesMasterId r:id="rId39"/>
   </p:notesMasterIdLst>
   <p:sldIdLst>
     <p:sldId id="287" r:id="rId2"/>
@@ -37,11 +37,14 @@
     <p:sldId id="259" r:id="rId28"/>
     <p:sldId id="355" r:id="rId29"/>
     <p:sldId id="368" r:id="rId30"/>
-    <p:sldId id="362" r:id="rId31"/>
-    <p:sldId id="370" r:id="rId32"/>
-    <p:sldId id="369" r:id="rId33"/>
-    <p:sldId id="363" r:id="rId34"/>
-    <p:sldId id="365" r:id="rId35"/>
+    <p:sldId id="384" r:id="rId31"/>
+    <p:sldId id="362" r:id="rId32"/>
+    <p:sldId id="370" r:id="rId33"/>
+    <p:sldId id="369" r:id="rId34"/>
+    <p:sldId id="363" r:id="rId35"/>
+    <p:sldId id="365" r:id="rId36"/>
+    <p:sldId id="339" r:id="rId37"/>
+    <p:sldId id="383" r:id="rId38"/>
   </p:sldIdLst>
   <p:sldSz cx="9144000" cy="6858000" type="screen4x3"/>
   <p:notesSz cx="6858000" cy="9144000"/>
@@ -241,7 +244,7 @@
           <a:p>
             <a:fld id="{A17B9194-BDE3-40E3-983E-94CE6FA773AF}" type="datetimeFigureOut">
               <a:rPr lang="ko-KR" altLang="en-US" smtClean="0"/>
-              <a:t>2021-03-30</a:t>
+              <a:t>2021-03-31</a:t>
             </a:fld>
             <a:endParaRPr lang="ko-KR" altLang="en-US"/>
           </a:p>
@@ -2169,7 +2172,7 @@
           <a:p>
             <a:fld id="{625D4AC4-540A-4436-887D-BF6A8FCF1275}" type="slidenum">
               <a:rPr lang="ko-KR" altLang="en-US" smtClean="0"/>
-              <a:t>30</a:t>
+              <a:t>31</a:t>
             </a:fld>
             <a:endParaRPr lang="ko-KR" altLang="en-US"/>
           </a:p>
@@ -2253,7 +2256,7 @@
           <a:p>
             <a:fld id="{625D4AC4-540A-4436-887D-BF6A8FCF1275}" type="slidenum">
               <a:rPr lang="ko-KR" altLang="en-US" smtClean="0"/>
-              <a:t>31</a:t>
+              <a:t>32</a:t>
             </a:fld>
             <a:endParaRPr lang="ko-KR" altLang="en-US"/>
           </a:p>
@@ -2337,7 +2340,7 @@
           <a:p>
             <a:fld id="{625D4AC4-540A-4436-887D-BF6A8FCF1275}" type="slidenum">
               <a:rPr lang="ko-KR" altLang="en-US" smtClean="0"/>
-              <a:t>32</a:t>
+              <a:t>33</a:t>
             </a:fld>
             <a:endParaRPr lang="ko-KR" altLang="en-US"/>
           </a:p>
@@ -2505,7 +2508,7 @@
           <a:p>
             <a:fld id="{625D4AC4-540A-4436-887D-BF6A8FCF1275}" type="slidenum">
               <a:rPr lang="ko-KR" altLang="en-US" smtClean="0"/>
-              <a:t>33</a:t>
+              <a:t>34</a:t>
             </a:fld>
             <a:endParaRPr lang="ko-KR" altLang="en-US"/>
           </a:p>
@@ -2589,7 +2592,7 @@
           <a:p>
             <a:fld id="{625D4AC4-540A-4436-887D-BF6A8FCF1275}" type="slidenum">
               <a:rPr lang="ko-KR" altLang="en-US" smtClean="0"/>
-              <a:t>34</a:t>
+              <a:t>35</a:t>
             </a:fld>
             <a:endParaRPr lang="ko-KR" altLang="en-US"/>
           </a:p>
@@ -3675,7 +3678,7 @@
           <a:p>
             <a:fld id="{30E72A5D-AC2D-4154-80BD-D3C3745E4EB5}" type="datetimeFigureOut">
               <a:rPr lang="ko-KR" altLang="en-US" smtClean="0"/>
-              <a:t>2021-03-30</a:t>
+              <a:t>2021-03-31</a:t>
             </a:fld>
             <a:endParaRPr lang="ko-KR" altLang="en-US"/>
           </a:p>
@@ -3888,7 +3891,7 @@
           <a:p>
             <a:fld id="{30E72A5D-AC2D-4154-80BD-D3C3745E4EB5}" type="datetimeFigureOut">
               <a:rPr lang="ko-KR" altLang="en-US" smtClean="0"/>
-              <a:t>2021-03-30</a:t>
+              <a:t>2021-03-31</a:t>
             </a:fld>
             <a:endParaRPr lang="ko-KR" altLang="en-US"/>
           </a:p>
@@ -4306,23 +4309,23 @@
           <a:lstStyle/>
           <a:p>
             <a:r>
-              <a:rPr lang="ko-KR" altLang="en-US" dirty="0" smtClean="0"/>
+              <a:rPr lang="ko-KR" altLang="en-US" dirty="0"/>
               <a:t>협업하기 </a:t>
             </a:r>
             <a:r>
-              <a:rPr lang="en-US" altLang="ko-KR" dirty="0" smtClean="0"/>
+              <a:rPr lang="en-US" altLang="ko-KR" dirty="0"/>
               <a:t>(</a:t>
             </a:r>
             <a:r>
-              <a:rPr lang="ko-KR" altLang="en-US" dirty="0" err="1" smtClean="0"/>
+              <a:rPr lang="ko-KR" altLang="en-US" dirty="0" err="1"/>
               <a:t>원격저장소</a:t>
             </a:r>
             <a:r>
-              <a:rPr lang="ko-KR" altLang="en-US" dirty="0" smtClean="0"/>
+              <a:rPr lang="ko-KR" altLang="en-US" dirty="0"/>
               <a:t> 설정</a:t>
             </a:r>
             <a:r>
-              <a:rPr lang="en-US" altLang="ko-KR" dirty="0" smtClean="0"/>
+              <a:rPr lang="en-US" altLang="ko-KR" dirty="0"/>
               <a:t>)</a:t>
             </a:r>
             <a:endParaRPr lang="ko-KR" altLang="en-US" dirty="0"/>
@@ -4509,48 +4512,48 @@
           <a:p>
             <a:pPr lvl="1"/>
             <a:r>
-              <a:rPr lang="ko-KR" altLang="en-US" dirty="0" smtClean="0">
+              <a:rPr lang="ko-KR" altLang="en-US" dirty="0">
                 <a:latin typeface="+mn-ea"/>
               </a:rPr>
               <a:t>리더의 </a:t>
             </a:r>
             <a:r>
-              <a:rPr lang="en-US" altLang="ko-KR" dirty="0" err="1" smtClean="0">
+              <a:rPr lang="en-US" altLang="ko-KR" dirty="0" err="1">
                 <a:latin typeface="+mn-ea"/>
               </a:rPr>
               <a:t>github</a:t>
             </a:r>
             <a:r>
-              <a:rPr lang="en-US" altLang="ko-KR" dirty="0" smtClean="0">
+              <a:rPr lang="en-US" altLang="ko-KR" dirty="0">
                 <a:latin typeface="+mn-ea"/>
               </a:rPr>
               <a:t> </a:t>
             </a:r>
             <a:r>
-              <a:rPr lang="ko-KR" altLang="en-US" dirty="0" smtClean="0">
+              <a:rPr lang="ko-KR" altLang="en-US" dirty="0">
                 <a:latin typeface="+mn-ea"/>
               </a:rPr>
               <a:t>계정에 </a:t>
             </a:r>
             <a:r>
-              <a:rPr lang="ko-KR" altLang="en-US" dirty="0" err="1" smtClean="0">
+              <a:rPr lang="ko-KR" altLang="en-US" dirty="0" err="1">
                 <a:latin typeface="+mn-ea"/>
               </a:rPr>
               <a:t>원격저장소</a:t>
             </a:r>
             <a:r>
-              <a:rPr lang="en-US" altLang="ko-KR" dirty="0" smtClean="0">
+              <a:rPr lang="en-US" altLang="ko-KR" dirty="0">
                 <a:latin typeface="+mn-ea"/>
               </a:rPr>
               <a:t>(remote repository) </a:t>
             </a:r>
             <a:r>
-              <a:rPr lang="ko-KR" altLang="en-US" dirty="0" smtClean="0">
+              <a:rPr lang="ko-KR" altLang="en-US" dirty="0">
                 <a:latin typeface="+mn-ea"/>
               </a:rPr>
               <a:t>만들고 저장소 클릭</a:t>
             </a:r>
-            <a:endParaRPr lang="en-US" altLang="ko-KR" dirty="0" smtClean="0">
+            <a:endParaRPr lang="en-US" altLang="ko-KR" dirty="0">
               <a:latin typeface="+mn-ea"/>
             </a:endParaRPr>
           </a:p>
@@ -4562,33 +4565,27 @@
               <a:rPr lang="en-US" altLang="ko-KR" dirty="0">
                 <a:latin typeface="+mn-ea"/>
               </a:rPr>
-              <a:t> </a:t>
-            </a:r>
-            <a:r>
-              <a:rPr lang="en-US" altLang="ko-KR" dirty="0" smtClean="0">
-                <a:latin typeface="+mn-ea"/>
-              </a:rPr>
-              <a:t>  - </a:t>
-            </a:r>
-            <a:r>
-              <a:rPr lang="ko-KR" altLang="en-US" dirty="0" smtClean="0">
+              <a:t>   - </a:t>
+            </a:r>
+            <a:r>
+              <a:rPr lang="ko-KR" altLang="en-US" dirty="0">
                 <a:latin typeface="+mn-ea"/>
               </a:rPr>
               <a:t>원격저장소명 </a:t>
             </a:r>
             <a:r>
-              <a:rPr lang="en-US" altLang="ko-KR" dirty="0" smtClean="0">
+              <a:rPr lang="en-US" altLang="ko-KR" dirty="0">
                 <a:latin typeface="+mn-ea"/>
               </a:rPr>
               <a:t>: </a:t>
             </a:r>
             <a:r>
-              <a:rPr lang="en-US" altLang="ko-KR" dirty="0" err="1" smtClean="0">
+              <a:rPr lang="en-US" altLang="ko-KR" dirty="0" err="1">
                 <a:latin typeface="+mn-ea"/>
               </a:rPr>
               <a:t>paichai_collab</a:t>
             </a:r>
-            <a:endParaRPr lang="en-US" altLang="ko-KR" dirty="0" smtClean="0">
+            <a:endParaRPr lang="en-US" altLang="ko-KR" dirty="0">
               <a:latin typeface="+mn-ea"/>
             </a:endParaRPr>
           </a:p>
@@ -4911,7 +4908,7 @@
           <a:p>
             <a:pPr lvl="1"/>
             <a:r>
-              <a:rPr lang="ko-KR" altLang="en-US" dirty="0" smtClean="0">
+              <a:rPr lang="ko-KR" altLang="en-US" dirty="0">
                 <a:latin typeface="+mn-ea"/>
               </a:rPr>
               <a:t>새로운 기기에서 로그인하면 아래 화면이 나옴</a:t>
@@ -4920,37 +4917,25 @@
               <a:rPr lang="en-US" altLang="ko-KR" dirty="0">
                 <a:latin typeface="+mn-ea"/>
               </a:rPr>
-              <a:t> </a:t>
-            </a:r>
-            <a:r>
-              <a:rPr lang="en-US" altLang="ko-KR" dirty="0" smtClean="0">
-                <a:latin typeface="+mn-ea"/>
-              </a:rPr>
-              <a:t>→ </a:t>
-            </a:r>
-            <a:r>
-              <a:rPr lang="ko-KR" altLang="en-US" dirty="0" smtClean="0">
+              <a:t> → </a:t>
+            </a:r>
+            <a:r>
+              <a:rPr lang="ko-KR" altLang="en-US" dirty="0">
                 <a:latin typeface="+mn-ea"/>
               </a:rPr>
               <a:t>메일에서 번호 확인후 기입</a:t>
             </a:r>
             <a:r>
-              <a:rPr lang="en-US" altLang="ko-KR" dirty="0" smtClean="0">
+              <a:rPr lang="en-US" altLang="ko-KR" dirty="0">
                 <a:latin typeface="+mn-ea"/>
               </a:rPr>
               <a:t>, </a:t>
             </a:r>
             <a:r>
-              <a:rPr lang="ko-KR" altLang="en-US" dirty="0" smtClean="0">
-                <a:latin typeface="+mn-ea"/>
-              </a:rPr>
-              <a:t>클릭</a:t>
-            </a:r>
-            <a:r>
-              <a:rPr lang="ko-KR" altLang="en-US" dirty="0" smtClean="0">
-                <a:latin typeface="+mn-ea"/>
-              </a:rPr>
-              <a:t> </a:t>
+              <a:rPr lang="ko-KR" altLang="en-US" dirty="0">
+                <a:latin typeface="+mn-ea"/>
+              </a:rPr>
+              <a:t>클릭 </a:t>
             </a:r>
             <a:endParaRPr lang="en-US" altLang="ko-KR" dirty="0">
               <a:latin typeface="+mn-ea"/>
@@ -5081,19 +5066,19 @@
           <a:lstStyle/>
           <a:p>
             <a:r>
-              <a:rPr lang="ko-KR" altLang="en-US" dirty="0" smtClean="0"/>
+              <a:rPr lang="ko-KR" altLang="en-US" dirty="0"/>
               <a:t>협업하기 </a:t>
             </a:r>
             <a:r>
-              <a:rPr lang="en-US" altLang="ko-KR" dirty="0" smtClean="0"/>
+              <a:rPr lang="en-US" altLang="ko-KR" dirty="0"/>
               <a:t>(collaborator </a:t>
             </a:r>
             <a:r>
-              <a:rPr lang="ko-KR" altLang="en-US" dirty="0" smtClean="0"/>
+              <a:rPr lang="ko-KR" altLang="en-US" dirty="0"/>
               <a:t>등록</a:t>
             </a:r>
             <a:r>
-              <a:rPr lang="en-US" altLang="ko-KR" dirty="0" smtClean="0"/>
+              <a:rPr lang="en-US" altLang="ko-KR" dirty="0"/>
               <a:t>)</a:t>
             </a:r>
             <a:endParaRPr lang="ko-KR" altLang="en-US" dirty="0"/>
@@ -5607,19 +5592,19 @@
           <a:lstStyle/>
           <a:p>
             <a:r>
-              <a:rPr lang="ko-KR" altLang="en-US" dirty="0" smtClean="0"/>
+              <a:rPr lang="ko-KR" altLang="en-US" dirty="0"/>
               <a:t>협업하기 </a:t>
             </a:r>
             <a:r>
-              <a:rPr lang="en-US" altLang="ko-KR" dirty="0" smtClean="0"/>
+              <a:rPr lang="en-US" altLang="ko-KR" dirty="0"/>
               <a:t>(collaborator </a:t>
             </a:r>
             <a:r>
-              <a:rPr lang="ko-KR" altLang="en-US" dirty="0" smtClean="0"/>
+              <a:rPr lang="ko-KR" altLang="en-US" dirty="0"/>
               <a:t>등록</a:t>
             </a:r>
             <a:r>
-              <a:rPr lang="en-US" altLang="ko-KR" dirty="0" smtClean="0"/>
+              <a:rPr lang="en-US" altLang="ko-KR" dirty="0"/>
               <a:t>)</a:t>
             </a:r>
             <a:endParaRPr lang="ko-KR" altLang="en-US" dirty="0"/>
@@ -6163,19 +6148,19 @@
           <a:lstStyle/>
           <a:p>
             <a:r>
-              <a:rPr lang="ko-KR" altLang="en-US" dirty="0" smtClean="0"/>
+              <a:rPr lang="ko-KR" altLang="en-US" dirty="0"/>
               <a:t>협업하기 </a:t>
             </a:r>
             <a:r>
-              <a:rPr lang="en-US" altLang="ko-KR" dirty="0" smtClean="0"/>
+              <a:rPr lang="en-US" altLang="ko-KR" dirty="0"/>
               <a:t>(collaborator </a:t>
             </a:r>
             <a:r>
-              <a:rPr lang="ko-KR" altLang="en-US" dirty="0" smtClean="0"/>
+              <a:rPr lang="ko-KR" altLang="en-US" dirty="0"/>
               <a:t>등록</a:t>
             </a:r>
             <a:r>
-              <a:rPr lang="en-US" altLang="ko-KR" dirty="0" smtClean="0"/>
+              <a:rPr lang="en-US" altLang="ko-KR" dirty="0"/>
               <a:t>)</a:t>
             </a:r>
             <a:endParaRPr lang="ko-KR" altLang="en-US" dirty="0"/>
@@ -6234,19 +6219,19 @@
           <a:lstStyle/>
           <a:p>
             <a:r>
-              <a:rPr lang="ko-KR" altLang="en-US" dirty="0" smtClean="0"/>
+              <a:rPr lang="ko-KR" altLang="en-US" dirty="0"/>
               <a:t>협업하기 </a:t>
             </a:r>
             <a:r>
-              <a:rPr lang="en-US" altLang="ko-KR" dirty="0" smtClean="0"/>
+              <a:rPr lang="en-US" altLang="ko-KR" dirty="0"/>
               <a:t>(</a:t>
             </a:r>
             <a:r>
-              <a:rPr lang="ko-KR" altLang="en-US" dirty="0" smtClean="0"/>
+              <a:rPr lang="ko-KR" altLang="en-US" dirty="0"/>
               <a:t>참고</a:t>
             </a:r>
             <a:r>
-              <a:rPr lang="en-US" altLang="ko-KR" dirty="0" smtClean="0"/>
+              <a:rPr lang="en-US" altLang="ko-KR" dirty="0"/>
               <a:t>)</a:t>
             </a:r>
             <a:endParaRPr lang="ko-KR" altLang="en-US" dirty="0"/>
@@ -6430,58 +6415,53 @@
             </a:r>
             <a:r>
               <a:rPr lang="ko-KR" altLang="en-US" dirty="0"/>
-              <a:t> </a:t>
-            </a:r>
-            <a:r>
-              <a:rPr lang="ko-KR" altLang="en-US" dirty="0" smtClean="0"/>
-              <a:t>권한</a:t>
-            </a:r>
-            <a:r>
-              <a:rPr lang="en-US" altLang="ko-KR" dirty="0" smtClean="0"/>
+              <a:t> 권한</a:t>
+            </a:r>
+            <a:r>
+              <a:rPr lang="en-US" altLang="ko-KR" dirty="0"/>
               <a:t>)</a:t>
             </a:r>
-            <a:endParaRPr lang="en-US" altLang="ko-KR" dirty="0"/>
           </a:p>
           <a:p>
             <a:pPr lvl="1"/>
             <a:r>
-              <a:rPr lang="en-US" altLang="ko-KR" dirty="0" smtClean="0">
+              <a:rPr lang="en-US" altLang="ko-KR" dirty="0">
                 <a:latin typeface="+mn-ea"/>
               </a:rPr>
               <a:t>Private </a:t>
             </a:r>
             <a:r>
-              <a:rPr lang="ko-KR" altLang="en-US" dirty="0" smtClean="0">
+              <a:rPr lang="ko-KR" altLang="en-US" dirty="0">
                 <a:latin typeface="+mn-ea"/>
               </a:rPr>
               <a:t>저장소에서는 </a:t>
             </a:r>
             <a:r>
-              <a:rPr lang="en-US" altLang="ko-KR" dirty="0" smtClean="0">
+              <a:rPr lang="en-US" altLang="ko-KR" dirty="0">
                 <a:latin typeface="+mn-ea"/>
               </a:rPr>
               <a:t>collaborator</a:t>
             </a:r>
             <a:r>
-              <a:rPr lang="ko-KR" altLang="en-US" dirty="0" smtClean="0">
+              <a:rPr lang="ko-KR" altLang="en-US" dirty="0">
                 <a:latin typeface="+mn-ea"/>
               </a:rPr>
               <a:t>에게 </a:t>
             </a:r>
             <a:r>
-              <a:rPr lang="en-US" altLang="ko-KR" dirty="0" smtClean="0">
+              <a:rPr lang="en-US" altLang="ko-KR" dirty="0">
                 <a:latin typeface="+mn-ea"/>
               </a:rPr>
               <a:t>admin, write, read only </a:t>
             </a:r>
             <a:r>
-              <a:rPr lang="ko-KR" altLang="en-US" dirty="0" smtClean="0">
+              <a:rPr lang="ko-KR" altLang="en-US" dirty="0">
                 <a:latin typeface="+mn-ea"/>
               </a:rPr>
               <a:t>등 권한을 정할 수 있음</a:t>
             </a:r>
             <a:r>
-              <a:rPr lang="en-US" altLang="ko-KR" dirty="0" smtClean="0">
+              <a:rPr lang="en-US" altLang="ko-KR" dirty="0">
                 <a:latin typeface="+mn-ea"/>
               </a:rPr>
               <a:t>.</a:t>
@@ -6490,35 +6470,93 @@
           <a:p>
             <a:pPr lvl="1"/>
             <a:r>
-              <a:rPr lang="en-US" altLang="ko-KR" dirty="0" smtClean="0">
+              <a:rPr lang="en-US" altLang="ko-KR" dirty="0">
                 <a:latin typeface="+mn-ea"/>
               </a:rPr>
               <a:t>Public </a:t>
             </a:r>
             <a:r>
-              <a:rPr lang="ko-KR" altLang="en-US" dirty="0" smtClean="0">
+              <a:rPr lang="ko-KR" altLang="en-US" dirty="0">
                 <a:latin typeface="+mn-ea"/>
               </a:rPr>
               <a:t>저장소는 제한이 없고 </a:t>
             </a:r>
             <a:r>
-              <a:rPr lang="en-US" altLang="ko-KR" dirty="0" smtClean="0">
+              <a:rPr lang="en-US" altLang="ko-KR" dirty="0">
                 <a:latin typeface="+mn-ea"/>
               </a:rPr>
               <a:t>pull(read), push(write) </a:t>
             </a:r>
             <a:r>
-              <a:rPr lang="ko-KR" altLang="en-US" dirty="0" smtClean="0">
+              <a:rPr lang="ko-KR" altLang="en-US" dirty="0">
                 <a:latin typeface="+mn-ea"/>
               </a:rPr>
               <a:t>할 수 있음</a:t>
             </a:r>
             <a:r>
-              <a:rPr lang="en-US" altLang="ko-KR" dirty="0" smtClean="0">
+              <a:rPr lang="en-US" altLang="ko-KR" dirty="0">
                 <a:latin typeface="+mn-ea"/>
               </a:rPr>
               <a:t>.</a:t>
             </a:r>
+          </a:p>
+          <a:p>
+            <a:pPr lvl="1"/>
+            <a:r>
+              <a:rPr lang="en-US" altLang="ko-KR" dirty="0">
+                <a:latin typeface="+mn-ea"/>
+              </a:rPr>
+              <a:t>Public</a:t>
+            </a:r>
+            <a:r>
+              <a:rPr lang="ko-KR" altLang="en-US" dirty="0">
+                <a:latin typeface="+mn-ea"/>
+              </a:rPr>
+              <a:t>이므로 일반인들이 접근하여 내용을 확인하고 </a:t>
+            </a:r>
+            <a:r>
+              <a:rPr lang="en-US" altLang="ko-KR" dirty="0">
+                <a:latin typeface="+mn-ea"/>
+              </a:rPr>
+              <a:t>download(clone, fork)</a:t>
+            </a:r>
+            <a:r>
+              <a:rPr lang="ko-KR" altLang="en-US" dirty="0">
+                <a:latin typeface="+mn-ea"/>
+              </a:rPr>
+              <a:t>할 수 있으나</a:t>
+            </a:r>
+            <a:r>
+              <a:rPr lang="en-US" altLang="ko-KR" dirty="0">
+                <a:latin typeface="+mn-ea"/>
+              </a:rPr>
+              <a:t>,</a:t>
+            </a:r>
+          </a:p>
+          <a:p>
+            <a:pPr marL="266700" lvl="1" indent="0">
+              <a:buNone/>
+            </a:pPr>
+            <a:r>
+              <a:rPr lang="en-US" altLang="ko-KR" dirty="0">
+                <a:latin typeface="+mn-ea"/>
+              </a:rPr>
+              <a:t>   push</a:t>
+            </a:r>
+            <a:r>
+              <a:rPr lang="ko-KR" altLang="en-US" dirty="0">
+                <a:latin typeface="+mn-ea"/>
+              </a:rPr>
+              <a:t>는 안됨</a:t>
+            </a:r>
+            <a:endParaRPr lang="en-US" altLang="ko-KR" dirty="0">
+              <a:latin typeface="+mn-ea"/>
+            </a:endParaRPr>
+          </a:p>
+          <a:p>
+            <a:pPr marL="266700" lvl="1" indent="0">
+              <a:buNone/>
+            </a:pPr>
             <a:endParaRPr lang="en-US" altLang="ko-KR" dirty="0">
               <a:latin typeface="+mn-ea"/>
             </a:endParaRPr>
@@ -6723,53 +6761,40 @@
           </a:lstStyle>
           <a:p>
             <a:r>
-              <a:rPr lang="ko-KR" altLang="en-US" dirty="0" smtClean="0"/>
+              <a:rPr lang="ko-KR" altLang="en-US" dirty="0"/>
               <a:t>협업 과제 활동 공간 구성 </a:t>
             </a:r>
             <a:r>
               <a:rPr lang="en-US" altLang="ko-KR" dirty="0"/>
-              <a:t>(</a:t>
-            </a:r>
-            <a:r>
-              <a:rPr lang="en-US" altLang="ko-KR" dirty="0" smtClean="0"/>
-              <a:t>collaborator : </a:t>
-            </a:r>
-            <a:r>
-              <a:rPr lang="en-US" altLang="ko-KR" dirty="0" err="1" smtClean="0"/>
+              <a:t>(collaborator : </a:t>
+            </a:r>
+            <a:r>
+              <a:rPr lang="en-US" altLang="ko-KR" dirty="0" err="1"/>
               <a:t>fasthill</a:t>
             </a:r>
             <a:r>
-              <a:rPr lang="en-US" altLang="ko-KR" dirty="0" smtClean="0"/>
-              <a:t>-</a:t>
-            </a:r>
-            <a:r>
-              <a:rPr lang="en-US" altLang="ko-KR" dirty="0" smtClean="0"/>
-              <a:t>sibling</a:t>
-            </a:r>
-            <a:r>
-              <a:rPr lang="en-US" altLang="ko-KR" dirty="0" smtClean="0"/>
-              <a:t>)</a:t>
-            </a:r>
-            <a:endParaRPr lang="en-US" altLang="ko-KR" dirty="0"/>
+              <a:rPr lang="en-US" altLang="ko-KR" dirty="0"/>
+              <a:t>-sibling)</a:t>
+            </a:r>
           </a:p>
           <a:p>
             <a:pPr marL="266700" lvl="1" indent="0">
               <a:buNone/>
             </a:pPr>
             <a:r>
-              <a:rPr lang="ko-KR" altLang="en-US" dirty="0" smtClean="0">
+              <a:rPr lang="ko-KR" altLang="en-US" dirty="0">
                 <a:latin typeface="+mn-ea"/>
               </a:rPr>
               <a:t> </a:t>
             </a:r>
             <a:r>
-              <a:rPr lang="ko-KR" altLang="en-US" dirty="0" err="1" smtClean="0">
+              <a:rPr lang="ko-KR" altLang="en-US" dirty="0" err="1">
                 <a:latin typeface="+mn-ea"/>
               </a:rPr>
               <a:t>과제명</a:t>
             </a:r>
             <a:r>
-              <a:rPr lang="ko-KR" altLang="en-US" dirty="0" smtClean="0">
+              <a:rPr lang="ko-KR" altLang="en-US" dirty="0">
                 <a:latin typeface="+mn-ea"/>
               </a:rPr>
               <a:t> </a:t>
@@ -6795,16 +6820,10 @@
               <a:buNone/>
             </a:pPr>
             <a:r>
-              <a:rPr lang="en-US" altLang="ko-KR" dirty="0" smtClean="0">
-                <a:latin typeface="+mn-ea"/>
-              </a:rPr>
-              <a:t> - working </a:t>
-            </a:r>
-            <a:r>
               <a:rPr lang="en-US" altLang="ko-KR" dirty="0">
                 <a:latin typeface="+mn-ea"/>
               </a:rPr>
-              <a:t>directory </a:t>
+              <a:t> - working directory </a:t>
             </a:r>
             <a:r>
               <a:rPr lang="ko-KR" altLang="en-US" dirty="0">
@@ -6845,31 +6864,31 @@
               <a:t>: </a:t>
             </a:r>
             <a:r>
-              <a:rPr lang="ko-KR" altLang="en-US" dirty="0" err="1" smtClean="0">
+              <a:rPr lang="ko-KR" altLang="en-US" dirty="0" err="1">
                 <a:latin typeface="+mn-ea"/>
               </a:rPr>
               <a:t>배재대과제</a:t>
             </a:r>
             <a:r>
-              <a:rPr lang="ko-KR" altLang="en-US" dirty="0" smtClean="0">
+              <a:rPr lang="ko-KR" altLang="en-US" dirty="0">
                 <a:latin typeface="+mn-ea"/>
               </a:rPr>
               <a:t> </a:t>
             </a:r>
             <a:r>
-              <a:rPr lang="en-US" altLang="ko-KR" dirty="0" smtClean="0">
+              <a:rPr lang="en-US" altLang="ko-KR" dirty="0">
                 <a:latin typeface="+mn-ea"/>
               </a:rPr>
               <a:t>(</a:t>
             </a:r>
             <a:r>
-              <a:rPr lang="ko-KR" altLang="en-US" dirty="0" smtClean="0">
+              <a:rPr lang="ko-KR" altLang="en-US" dirty="0">
                 <a:latin typeface="+mn-ea"/>
               </a:rPr>
               <a:t>자유</a:t>
             </a:r>
             <a:r>
-              <a:rPr lang="en-US" altLang="ko-KR" dirty="0" smtClean="0">
+              <a:rPr lang="en-US" altLang="ko-KR" dirty="0">
                 <a:latin typeface="+mn-ea"/>
               </a:rPr>
               <a:t>)</a:t>
@@ -6883,13 +6902,7 @@
           </a:p>
           <a:p>
             <a:pPr lvl="1"/>
-            <a:endParaRPr lang="en-US" altLang="ko-KR" dirty="0" smtClean="0">
-              <a:latin typeface="+mn-ea"/>
-            </a:endParaRPr>
-          </a:p>
-          <a:p>
-            <a:pPr lvl="1"/>
-            <a:endParaRPr lang="en-US" altLang="ko-KR" dirty="0" smtClean="0">
+            <a:endParaRPr lang="en-US" altLang="ko-KR" dirty="0">
               <a:latin typeface="+mn-ea"/>
             </a:endParaRPr>
           </a:p>
@@ -6901,7 +6914,13 @@
           </a:p>
           <a:p>
             <a:pPr lvl="1"/>
-            <a:endParaRPr lang="en-US" altLang="ko-KR" dirty="0" smtClean="0">
+            <a:endParaRPr lang="en-US" altLang="ko-KR" dirty="0">
+              <a:latin typeface="+mn-ea"/>
+            </a:endParaRPr>
+          </a:p>
+          <a:p>
+            <a:pPr lvl="1"/>
+            <a:endParaRPr lang="en-US" altLang="ko-KR" dirty="0">
               <a:latin typeface="+mn-ea"/>
             </a:endParaRPr>
           </a:p>
@@ -6934,19 +6953,19 @@
           <a:lstStyle/>
           <a:p>
             <a:r>
-              <a:rPr lang="ko-KR" altLang="en-US" dirty="0" smtClean="0"/>
+              <a:rPr lang="ko-KR" altLang="en-US" dirty="0"/>
               <a:t>협업하기 </a:t>
             </a:r>
             <a:r>
-              <a:rPr lang="en-US" altLang="ko-KR" dirty="0" smtClean="0"/>
+              <a:rPr lang="en-US" altLang="ko-KR" dirty="0"/>
               <a:t>(collaborator </a:t>
             </a:r>
             <a:r>
-              <a:rPr lang="ko-KR" altLang="en-US" dirty="0" smtClean="0"/>
+              <a:rPr lang="ko-KR" altLang="en-US" dirty="0"/>
               <a:t>활동</a:t>
             </a:r>
             <a:r>
-              <a:rPr lang="en-US" altLang="ko-KR" dirty="0" smtClean="0"/>
+              <a:rPr lang="en-US" altLang="ko-KR" dirty="0"/>
               <a:t>)</a:t>
             </a:r>
             <a:endParaRPr lang="ko-KR" altLang="en-US" dirty="0"/>
@@ -7175,34 +7194,21 @@
           </a:lstStyle>
           <a:p>
             <a:r>
-              <a:rPr lang="ko-KR" altLang="en-US" dirty="0" smtClean="0"/>
+              <a:rPr lang="ko-KR" altLang="en-US" dirty="0"/>
               <a:t>협업 활동 </a:t>
             </a:r>
             <a:r>
               <a:rPr lang="en-US" altLang="ko-KR" dirty="0"/>
-              <a:t>(</a:t>
-            </a:r>
-            <a:r>
-              <a:rPr lang="en-US" altLang="ko-KR" dirty="0" smtClean="0"/>
-              <a:t>collaborator : </a:t>
-            </a:r>
-            <a:r>
-              <a:rPr lang="en-US" altLang="ko-KR" dirty="0" err="1" smtClean="0"/>
+              <a:t>(collaborator : </a:t>
+            </a:r>
+            <a:r>
+              <a:rPr lang="en-US" altLang="ko-KR" dirty="0" err="1"/>
               <a:t>fasthill</a:t>
             </a:r>
             <a:r>
-              <a:rPr lang="en-US" altLang="ko-KR" dirty="0" smtClean="0"/>
-              <a:t>-</a:t>
-            </a:r>
-            <a:r>
-              <a:rPr lang="en-US" altLang="ko-KR" dirty="0" smtClean="0"/>
-              <a:t>sibling</a:t>
-            </a:r>
-            <a:r>
-              <a:rPr lang="en-US" altLang="ko-KR" dirty="0" smtClean="0"/>
-              <a:t>)</a:t>
-            </a:r>
-            <a:endParaRPr lang="en-US" altLang="ko-KR" dirty="0"/>
+              <a:rPr lang="en-US" altLang="ko-KR" dirty="0"/>
+              <a:t>-sibling)</a:t>
+            </a:r>
           </a:p>
           <a:p>
             <a:pPr lvl="1"/>
@@ -7210,69 +7216,63 @@
               <a:rPr lang="en-US" altLang="ko-KR" dirty="0">
                 <a:latin typeface="+mn-ea"/>
               </a:rPr>
-              <a:t>c</a:t>
-            </a:r>
-            <a:r>
-              <a:rPr lang="en-US" altLang="ko-KR" dirty="0" smtClean="0">
-                <a:latin typeface="+mn-ea"/>
-              </a:rPr>
-              <a:t>ollaborator (</a:t>
-            </a:r>
-            <a:r>
-              <a:rPr lang="en-US" altLang="ko-KR" dirty="0" err="1" smtClean="0">
+              <a:t>collaborator (</a:t>
+            </a:r>
+            <a:r>
+              <a:rPr lang="en-US" altLang="ko-KR" dirty="0" err="1">
                 <a:latin typeface="+mn-ea"/>
               </a:rPr>
               <a:t>fasthill</a:t>
             </a:r>
             <a:r>
-              <a:rPr lang="en-US" altLang="ko-KR" dirty="0" smtClean="0">
+              <a:rPr lang="en-US" altLang="ko-KR" dirty="0">
                 <a:latin typeface="+mn-ea"/>
               </a:rPr>
               <a:t>-sibling) </a:t>
             </a:r>
             <a:r>
-              <a:rPr lang="en-US" altLang="ko-KR" dirty="0" err="1" smtClean="0">
+              <a:rPr lang="en-US" altLang="ko-KR" dirty="0" err="1">
                 <a:latin typeface="+mn-ea"/>
               </a:rPr>
               <a:t>github</a:t>
             </a:r>
             <a:r>
-              <a:rPr lang="en-US" altLang="ko-KR" dirty="0" smtClean="0">
+              <a:rPr lang="en-US" altLang="ko-KR" dirty="0">
                 <a:latin typeface="+mn-ea"/>
               </a:rPr>
               <a:t> </a:t>
             </a:r>
             <a:r>
-              <a:rPr lang="ko-KR" altLang="en-US" dirty="0" smtClean="0">
+              <a:rPr lang="ko-KR" altLang="en-US" dirty="0">
                 <a:latin typeface="+mn-ea"/>
               </a:rPr>
               <a:t>계정 로그인</a:t>
             </a:r>
-            <a:endParaRPr lang="en-US" altLang="ko-KR" dirty="0" smtClean="0">
+            <a:endParaRPr lang="en-US" altLang="ko-KR" dirty="0">
               <a:latin typeface="+mn-ea"/>
             </a:endParaRPr>
           </a:p>
           <a:p>
             <a:pPr lvl="1"/>
             <a:r>
-              <a:rPr lang="ko-KR" altLang="en-US" dirty="0" smtClean="0">
+              <a:rPr lang="ko-KR" altLang="en-US" dirty="0">
                 <a:latin typeface="+mn-ea"/>
               </a:rPr>
               <a:t>협업 </a:t>
             </a:r>
             <a:r>
-              <a:rPr lang="ko-KR" altLang="en-US" dirty="0" err="1" smtClean="0">
+              <a:rPr lang="ko-KR" altLang="en-US" dirty="0" err="1">
                 <a:latin typeface="+mn-ea"/>
               </a:rPr>
               <a:t>원격저장소</a:t>
             </a:r>
             <a:r>
-              <a:rPr lang="ko-KR" altLang="en-US" dirty="0" smtClean="0">
+              <a:rPr lang="ko-KR" altLang="en-US" dirty="0">
                 <a:latin typeface="+mn-ea"/>
               </a:rPr>
               <a:t> 확인 및 클릭</a:t>
             </a:r>
-            <a:endParaRPr lang="en-US" altLang="ko-KR" dirty="0" smtClean="0">
+            <a:endParaRPr lang="en-US" altLang="ko-KR" dirty="0">
               <a:latin typeface="+mn-ea"/>
             </a:endParaRPr>
           </a:p>
@@ -7284,7 +7284,7 @@
           </a:p>
           <a:p>
             <a:pPr lvl="1"/>
-            <a:endParaRPr lang="en-US" altLang="ko-KR" dirty="0" smtClean="0">
+            <a:endParaRPr lang="en-US" altLang="ko-KR" dirty="0">
               <a:latin typeface="+mn-ea"/>
             </a:endParaRPr>
           </a:p>
@@ -7296,7 +7296,7 @@
           </a:p>
           <a:p>
             <a:pPr lvl="1"/>
-            <a:endParaRPr lang="en-US" altLang="ko-KR" dirty="0" smtClean="0">
+            <a:endParaRPr lang="en-US" altLang="ko-KR" dirty="0">
               <a:latin typeface="+mn-ea"/>
             </a:endParaRPr>
           </a:p>
@@ -7308,7 +7308,7 @@
           </a:p>
           <a:p>
             <a:pPr lvl="1"/>
-            <a:endParaRPr lang="en-US" altLang="ko-KR" dirty="0" smtClean="0">
+            <a:endParaRPr lang="en-US" altLang="ko-KR" dirty="0">
               <a:latin typeface="+mn-ea"/>
             </a:endParaRPr>
           </a:p>
@@ -7320,7 +7320,7 @@
           </a:p>
           <a:p>
             <a:pPr lvl="1"/>
-            <a:endParaRPr lang="en-US" altLang="ko-KR" dirty="0" smtClean="0">
+            <a:endParaRPr lang="en-US" altLang="ko-KR" dirty="0">
               <a:latin typeface="+mn-ea"/>
             </a:endParaRPr>
           </a:p>
@@ -7405,19 +7405,19 @@
           <a:lstStyle/>
           <a:p>
             <a:r>
-              <a:rPr lang="ko-KR" altLang="en-US" dirty="0" smtClean="0"/>
+              <a:rPr lang="ko-KR" altLang="en-US" dirty="0"/>
               <a:t>협업하기 </a:t>
             </a:r>
             <a:r>
-              <a:rPr lang="en-US" altLang="ko-KR" dirty="0" smtClean="0"/>
+              <a:rPr lang="en-US" altLang="ko-KR" dirty="0"/>
               <a:t>(collaborator </a:t>
             </a:r>
             <a:r>
-              <a:rPr lang="ko-KR" altLang="en-US" dirty="0" smtClean="0"/>
+              <a:rPr lang="ko-KR" altLang="en-US" dirty="0"/>
               <a:t>활동</a:t>
             </a:r>
             <a:r>
-              <a:rPr lang="en-US" altLang="ko-KR" dirty="0" smtClean="0"/>
+              <a:rPr lang="en-US" altLang="ko-KR" dirty="0"/>
               <a:t>)</a:t>
             </a:r>
             <a:endParaRPr lang="ko-KR" altLang="en-US" dirty="0"/>
@@ -7679,51 +7679,38 @@
           </a:lstStyle>
           <a:p>
             <a:r>
-              <a:rPr lang="ko-KR" altLang="en-US" dirty="0" smtClean="0"/>
+              <a:rPr lang="ko-KR" altLang="en-US" dirty="0"/>
               <a:t>협업 활동 </a:t>
             </a:r>
             <a:r>
               <a:rPr lang="en-US" altLang="ko-KR" dirty="0"/>
-              <a:t>(</a:t>
-            </a:r>
-            <a:r>
-              <a:rPr lang="en-US" altLang="ko-KR" dirty="0" smtClean="0"/>
-              <a:t>collaborator : </a:t>
-            </a:r>
-            <a:r>
-              <a:rPr lang="en-US" altLang="ko-KR" dirty="0" err="1" smtClean="0"/>
+              <a:t>(collaborator : </a:t>
+            </a:r>
+            <a:r>
+              <a:rPr lang="en-US" altLang="ko-KR" dirty="0" err="1"/>
               <a:t>fasthill</a:t>
             </a:r>
             <a:r>
-              <a:rPr lang="en-US" altLang="ko-KR" dirty="0" smtClean="0"/>
-              <a:t>-</a:t>
-            </a:r>
-            <a:r>
-              <a:rPr lang="en-US" altLang="ko-KR" dirty="0" smtClean="0"/>
-              <a:t>sibling</a:t>
-            </a:r>
-            <a:r>
-              <a:rPr lang="en-US" altLang="ko-KR" dirty="0" smtClean="0"/>
-              <a:t>)</a:t>
-            </a:r>
-            <a:endParaRPr lang="en-US" altLang="ko-KR" dirty="0"/>
+              <a:rPr lang="en-US" altLang="ko-KR" dirty="0"/>
+              <a:t>-sibling)</a:t>
+            </a:r>
           </a:p>
           <a:p>
             <a:pPr lvl="1"/>
             <a:r>
-              <a:rPr lang="ko-KR" altLang="en-US" dirty="0" smtClean="0">
+              <a:rPr lang="ko-KR" altLang="en-US" dirty="0">
                 <a:latin typeface="+mn-ea"/>
               </a:rPr>
               <a:t>원격협업저장소 주소 복사 </a:t>
             </a:r>
             <a:r>
-              <a:rPr lang="en-US" altLang="ko-KR" dirty="0" smtClean="0">
+              <a:rPr lang="en-US" altLang="ko-KR" dirty="0">
                 <a:latin typeface="+mn-ea"/>
               </a:rPr>
               <a:t>clone</a:t>
             </a:r>
             <a:r>
-              <a:rPr lang="ko-KR" altLang="en-US" dirty="0" smtClean="0">
+              <a:rPr lang="ko-KR" altLang="en-US" dirty="0">
                 <a:latin typeface="+mn-ea"/>
               </a:rPr>
               <a:t>하기</a:t>
@@ -7761,19 +7748,19 @@
           <a:lstStyle/>
           <a:p>
             <a:r>
-              <a:rPr lang="ko-KR" altLang="en-US" dirty="0" smtClean="0"/>
+              <a:rPr lang="ko-KR" altLang="en-US" dirty="0"/>
               <a:t>협업하기 </a:t>
             </a:r>
             <a:r>
-              <a:rPr lang="en-US" altLang="ko-KR" dirty="0" smtClean="0"/>
+              <a:rPr lang="en-US" altLang="ko-KR" dirty="0"/>
               <a:t>(collaborator </a:t>
             </a:r>
             <a:r>
-              <a:rPr lang="ko-KR" altLang="en-US" dirty="0" smtClean="0"/>
+              <a:rPr lang="ko-KR" altLang="en-US" dirty="0"/>
               <a:t>활동</a:t>
             </a:r>
             <a:r>
-              <a:rPr lang="en-US" altLang="ko-KR" dirty="0" smtClean="0"/>
+              <a:rPr lang="en-US" altLang="ko-KR" dirty="0"/>
               <a:t>)</a:t>
             </a:r>
             <a:endParaRPr lang="ko-KR" altLang="en-US" dirty="0"/>
@@ -7942,14 +7929,14 @@
           <a:lstStyle/>
           <a:p>
             <a:r>
-              <a:rPr lang="ko-KR" altLang="en-US" sz="1400" dirty="0" smtClean="0">
+              <a:rPr lang="ko-KR" altLang="en-US" sz="1400" dirty="0">
                 <a:solidFill>
                   <a:srgbClr val="FF0000"/>
                 </a:solidFill>
               </a:rPr>
               <a:t>주소</a:t>
             </a:r>
-            <a:endParaRPr lang="en-US" altLang="ko-KR" sz="1400" dirty="0" smtClean="0">
+            <a:endParaRPr lang="en-US" altLang="ko-KR" sz="1400" dirty="0">
               <a:solidFill>
                 <a:srgbClr val="FF0000"/>
               </a:solidFill>
@@ -7957,18 +7944,13 @@
           </a:p>
           <a:p>
             <a:r>
-              <a:rPr lang="ko-KR" altLang="en-US" sz="1400" dirty="0" smtClean="0">
+              <a:rPr lang="ko-KR" altLang="en-US" sz="1400" dirty="0">
                 <a:solidFill>
                   <a:srgbClr val="FF0000"/>
                 </a:solidFill>
               </a:rPr>
               <a:t>복사</a:t>
             </a:r>
-            <a:endParaRPr lang="ko-KR" altLang="en-US" sz="1400" dirty="0">
-              <a:solidFill>
-                <a:srgbClr val="FF0000"/>
-              </a:solidFill>
-            </a:endParaRPr>
           </a:p>
         </p:txBody>
       </p:sp>
@@ -8224,53 +8206,40 @@
           </a:lstStyle>
           <a:p>
             <a:r>
-              <a:rPr lang="ko-KR" altLang="en-US" dirty="0" smtClean="0"/>
+              <a:rPr lang="ko-KR" altLang="en-US" dirty="0"/>
               <a:t>협업 과제 활동 공간 구성 </a:t>
             </a:r>
             <a:r>
               <a:rPr lang="en-US" altLang="ko-KR" dirty="0"/>
-              <a:t>(</a:t>
-            </a:r>
-            <a:r>
-              <a:rPr lang="en-US" altLang="ko-KR" dirty="0" smtClean="0"/>
-              <a:t>collaborator : </a:t>
-            </a:r>
-            <a:r>
-              <a:rPr lang="en-US" altLang="ko-KR" dirty="0" err="1" smtClean="0"/>
+              <a:t>(collaborator : </a:t>
+            </a:r>
+            <a:r>
+              <a:rPr lang="en-US" altLang="ko-KR" dirty="0" err="1"/>
               <a:t>fasthill</a:t>
             </a:r>
             <a:r>
-              <a:rPr lang="en-US" altLang="ko-KR" dirty="0" smtClean="0"/>
-              <a:t>-</a:t>
-            </a:r>
-            <a:r>
-              <a:rPr lang="en-US" altLang="ko-KR" dirty="0" smtClean="0"/>
-              <a:t>sibling</a:t>
-            </a:r>
-            <a:r>
-              <a:rPr lang="en-US" altLang="ko-KR" dirty="0" smtClean="0"/>
-              <a:t>)</a:t>
-            </a:r>
-            <a:endParaRPr lang="en-US" altLang="ko-KR" dirty="0"/>
+              <a:rPr lang="en-US" altLang="ko-KR" dirty="0"/>
+              <a:t>-sibling)</a:t>
+            </a:r>
           </a:p>
           <a:p>
             <a:pPr marL="266700" lvl="1" indent="0">
               <a:buNone/>
             </a:pPr>
             <a:r>
-              <a:rPr lang="ko-KR" altLang="en-US" dirty="0" smtClean="0">
+              <a:rPr lang="ko-KR" altLang="en-US" dirty="0">
                 <a:latin typeface="+mn-ea"/>
               </a:rPr>
               <a:t> </a:t>
             </a:r>
             <a:r>
-              <a:rPr lang="ko-KR" altLang="en-US" dirty="0" err="1" smtClean="0">
+              <a:rPr lang="ko-KR" altLang="en-US" dirty="0" err="1">
                 <a:latin typeface="+mn-ea"/>
               </a:rPr>
               <a:t>과제명</a:t>
             </a:r>
             <a:r>
-              <a:rPr lang="ko-KR" altLang="en-US" dirty="0" smtClean="0">
+              <a:rPr lang="ko-KR" altLang="en-US" dirty="0">
                 <a:latin typeface="+mn-ea"/>
               </a:rPr>
               <a:t> </a:t>
@@ -8300,34 +8269,28 @@
               <a:rPr lang="en-US" altLang="ko-KR" dirty="0">
                 <a:latin typeface="+mn-ea"/>
               </a:rPr>
-              <a:t> working </a:t>
-            </a:r>
-            <a:r>
-              <a:rPr lang="en-US" altLang="ko-KR" dirty="0" smtClean="0">
-                <a:latin typeface="+mn-ea"/>
-              </a:rPr>
-              <a:t>directory (</a:t>
-            </a:r>
-            <a:r>
-              <a:rPr lang="ko-KR" altLang="en-US" dirty="0" err="1" smtClean="0">
+              <a:t> working directory (</a:t>
+            </a:r>
+            <a:r>
+              <a:rPr lang="ko-KR" altLang="en-US" dirty="0" err="1">
                 <a:latin typeface="+mn-ea"/>
               </a:rPr>
               <a:t>배재재설명</a:t>
             </a:r>
             <a:r>
-              <a:rPr lang="en-US" altLang="ko-KR" dirty="0" smtClean="0">
+              <a:rPr lang="en-US" altLang="ko-KR" dirty="0">
                 <a:latin typeface="+mn-ea"/>
               </a:rPr>
               <a:t>) </a:t>
             </a:r>
             <a:r>
-              <a:rPr lang="ko-KR" altLang="en-US" dirty="0" smtClean="0">
+              <a:rPr lang="ko-KR" altLang="en-US" dirty="0">
                 <a:latin typeface="+mn-ea"/>
               </a:rPr>
               <a:t>에서 </a:t>
             </a:r>
             <a:r>
-              <a:rPr lang="en-US" altLang="ko-KR" dirty="0" smtClean="0">
+              <a:rPr lang="en-US" altLang="ko-KR" dirty="0">
                 <a:latin typeface="+mn-ea"/>
               </a:rPr>
               <a:t>clone</a:t>
@@ -8342,96 +8305,81 @@
               <a:rPr lang="en-US" altLang="ko-KR" dirty="0">
                 <a:latin typeface="+mn-ea"/>
               </a:rPr>
+              <a:t> working directory</a:t>
+            </a:r>
+            <a:r>
+              <a:rPr lang="ko-KR" altLang="en-US" dirty="0">
+                <a:latin typeface="+mn-ea"/>
+              </a:rPr>
+              <a:t> 위에서 </a:t>
+            </a:r>
+            <a:r>
+              <a:rPr lang="en-US" altLang="ko-KR" dirty="0">
+                <a:latin typeface="+mn-ea"/>
+              </a:rPr>
+              <a:t>bash </a:t>
+            </a:r>
+            <a:r>
+              <a:rPr lang="ko-KR" altLang="en-US" dirty="0">
+                <a:latin typeface="+mn-ea"/>
+              </a:rPr>
+              <a:t>실행 </a:t>
+            </a:r>
+            <a:r>
+              <a:rPr lang="en-US" altLang="ko-KR" dirty="0">
+                <a:latin typeface="+mn-ea"/>
+              </a:rPr>
+              <a:t>(</a:t>
+            </a:r>
+            <a:r>
+              <a:rPr lang="ko-KR" altLang="en-US" dirty="0">
+                <a:latin typeface="+mn-ea"/>
+              </a:rPr>
+              <a:t>마우스 오른쪽 </a:t>
+            </a:r>
+            <a:r>
+              <a:rPr lang="ko-KR" altLang="en-US" dirty="0" err="1">
+                <a:latin typeface="+mn-ea"/>
+              </a:rPr>
+              <a:t>클릭후</a:t>
+            </a:r>
+            <a:r>
+              <a:rPr lang="ko-KR" altLang="en-US" dirty="0">
+                <a:latin typeface="+mn-ea"/>
+              </a:rPr>
               <a:t> </a:t>
             </a:r>
             <a:r>
-              <a:rPr lang="en-US" altLang="ko-KR" dirty="0" smtClean="0">
-                <a:latin typeface="+mn-ea"/>
-              </a:rPr>
-              <a:t>working directory</a:t>
+              <a:rPr lang="en-US" altLang="ko-KR" dirty="0" err="1">
+                <a:latin typeface="+mn-ea"/>
+              </a:rPr>
+              <a:t>git</a:t>
+            </a:r>
+            <a:r>
+              <a:rPr lang="en-US" altLang="ko-KR" dirty="0">
+                <a:latin typeface="+mn-ea"/>
+              </a:rPr>
+              <a:t> Bash here </a:t>
             </a:r>
             <a:r>
               <a:rPr lang="ko-KR" altLang="en-US" dirty="0">
                 <a:latin typeface="+mn-ea"/>
               </a:rPr>
-              <a:t> </a:t>
-            </a:r>
-            <a:r>
-              <a:rPr lang="ko-KR" altLang="en-US" dirty="0" smtClean="0">
-                <a:latin typeface="+mn-ea"/>
-              </a:rPr>
-              <a:t>위에서 </a:t>
-            </a:r>
-            <a:r>
-              <a:rPr lang="en-US" altLang="ko-KR" dirty="0" smtClean="0">
-                <a:latin typeface="+mn-ea"/>
-              </a:rPr>
-              <a:t>bash </a:t>
-            </a:r>
-            <a:r>
-              <a:rPr lang="ko-KR" altLang="en-US" dirty="0" smtClean="0">
-                <a:latin typeface="+mn-ea"/>
-              </a:rPr>
-              <a:t>실행 </a:t>
-            </a:r>
-            <a:r>
-              <a:rPr lang="en-US" altLang="ko-KR" dirty="0" smtClean="0">
-                <a:latin typeface="+mn-ea"/>
-              </a:rPr>
-              <a:t>(</a:t>
-            </a:r>
-            <a:r>
-              <a:rPr lang="ko-KR" altLang="en-US" dirty="0" smtClean="0">
-                <a:latin typeface="+mn-ea"/>
-              </a:rPr>
-              <a:t>마우스 오른쪽 </a:t>
-            </a:r>
-            <a:r>
-              <a:rPr lang="ko-KR" altLang="en-US" dirty="0" err="1" smtClean="0">
-                <a:latin typeface="+mn-ea"/>
-              </a:rPr>
-              <a:t>클릭후</a:t>
-            </a:r>
-            <a:r>
-              <a:rPr lang="ko-KR" altLang="en-US" dirty="0" smtClean="0">
-                <a:latin typeface="+mn-ea"/>
-              </a:rPr>
-              <a:t> </a:t>
-            </a:r>
-            <a:r>
-              <a:rPr lang="en-US" altLang="ko-KR" dirty="0" err="1" smtClean="0">
-                <a:latin typeface="+mn-ea"/>
-              </a:rPr>
-              <a:t>git</a:t>
-            </a:r>
-            <a:r>
-              <a:rPr lang="en-US" altLang="ko-KR" dirty="0" smtClean="0">
-                <a:latin typeface="+mn-ea"/>
-              </a:rPr>
-              <a:t> Bash here </a:t>
-            </a:r>
-            <a:r>
-              <a:rPr lang="ko-KR" altLang="en-US" dirty="0" smtClean="0">
-                <a:latin typeface="+mn-ea"/>
-              </a:rPr>
               <a:t>선택</a:t>
             </a:r>
             <a:r>
-              <a:rPr lang="en-US" altLang="ko-KR" dirty="0" smtClean="0">
+              <a:rPr lang="en-US" altLang="ko-KR" dirty="0">
                 <a:latin typeface="+mn-ea"/>
               </a:rPr>
               <a:t>)</a:t>
             </a:r>
-            <a:endParaRPr lang="en-US" altLang="ko-KR" dirty="0">
-              <a:latin typeface="+mn-ea"/>
-            </a:endParaRPr>
           </a:p>
           <a:p>
             <a:pPr marL="450850" lvl="1" indent="0">
               <a:buNone/>
             </a:pPr>
             <a:r>
-              <a:rPr lang="en-US" altLang="ko-KR" dirty="0" smtClean="0">
+              <a:rPr lang="en-US" altLang="ko-KR" dirty="0">
                 <a:latin typeface="+mn-ea"/>
               </a:rPr>
               <a:t>    ☞ </a:t>
@@ -8446,13 +8394,7 @@
               <a:rPr lang="en-US" altLang="ko-KR" dirty="0">
                 <a:latin typeface="+mn-ea"/>
               </a:rPr>
-              <a:t> </a:t>
-            </a:r>
-            <a:r>
-              <a:rPr lang="en-US" altLang="ko-KR" dirty="0" smtClean="0">
-                <a:latin typeface="+mn-ea"/>
-              </a:rPr>
-              <a:t>clone </a:t>
+              <a:t> clone </a:t>
             </a:r>
             <a:r>
               <a:rPr lang="en-US" altLang="ko-KR" dirty="0">
@@ -8462,12 +8404,6 @@
               <a:t>https://github.com/paichaisw/paichai_collab.git</a:t>
             </a:r>
             <a:endParaRPr lang="en-US" altLang="ko-KR" dirty="0">
-              <a:latin typeface="+mn-ea"/>
-            </a:endParaRPr>
-          </a:p>
-          <a:p>
-            <a:pPr lvl="1"/>
-            <a:endParaRPr lang="en-US" altLang="ko-KR" dirty="0" smtClean="0">
               <a:latin typeface="+mn-ea"/>
             </a:endParaRPr>
           </a:p>
@@ -8479,13 +8415,19 @@
           </a:p>
           <a:p>
             <a:pPr lvl="1"/>
-            <a:endParaRPr lang="en-US" altLang="ko-KR" dirty="0" smtClean="0">
+            <a:endParaRPr lang="en-US" altLang="ko-KR" dirty="0">
               <a:latin typeface="+mn-ea"/>
             </a:endParaRPr>
           </a:p>
           <a:p>
             <a:pPr lvl="1"/>
-            <a:endParaRPr lang="en-US" altLang="ko-KR" dirty="0" smtClean="0">
+            <a:endParaRPr lang="en-US" altLang="ko-KR" dirty="0">
+              <a:latin typeface="+mn-ea"/>
+            </a:endParaRPr>
+          </a:p>
+          <a:p>
+            <a:pPr lvl="1"/>
+            <a:endParaRPr lang="en-US" altLang="ko-KR" dirty="0">
               <a:latin typeface="+mn-ea"/>
             </a:endParaRPr>
           </a:p>
@@ -8497,63 +8439,57 @@
               <a:rPr lang="en-US" altLang="ko-KR" dirty="0">
                 <a:latin typeface="+mn-ea"/>
               </a:rPr>
+              <a:t>       * ‘</a:t>
+            </a:r>
+            <a:r>
+              <a:rPr lang="en-US" altLang="ko-KR" dirty="0" err="1">
+                <a:latin typeface="+mn-ea"/>
+              </a:rPr>
+              <a:t>paichai_collab</a:t>
+            </a:r>
+            <a:r>
+              <a:rPr lang="en-US" altLang="ko-KR" dirty="0">
+                <a:latin typeface="+mn-ea"/>
+              </a:rPr>
+              <a:t>’ working directory</a:t>
+            </a:r>
+            <a:r>
+              <a:rPr lang="ko-KR" altLang="en-US" dirty="0">
+                <a:latin typeface="+mn-ea"/>
+              </a:rPr>
+              <a:t>가</a:t>
+            </a:r>
+            <a:r>
+              <a:rPr lang="en-US" altLang="ko-KR" dirty="0">
+                <a:latin typeface="+mn-ea"/>
+              </a:rPr>
               <a:t> </a:t>
             </a:r>
             <a:r>
-              <a:rPr lang="en-US" altLang="ko-KR" dirty="0" smtClean="0">
-                <a:latin typeface="+mn-ea"/>
-              </a:rPr>
-              <a:t>      * ‘</a:t>
-            </a:r>
-            <a:r>
-              <a:rPr lang="en-US" altLang="ko-KR" dirty="0" err="1" smtClean="0">
-                <a:latin typeface="+mn-ea"/>
-              </a:rPr>
-              <a:t>paichai_collab</a:t>
-            </a:r>
-            <a:r>
-              <a:rPr lang="en-US" altLang="ko-KR" dirty="0" smtClean="0">
-                <a:latin typeface="+mn-ea"/>
-              </a:rPr>
-              <a:t>’ working directory</a:t>
-            </a:r>
-            <a:r>
-              <a:rPr lang="ko-KR" altLang="en-US" dirty="0" smtClean="0">
-                <a:latin typeface="+mn-ea"/>
-              </a:rPr>
-              <a:t>가</a:t>
-            </a:r>
-            <a:r>
-              <a:rPr lang="en-US" altLang="ko-KR" dirty="0" smtClean="0">
-                <a:latin typeface="+mn-ea"/>
-              </a:rPr>
-              <a:t> </a:t>
-            </a:r>
-            <a:r>
-              <a:rPr lang="ko-KR" altLang="en-US" dirty="0" smtClean="0">
+              <a:rPr lang="ko-KR" altLang="en-US" dirty="0">
                 <a:latin typeface="+mn-ea"/>
               </a:rPr>
               <a:t>생성됨 </a:t>
             </a:r>
             <a:r>
-              <a:rPr lang="en-US" altLang="ko-KR" dirty="0" smtClean="0">
+              <a:rPr lang="en-US" altLang="ko-KR" dirty="0">
                 <a:latin typeface="+mn-ea"/>
               </a:rPr>
               <a:t>= </a:t>
             </a:r>
             <a:r>
-              <a:rPr lang="ko-KR" altLang="en-US" dirty="0" err="1" smtClean="0">
+              <a:rPr lang="ko-KR" altLang="en-US" dirty="0" err="1">
                 <a:latin typeface="+mn-ea"/>
               </a:rPr>
               <a:t>원격저장소</a:t>
             </a:r>
             <a:r>
-              <a:rPr lang="ko-KR" altLang="en-US" dirty="0" smtClean="0">
+              <a:rPr lang="ko-KR" altLang="en-US" dirty="0">
                 <a:latin typeface="+mn-ea"/>
               </a:rPr>
               <a:t> 이름</a:t>
             </a:r>
-            <a:endParaRPr lang="en-US" altLang="ko-KR" dirty="0" smtClean="0">
+            <a:endParaRPr lang="en-US" altLang="ko-KR" dirty="0">
               <a:latin typeface="+mn-ea"/>
             </a:endParaRPr>
           </a:p>
@@ -8562,13 +8498,13 @@
               <a:buNone/>
             </a:pPr>
             <a:r>
-              <a:rPr lang="en-US" altLang="ko-KR" dirty="0" smtClean="0">
+              <a:rPr lang="en-US" altLang="ko-KR" dirty="0">
                 <a:latin typeface="+mn-ea"/>
               </a:rPr>
               <a:t>           </a:t>
             </a:r>
             <a:r>
-              <a:rPr lang="ko-KR" altLang="en-US" dirty="0" smtClean="0">
+              <a:rPr lang="ko-KR" altLang="en-US" dirty="0">
                 <a:latin typeface="+mn-ea"/>
               </a:rPr>
               <a:t>이제부터는 </a:t>
@@ -8592,12 +8528,12 @@
               <a:t>’ </a:t>
             </a:r>
             <a:r>
-              <a:rPr lang="ko-KR" altLang="en-US" dirty="0" smtClean="0">
+              <a:rPr lang="ko-KR" altLang="en-US" dirty="0">
                 <a:latin typeface="+mn-ea"/>
               </a:rPr>
               <a:t>에서</a:t>
             </a:r>
-            <a:endParaRPr lang="en-US" altLang="ko-KR" dirty="0" smtClean="0">
+            <a:endParaRPr lang="en-US" altLang="ko-KR" dirty="0">
               <a:latin typeface="+mn-ea"/>
             </a:endParaRPr>
           </a:p>
@@ -8609,16 +8545,10 @@
               <a:rPr lang="en-US" altLang="ko-KR" dirty="0">
                 <a:latin typeface="+mn-ea"/>
               </a:rPr>
-              <a:t> </a:t>
-            </a:r>
-            <a:r>
-              <a:rPr lang="en-US" altLang="ko-KR" dirty="0" smtClean="0">
-                <a:latin typeface="+mn-ea"/>
-              </a:rPr>
-              <a:t>          </a:t>
-            </a:r>
-            <a:r>
-              <a:rPr lang="ko-KR" altLang="en-US" dirty="0" smtClean="0">
+              <a:t>           </a:t>
+            </a:r>
+            <a:r>
+              <a:rPr lang="ko-KR" altLang="en-US" dirty="0">
                 <a:latin typeface="+mn-ea"/>
               </a:rPr>
               <a:t>모든 작업을 수행</a:t>
@@ -8629,7 +8559,7 @@
           </a:p>
           <a:p>
             <a:pPr lvl="1"/>
-            <a:endParaRPr lang="en-US" altLang="ko-KR" dirty="0" smtClean="0">
+            <a:endParaRPr lang="en-US" altLang="ko-KR" dirty="0">
               <a:latin typeface="+mn-ea"/>
             </a:endParaRPr>
           </a:p>
@@ -8662,19 +8592,19 @@
           <a:lstStyle/>
           <a:p>
             <a:r>
-              <a:rPr lang="ko-KR" altLang="en-US" dirty="0" smtClean="0"/>
+              <a:rPr lang="ko-KR" altLang="en-US" dirty="0"/>
               <a:t>협업하기 </a:t>
             </a:r>
             <a:r>
-              <a:rPr lang="en-US" altLang="ko-KR" dirty="0" smtClean="0"/>
+              <a:rPr lang="en-US" altLang="ko-KR" dirty="0"/>
               <a:t>(collaborator </a:t>
             </a:r>
             <a:r>
-              <a:rPr lang="ko-KR" altLang="en-US" dirty="0" smtClean="0"/>
+              <a:rPr lang="ko-KR" altLang="en-US" dirty="0"/>
               <a:t>활동</a:t>
             </a:r>
             <a:r>
-              <a:rPr lang="en-US" altLang="ko-KR" dirty="0" smtClean="0"/>
+              <a:rPr lang="en-US" altLang="ko-KR" dirty="0"/>
               <a:t>)</a:t>
             </a:r>
             <a:endParaRPr lang="ko-KR" altLang="en-US" dirty="0"/>
@@ -8801,13 +8731,6 @@
   <p:clrMapOvr>
     <a:masterClrMapping/>
   </p:clrMapOvr>
-  <p:timing>
-    <p:tnLst>
-      <p:par>
-        <p:cTn id="1" dur="indefinite" restart="never" nodeType="tmRoot"/>
-      </p:par>
-    </p:tnLst>
-  </p:timing>
 </p:sld>
 </file>
 
@@ -8996,53 +8919,40 @@
           </a:lstStyle>
           <a:p>
             <a:r>
-              <a:rPr lang="ko-KR" altLang="en-US" dirty="0" smtClean="0"/>
+              <a:rPr lang="ko-KR" altLang="en-US" dirty="0"/>
               <a:t>협업 과제 활동 공간 구성 </a:t>
             </a:r>
             <a:r>
               <a:rPr lang="en-US" altLang="ko-KR" dirty="0"/>
-              <a:t>(</a:t>
-            </a:r>
-            <a:r>
-              <a:rPr lang="en-US" altLang="ko-KR" dirty="0" smtClean="0"/>
-              <a:t>collaborator : </a:t>
-            </a:r>
-            <a:r>
-              <a:rPr lang="en-US" altLang="ko-KR" dirty="0" err="1" smtClean="0"/>
+              <a:t>(collaborator : </a:t>
+            </a:r>
+            <a:r>
+              <a:rPr lang="en-US" altLang="ko-KR" dirty="0" err="1"/>
               <a:t>fasthill</a:t>
             </a:r>
             <a:r>
-              <a:rPr lang="en-US" altLang="ko-KR" dirty="0" smtClean="0"/>
-              <a:t>-</a:t>
-            </a:r>
-            <a:r>
-              <a:rPr lang="en-US" altLang="ko-KR" dirty="0" smtClean="0"/>
-              <a:t>sibling</a:t>
-            </a:r>
-            <a:r>
-              <a:rPr lang="en-US" altLang="ko-KR" dirty="0" smtClean="0"/>
-              <a:t>)</a:t>
-            </a:r>
-            <a:endParaRPr lang="en-US" altLang="ko-KR" dirty="0"/>
+              <a:rPr lang="en-US" altLang="ko-KR" dirty="0"/>
+              <a:t>-sibling)</a:t>
+            </a:r>
           </a:p>
           <a:p>
             <a:pPr marL="266700" lvl="1" indent="0">
               <a:buNone/>
             </a:pPr>
             <a:r>
-              <a:rPr lang="ko-KR" altLang="en-US" dirty="0" smtClean="0">
+              <a:rPr lang="ko-KR" altLang="en-US" dirty="0">
                 <a:latin typeface="+mn-ea"/>
               </a:rPr>
               <a:t> </a:t>
             </a:r>
             <a:r>
-              <a:rPr lang="ko-KR" altLang="en-US" dirty="0" err="1" smtClean="0">
+              <a:rPr lang="ko-KR" altLang="en-US" dirty="0" err="1">
                 <a:latin typeface="+mn-ea"/>
               </a:rPr>
               <a:t>과제명</a:t>
             </a:r>
             <a:r>
-              <a:rPr lang="ko-KR" altLang="en-US" dirty="0" smtClean="0">
+              <a:rPr lang="ko-KR" altLang="en-US" dirty="0">
                 <a:latin typeface="+mn-ea"/>
               </a:rPr>
               <a:t> </a:t>
@@ -9072,33 +8982,27 @@
               <a:rPr lang="en-US" altLang="ko-KR" dirty="0">
                 <a:latin typeface="+mn-ea"/>
               </a:rPr>
-              <a:t> working </a:t>
-            </a:r>
-            <a:r>
-              <a:rPr lang="en-US" altLang="ko-KR" dirty="0" smtClean="0">
-                <a:latin typeface="+mn-ea"/>
-              </a:rPr>
-              <a:t>directory (</a:t>
-            </a:r>
-            <a:r>
-              <a:rPr lang="en-US" altLang="ko-KR" dirty="0" err="1" smtClean="0">
+              <a:t> working directory (</a:t>
+            </a:r>
+            <a:r>
+              <a:rPr lang="en-US" altLang="ko-KR" dirty="0" err="1">
                 <a:latin typeface="+mn-ea"/>
               </a:rPr>
               <a:t>paichai_collab</a:t>
             </a:r>
             <a:r>
-              <a:rPr lang="en-US" altLang="ko-KR" dirty="0" smtClean="0">
+              <a:rPr lang="en-US" altLang="ko-KR" dirty="0">
                 <a:latin typeface="+mn-ea"/>
               </a:rPr>
               <a:t>)</a:t>
             </a:r>
             <a:r>
-              <a:rPr lang="ko-KR" altLang="en-US" dirty="0" smtClean="0">
+              <a:rPr lang="ko-KR" altLang="en-US" dirty="0">
                 <a:latin typeface="+mn-ea"/>
               </a:rPr>
               <a:t>로 이동 후 내용 확인</a:t>
             </a:r>
-            <a:endParaRPr lang="en-US" altLang="ko-KR" dirty="0" smtClean="0">
+            <a:endParaRPr lang="en-US" altLang="ko-KR" dirty="0">
               <a:latin typeface="+mn-ea"/>
             </a:endParaRPr>
           </a:p>
@@ -9116,7 +9020,7 @@
               <a:buFont typeface="+mj-ea"/>
               <a:buAutoNum type="circleNumDbPlain"/>
             </a:pPr>
-            <a:endParaRPr lang="en-US" altLang="ko-KR" dirty="0" smtClean="0">
+            <a:endParaRPr lang="en-US" altLang="ko-KR" dirty="0">
               <a:latin typeface="+mn-ea"/>
             </a:endParaRPr>
           </a:p>
@@ -9134,7 +9038,7 @@
               <a:buFont typeface="+mj-ea"/>
               <a:buAutoNum type="circleNumDbPlain"/>
             </a:pPr>
-            <a:endParaRPr lang="en-US" altLang="ko-KR" dirty="0" smtClean="0">
+            <a:endParaRPr lang="en-US" altLang="ko-KR" dirty="0">
               <a:latin typeface="+mn-ea"/>
             </a:endParaRPr>
           </a:p>
@@ -9152,7 +9056,7 @@
               <a:buFont typeface="+mj-ea"/>
               <a:buAutoNum type="circleNumDbPlain"/>
             </a:pPr>
-            <a:endParaRPr lang="en-US" altLang="ko-KR" dirty="0" smtClean="0">
+            <a:endParaRPr lang="en-US" altLang="ko-KR" dirty="0">
               <a:latin typeface="+mn-ea"/>
             </a:endParaRPr>
           </a:p>
@@ -9171,49 +9075,49 @@
               <a:buAutoNum type="circleNumDbPlain"/>
             </a:pPr>
             <a:r>
-              <a:rPr lang="en-US" altLang="ko-KR" dirty="0" smtClean="0">
+              <a:rPr lang="en-US" altLang="ko-KR" dirty="0">
                 <a:latin typeface="+mn-ea"/>
               </a:rPr>
               <a:t>  .</a:t>
             </a:r>
             <a:r>
-              <a:rPr lang="en-US" altLang="ko-KR" dirty="0" err="1" smtClean="0">
+              <a:rPr lang="en-US" altLang="ko-KR" dirty="0" err="1">
                 <a:latin typeface="+mn-ea"/>
               </a:rPr>
               <a:t>git</a:t>
             </a:r>
             <a:r>
-              <a:rPr lang="en-US" altLang="ko-KR" dirty="0" smtClean="0">
+              <a:rPr lang="en-US" altLang="ko-KR" dirty="0">
                 <a:latin typeface="+mn-ea"/>
               </a:rPr>
               <a:t> </a:t>
             </a:r>
             <a:r>
-              <a:rPr lang="ko-KR" altLang="en-US" dirty="0" smtClean="0">
+              <a:rPr lang="ko-KR" altLang="en-US" dirty="0">
                 <a:latin typeface="+mn-ea"/>
               </a:rPr>
               <a:t>디렉토리 및 </a:t>
             </a:r>
             <a:r>
-              <a:rPr lang="en-US" altLang="ko-KR" dirty="0" smtClean="0">
+              <a:rPr lang="en-US" altLang="ko-KR" dirty="0">
                 <a:latin typeface="+mn-ea"/>
               </a:rPr>
               <a:t>peoject.txt </a:t>
             </a:r>
             <a:r>
-              <a:rPr lang="ko-KR" altLang="en-US" dirty="0" smtClean="0">
+              <a:rPr lang="ko-KR" altLang="en-US" dirty="0">
                 <a:latin typeface="+mn-ea"/>
               </a:rPr>
               <a:t>파일 이 있음</a:t>
             </a:r>
             <a:r>
-              <a:rPr lang="en-US" altLang="ko-KR" dirty="0" smtClean="0">
+              <a:rPr lang="en-US" altLang="ko-KR" dirty="0">
                 <a:latin typeface="+mn-ea"/>
               </a:rPr>
               <a:t>. </a:t>
             </a:r>
             <a:r>
-              <a:rPr lang="ko-KR" altLang="en-US" dirty="0" smtClean="0">
+              <a:rPr lang="ko-KR" altLang="en-US" dirty="0">
                 <a:solidFill>
                   <a:srgbClr val="0000FF"/>
                 </a:solidFill>
@@ -9221,7 +9125,7 @@
               </a:rPr>
               <a:t>최초 리더가 올렸던 내용과 똑 같음</a:t>
             </a:r>
-            <a:endParaRPr lang="en-US" altLang="ko-KR" dirty="0" smtClean="0">
+            <a:endParaRPr lang="en-US" altLang="ko-KR" dirty="0">
               <a:solidFill>
                 <a:srgbClr val="0000FF"/>
               </a:solidFill>
@@ -9243,27 +9147,21 @@
               <a:rPr lang="ko-KR" altLang="en-US" dirty="0">
                 <a:latin typeface="+mn-ea"/>
               </a:rPr>
-              <a:t> </a:t>
-            </a:r>
-            <a:r>
-              <a:rPr lang="ko-KR" altLang="en-US" dirty="0" smtClean="0">
-                <a:latin typeface="+mn-ea"/>
-              </a:rPr>
-              <a:t>이제 </a:t>
-            </a:r>
-            <a:r>
-              <a:rPr lang="en-US" altLang="ko-KR" dirty="0" smtClean="0">
+              <a:t> 이제 </a:t>
+            </a:r>
+            <a:r>
+              <a:rPr lang="en-US" altLang="ko-KR" dirty="0">
                 <a:latin typeface="+mn-ea"/>
               </a:rPr>
               <a:t>project.txt</a:t>
             </a:r>
             <a:r>
-              <a:rPr lang="ko-KR" altLang="en-US" dirty="0" smtClean="0">
+              <a:rPr lang="ko-KR" altLang="en-US" dirty="0">
                 <a:latin typeface="+mn-ea"/>
               </a:rPr>
               <a:t>를 이용하여 나에게 맡겨진 업무 수행</a:t>
             </a:r>
-            <a:endParaRPr lang="en-US" altLang="ko-KR" dirty="0" smtClean="0">
+            <a:endParaRPr lang="en-US" altLang="ko-KR" dirty="0">
               <a:latin typeface="+mn-ea"/>
             </a:endParaRPr>
           </a:p>
@@ -9281,7 +9179,7 @@
               <a:buFont typeface="+mj-ea"/>
               <a:buAutoNum type="circleNumDbPlain"/>
             </a:pPr>
-            <a:endParaRPr lang="en-US" altLang="ko-KR" dirty="0" smtClean="0">
+            <a:endParaRPr lang="en-US" altLang="ko-KR" dirty="0">
               <a:latin typeface="+mn-ea"/>
             </a:endParaRPr>
           </a:p>
@@ -9299,7 +9197,7 @@
               <a:buFont typeface="+mj-ea"/>
               <a:buAutoNum type="circleNumDbPlain"/>
             </a:pPr>
-            <a:endParaRPr lang="en-US" altLang="ko-KR" dirty="0" smtClean="0">
+            <a:endParaRPr lang="en-US" altLang="ko-KR" dirty="0">
               <a:latin typeface="+mn-ea"/>
             </a:endParaRPr>
           </a:p>
@@ -9317,7 +9215,7 @@
               <a:buFont typeface="+mj-ea"/>
               <a:buAutoNum type="circleNumDbPlain"/>
             </a:pPr>
-            <a:endParaRPr lang="en-US" altLang="ko-KR" dirty="0" smtClean="0">
+            <a:endParaRPr lang="en-US" altLang="ko-KR" dirty="0">
               <a:latin typeface="+mn-ea"/>
             </a:endParaRPr>
           </a:p>
@@ -9325,7 +9223,7 @@
             <a:pPr marL="450850" lvl="1" indent="0">
               <a:buNone/>
             </a:pPr>
-            <a:endParaRPr lang="en-US" altLang="ko-KR" dirty="0" smtClean="0">
+            <a:endParaRPr lang="en-US" altLang="ko-KR" dirty="0">
               <a:latin typeface="+mn-ea"/>
             </a:endParaRPr>
           </a:p>
@@ -9337,13 +9235,7 @@
           </a:p>
           <a:p>
             <a:pPr lvl="1"/>
-            <a:endParaRPr lang="en-US" altLang="ko-KR" dirty="0" smtClean="0">
-              <a:latin typeface="+mn-ea"/>
-            </a:endParaRPr>
-          </a:p>
-          <a:p>
-            <a:pPr lvl="1"/>
-            <a:endParaRPr lang="en-US" altLang="ko-KR" dirty="0" smtClean="0">
+            <a:endParaRPr lang="en-US" altLang="ko-KR" dirty="0">
               <a:latin typeface="+mn-ea"/>
             </a:endParaRPr>
           </a:p>
@@ -9355,7 +9247,7 @@
           </a:p>
           <a:p>
             <a:pPr lvl="1"/>
-            <a:endParaRPr lang="en-US" altLang="ko-KR" dirty="0" smtClean="0">
+            <a:endParaRPr lang="en-US" altLang="ko-KR" dirty="0">
               <a:latin typeface="+mn-ea"/>
             </a:endParaRPr>
           </a:p>
@@ -9367,7 +9259,13 @@
           </a:p>
           <a:p>
             <a:pPr lvl="1"/>
-            <a:endParaRPr lang="en-US" altLang="ko-KR" dirty="0" smtClean="0">
+            <a:endParaRPr lang="en-US" altLang="ko-KR" dirty="0">
+              <a:latin typeface="+mn-ea"/>
+            </a:endParaRPr>
+          </a:p>
+          <a:p>
+            <a:pPr lvl="1"/>
+            <a:endParaRPr lang="en-US" altLang="ko-KR" dirty="0">
               <a:latin typeface="+mn-ea"/>
             </a:endParaRPr>
           </a:p>
@@ -9400,19 +9298,19 @@
           <a:lstStyle/>
           <a:p>
             <a:r>
-              <a:rPr lang="ko-KR" altLang="en-US" dirty="0" smtClean="0"/>
+              <a:rPr lang="ko-KR" altLang="en-US" dirty="0"/>
               <a:t>협업하기 </a:t>
             </a:r>
             <a:r>
-              <a:rPr lang="en-US" altLang="ko-KR" dirty="0" smtClean="0"/>
+              <a:rPr lang="en-US" altLang="ko-KR" dirty="0"/>
               <a:t>(collaborator </a:t>
             </a:r>
             <a:r>
-              <a:rPr lang="ko-KR" altLang="en-US" dirty="0" smtClean="0"/>
+              <a:rPr lang="ko-KR" altLang="en-US" dirty="0"/>
               <a:t>활동</a:t>
             </a:r>
             <a:r>
-              <a:rPr lang="en-US" altLang="ko-KR" dirty="0" smtClean="0"/>
+              <a:rPr lang="en-US" altLang="ko-KR" dirty="0"/>
               <a:t>)</a:t>
             </a:r>
             <a:endParaRPr lang="ko-KR" altLang="en-US" dirty="0"/>
@@ -9557,13 +9455,6 @@
   <p:clrMapOvr>
     <a:masterClrMapping/>
   </p:clrMapOvr>
-  <p:timing>
-    <p:tnLst>
-      <p:par>
-        <p:cTn id="1" dur="indefinite" restart="never" nodeType="tmRoot"/>
-      </p:par>
-    </p:tnLst>
-  </p:timing>
 </p:sld>
 </file>
 
@@ -9776,53 +9667,40 @@
           </a:lstStyle>
           <a:p>
             <a:r>
-              <a:rPr lang="ko-KR" altLang="en-US" dirty="0" smtClean="0"/>
+              <a:rPr lang="ko-KR" altLang="en-US" dirty="0"/>
               <a:t>협업 과제 활동 공간 구성 </a:t>
             </a:r>
             <a:r>
               <a:rPr lang="en-US" altLang="ko-KR" dirty="0"/>
-              <a:t>(</a:t>
-            </a:r>
-            <a:r>
-              <a:rPr lang="en-US" altLang="ko-KR" dirty="0" smtClean="0"/>
-              <a:t>collaborator : </a:t>
-            </a:r>
-            <a:r>
-              <a:rPr lang="en-US" altLang="ko-KR" dirty="0" err="1" smtClean="0"/>
+              <a:t>(collaborator : </a:t>
+            </a:r>
+            <a:r>
+              <a:rPr lang="en-US" altLang="ko-KR" dirty="0" err="1"/>
               <a:t>fasthill</a:t>
             </a:r>
             <a:r>
-              <a:rPr lang="en-US" altLang="ko-KR" dirty="0" smtClean="0"/>
-              <a:t>-</a:t>
-            </a:r>
-            <a:r>
-              <a:rPr lang="en-US" altLang="ko-KR" dirty="0" smtClean="0"/>
-              <a:t>sibling</a:t>
-            </a:r>
-            <a:r>
-              <a:rPr lang="en-US" altLang="ko-KR" dirty="0" smtClean="0"/>
-              <a:t>)</a:t>
-            </a:r>
-            <a:endParaRPr lang="en-US" altLang="ko-KR" dirty="0"/>
+              <a:rPr lang="en-US" altLang="ko-KR" dirty="0"/>
+              <a:t>-sibling)</a:t>
+            </a:r>
           </a:p>
           <a:p>
             <a:pPr marL="266700" lvl="1" indent="0">
               <a:buNone/>
             </a:pPr>
             <a:r>
-              <a:rPr lang="ko-KR" altLang="en-US" dirty="0" smtClean="0">
+              <a:rPr lang="ko-KR" altLang="en-US" dirty="0">
                 <a:latin typeface="+mn-ea"/>
               </a:rPr>
               <a:t> </a:t>
             </a:r>
             <a:r>
-              <a:rPr lang="ko-KR" altLang="en-US" dirty="0" err="1" smtClean="0">
+              <a:rPr lang="ko-KR" altLang="en-US" dirty="0" err="1">
                 <a:latin typeface="+mn-ea"/>
               </a:rPr>
               <a:t>과제명</a:t>
             </a:r>
             <a:r>
-              <a:rPr lang="ko-KR" altLang="en-US" dirty="0" smtClean="0">
+              <a:rPr lang="ko-KR" altLang="en-US" dirty="0">
                 <a:latin typeface="+mn-ea"/>
               </a:rPr>
               <a:t> </a:t>
@@ -9852,30 +9730,15 @@
               <a:rPr lang="en-US" altLang="ko-KR" dirty="0">
                 <a:latin typeface="+mn-ea"/>
               </a:rPr>
-              <a:t> </a:t>
-            </a:r>
-            <a:r>
-              <a:rPr lang="en-US" altLang="ko-KR" dirty="0" smtClean="0">
-                <a:latin typeface="+mn-ea"/>
-              </a:rPr>
-              <a:t>project.txt</a:t>
-            </a:r>
-            <a:r>
-              <a:rPr lang="ko-KR" altLang="en-US" dirty="0" smtClean="0">
+              <a:t> project.txt</a:t>
+            </a:r>
+            <a:r>
+              <a:rPr lang="ko-KR" altLang="en-US" dirty="0">
                 <a:latin typeface="+mn-ea"/>
               </a:rPr>
               <a:t>에 내용 기입</a:t>
             </a:r>
             <a:endParaRPr lang="en-US" altLang="ko-KR" dirty="0">
-              <a:latin typeface="+mn-ea"/>
-            </a:endParaRPr>
-          </a:p>
-          <a:p>
-            <a:pPr marL="609600" lvl="1" indent="-158750">
-              <a:buFont typeface="+mj-ea"/>
-              <a:buAutoNum type="circleNumDbPlain"/>
-            </a:pPr>
-            <a:endParaRPr lang="en-US" altLang="ko-KR" dirty="0" smtClean="0">
               <a:latin typeface="+mn-ea"/>
             </a:endParaRPr>
           </a:p>
@@ -9893,7 +9756,7 @@
               <a:buFont typeface="+mj-ea"/>
               <a:buAutoNum type="circleNumDbPlain"/>
             </a:pPr>
-            <a:endParaRPr lang="en-US" altLang="ko-KR" dirty="0" smtClean="0">
+            <a:endParaRPr lang="en-US" altLang="ko-KR" dirty="0">
               <a:latin typeface="+mn-ea"/>
             </a:endParaRPr>
           </a:p>
@@ -9911,7 +9774,7 @@
               <a:buFont typeface="+mj-ea"/>
               <a:buAutoNum type="circleNumDbPlain"/>
             </a:pPr>
-            <a:endParaRPr lang="en-US" altLang="ko-KR" dirty="0" smtClean="0">
+            <a:endParaRPr lang="en-US" altLang="ko-KR" dirty="0">
               <a:latin typeface="+mn-ea"/>
             </a:endParaRPr>
           </a:p>
@@ -9929,7 +9792,7 @@
               <a:buFont typeface="+mj-ea"/>
               <a:buAutoNum type="circleNumDbPlain"/>
             </a:pPr>
-            <a:endParaRPr lang="en-US" altLang="ko-KR" dirty="0" smtClean="0">
+            <a:endParaRPr lang="en-US" altLang="ko-KR" dirty="0">
               <a:latin typeface="+mn-ea"/>
             </a:endParaRPr>
           </a:p>
@@ -9947,7 +9810,16 @@
               <a:buFont typeface="+mj-ea"/>
               <a:buAutoNum type="circleNumDbPlain"/>
             </a:pPr>
-            <a:endParaRPr lang="en-US" altLang="ko-KR" dirty="0" smtClean="0">
+            <a:endParaRPr lang="en-US" altLang="ko-KR" dirty="0">
+              <a:latin typeface="+mn-ea"/>
+            </a:endParaRPr>
+          </a:p>
+          <a:p>
+            <a:pPr marL="609600" lvl="1" indent="-158750">
+              <a:buFont typeface="+mj-ea"/>
+              <a:buAutoNum type="circleNumDbPlain"/>
+            </a:pPr>
+            <a:endParaRPr lang="en-US" altLang="ko-KR" dirty="0">
               <a:latin typeface="+mn-ea"/>
             </a:endParaRPr>
           </a:p>
@@ -9955,7 +9827,7 @@
             <a:pPr marL="450850" lvl="1" indent="0">
               <a:buNone/>
             </a:pPr>
-            <a:endParaRPr lang="en-US" altLang="ko-KR" dirty="0" smtClean="0">
+            <a:endParaRPr lang="en-US" altLang="ko-KR" dirty="0">
               <a:latin typeface="+mn-ea"/>
             </a:endParaRPr>
           </a:p>
@@ -9967,13 +9839,7 @@
           </a:p>
           <a:p>
             <a:pPr lvl="1"/>
-            <a:endParaRPr lang="en-US" altLang="ko-KR" dirty="0" smtClean="0">
-              <a:latin typeface="+mn-ea"/>
-            </a:endParaRPr>
-          </a:p>
-          <a:p>
-            <a:pPr lvl="1"/>
-            <a:endParaRPr lang="en-US" altLang="ko-KR" dirty="0" smtClean="0">
+            <a:endParaRPr lang="en-US" altLang="ko-KR" dirty="0">
               <a:latin typeface="+mn-ea"/>
             </a:endParaRPr>
           </a:p>
@@ -9985,7 +9851,7 @@
           </a:p>
           <a:p>
             <a:pPr lvl="1"/>
-            <a:endParaRPr lang="en-US" altLang="ko-KR" dirty="0" smtClean="0">
+            <a:endParaRPr lang="en-US" altLang="ko-KR" dirty="0">
               <a:latin typeface="+mn-ea"/>
             </a:endParaRPr>
           </a:p>
@@ -9997,7 +9863,13 @@
           </a:p>
           <a:p>
             <a:pPr lvl="1"/>
-            <a:endParaRPr lang="en-US" altLang="ko-KR" dirty="0" smtClean="0">
+            <a:endParaRPr lang="en-US" altLang="ko-KR" dirty="0">
+              <a:latin typeface="+mn-ea"/>
+            </a:endParaRPr>
+          </a:p>
+          <a:p>
+            <a:pPr lvl="1"/>
+            <a:endParaRPr lang="en-US" altLang="ko-KR" dirty="0">
               <a:latin typeface="+mn-ea"/>
             </a:endParaRPr>
           </a:p>
@@ -10030,19 +9902,19 @@
           <a:lstStyle/>
           <a:p>
             <a:r>
-              <a:rPr lang="ko-KR" altLang="en-US" dirty="0" smtClean="0"/>
+              <a:rPr lang="ko-KR" altLang="en-US" dirty="0"/>
               <a:t>협업하기 </a:t>
             </a:r>
             <a:r>
-              <a:rPr lang="en-US" altLang="ko-KR" dirty="0" smtClean="0"/>
+              <a:rPr lang="en-US" altLang="ko-KR" dirty="0"/>
               <a:t>(collaborator </a:t>
             </a:r>
             <a:r>
-              <a:rPr lang="ko-KR" altLang="en-US" dirty="0" smtClean="0"/>
+              <a:rPr lang="ko-KR" altLang="en-US" dirty="0"/>
               <a:t>활동</a:t>
             </a:r>
             <a:r>
-              <a:rPr lang="en-US" altLang="ko-KR" dirty="0" smtClean="0"/>
+              <a:rPr lang="en-US" altLang="ko-KR" dirty="0"/>
               <a:t>)</a:t>
             </a:r>
             <a:endParaRPr lang="ko-KR" altLang="en-US" dirty="0"/>
@@ -10137,13 +10009,6 @@
   <p:clrMapOvr>
     <a:masterClrMapping/>
   </p:clrMapOvr>
-  <p:timing>
-    <p:tnLst>
-      <p:par>
-        <p:cTn id="1" dur="indefinite" restart="never" nodeType="tmRoot"/>
-      </p:par>
-    </p:tnLst>
-  </p:timing>
 </p:sld>
 </file>
 
@@ -10344,24 +10209,24 @@
           <a:p>
             <a:pPr lvl="1"/>
             <a:r>
-              <a:rPr lang="ko-KR" altLang="en-US" dirty="0" err="1" smtClean="0">
+              <a:rPr lang="ko-KR" altLang="en-US" dirty="0" err="1">
                 <a:latin typeface="+mn-ea"/>
               </a:rPr>
               <a:t>원격저장소</a:t>
             </a:r>
             <a:r>
-              <a:rPr lang="en-US" altLang="ko-KR" dirty="0" smtClean="0">
+              <a:rPr lang="en-US" altLang="ko-KR" dirty="0">
                 <a:latin typeface="+mn-ea"/>
               </a:rPr>
               <a:t>(remote repository) </a:t>
             </a:r>
             <a:r>
-              <a:rPr lang="ko-KR" altLang="en-US" dirty="0" smtClean="0">
+              <a:rPr lang="ko-KR" altLang="en-US" dirty="0">
                 <a:latin typeface="+mn-ea"/>
               </a:rPr>
               <a:t>주소 복사해 놓기</a:t>
             </a:r>
-            <a:endParaRPr lang="en-US" altLang="ko-KR" dirty="0" smtClean="0">
+            <a:endParaRPr lang="en-US" altLang="ko-KR" dirty="0">
               <a:latin typeface="+mn-ea"/>
             </a:endParaRPr>
           </a:p>
@@ -10605,14 +10470,14 @@
           <a:lstStyle/>
           <a:p>
             <a:r>
-              <a:rPr lang="ko-KR" altLang="en-US" sz="1400" dirty="0" smtClean="0">
+              <a:rPr lang="ko-KR" altLang="en-US" sz="1400" dirty="0">
                 <a:solidFill>
                   <a:srgbClr val="FF0000"/>
                 </a:solidFill>
               </a:rPr>
               <a:t>주소</a:t>
             </a:r>
-            <a:endParaRPr lang="en-US" altLang="ko-KR" sz="1400" dirty="0" smtClean="0">
+            <a:endParaRPr lang="en-US" altLang="ko-KR" sz="1400" dirty="0">
               <a:solidFill>
                 <a:srgbClr val="FF0000"/>
               </a:solidFill>
@@ -10620,18 +10485,13 @@
           </a:p>
           <a:p>
             <a:r>
-              <a:rPr lang="ko-KR" altLang="en-US" sz="1400" dirty="0" smtClean="0">
+              <a:rPr lang="ko-KR" altLang="en-US" sz="1400" dirty="0">
                 <a:solidFill>
                   <a:srgbClr val="FF0000"/>
                 </a:solidFill>
               </a:rPr>
               <a:t>복사</a:t>
             </a:r>
-            <a:endParaRPr lang="ko-KR" altLang="en-US" sz="1400" dirty="0">
-              <a:solidFill>
-                <a:srgbClr val="FF0000"/>
-              </a:solidFill>
-            </a:endParaRPr>
           </a:p>
         </p:txBody>
       </p:sp>
@@ -10716,23 +10576,23 @@
           <a:lstStyle/>
           <a:p>
             <a:r>
-              <a:rPr lang="ko-KR" altLang="en-US" dirty="0" smtClean="0"/>
+              <a:rPr lang="ko-KR" altLang="en-US" dirty="0"/>
               <a:t>협업하기 </a:t>
             </a:r>
             <a:r>
-              <a:rPr lang="en-US" altLang="ko-KR" dirty="0" smtClean="0"/>
+              <a:rPr lang="en-US" altLang="ko-KR" dirty="0"/>
               <a:t>(</a:t>
             </a:r>
             <a:r>
-              <a:rPr lang="ko-KR" altLang="en-US" dirty="0" err="1" smtClean="0"/>
+              <a:rPr lang="ko-KR" altLang="en-US" dirty="0" err="1"/>
               <a:t>원격저장소</a:t>
             </a:r>
             <a:r>
-              <a:rPr lang="ko-KR" altLang="en-US" dirty="0" smtClean="0"/>
+              <a:rPr lang="ko-KR" altLang="en-US" dirty="0"/>
               <a:t> 설정</a:t>
             </a:r>
             <a:r>
-              <a:rPr lang="en-US" altLang="ko-KR" dirty="0" smtClean="0"/>
+              <a:rPr lang="en-US" altLang="ko-KR" dirty="0"/>
               <a:t>)</a:t>
             </a:r>
             <a:endParaRPr lang="ko-KR" altLang="en-US" dirty="0"/>
@@ -10937,53 +10797,40 @@
           </a:lstStyle>
           <a:p>
             <a:r>
-              <a:rPr lang="ko-KR" altLang="en-US" dirty="0" smtClean="0"/>
+              <a:rPr lang="ko-KR" altLang="en-US" dirty="0"/>
               <a:t>협업 과제 활동 공간 구성 </a:t>
             </a:r>
             <a:r>
               <a:rPr lang="en-US" altLang="ko-KR" dirty="0"/>
-              <a:t>(</a:t>
-            </a:r>
-            <a:r>
-              <a:rPr lang="en-US" altLang="ko-KR" dirty="0" smtClean="0"/>
-              <a:t>collaborator : </a:t>
-            </a:r>
-            <a:r>
-              <a:rPr lang="en-US" altLang="ko-KR" dirty="0" err="1" smtClean="0"/>
+              <a:t>(collaborator : </a:t>
+            </a:r>
+            <a:r>
+              <a:rPr lang="en-US" altLang="ko-KR" dirty="0" err="1"/>
               <a:t>fasthill</a:t>
             </a:r>
             <a:r>
-              <a:rPr lang="en-US" altLang="ko-KR" dirty="0" smtClean="0"/>
-              <a:t>-</a:t>
-            </a:r>
-            <a:r>
-              <a:rPr lang="en-US" altLang="ko-KR" dirty="0" smtClean="0"/>
-              <a:t>sibling</a:t>
-            </a:r>
-            <a:r>
-              <a:rPr lang="en-US" altLang="ko-KR" dirty="0" smtClean="0"/>
-              <a:t>)</a:t>
-            </a:r>
-            <a:endParaRPr lang="en-US" altLang="ko-KR" dirty="0"/>
+              <a:rPr lang="en-US" altLang="ko-KR" dirty="0"/>
+              <a:t>-sibling)</a:t>
+            </a:r>
           </a:p>
           <a:p>
             <a:pPr marL="266700" lvl="1" indent="0">
               <a:buNone/>
             </a:pPr>
             <a:r>
-              <a:rPr lang="ko-KR" altLang="en-US" dirty="0" smtClean="0">
+              <a:rPr lang="ko-KR" altLang="en-US" dirty="0">
                 <a:latin typeface="+mn-ea"/>
               </a:rPr>
               <a:t> </a:t>
             </a:r>
             <a:r>
-              <a:rPr lang="ko-KR" altLang="en-US" dirty="0" err="1" smtClean="0">
+              <a:rPr lang="ko-KR" altLang="en-US" dirty="0" err="1">
                 <a:latin typeface="+mn-ea"/>
               </a:rPr>
               <a:t>과제명</a:t>
             </a:r>
             <a:r>
-              <a:rPr lang="ko-KR" altLang="en-US" dirty="0" smtClean="0">
+              <a:rPr lang="ko-KR" altLang="en-US" dirty="0">
                 <a:latin typeface="+mn-ea"/>
               </a:rPr>
               <a:t> </a:t>
@@ -11016,24 +10863,24 @@
               <a:t> </a:t>
             </a:r>
             <a:r>
-              <a:rPr lang="ko-KR" altLang="en-US" dirty="0" smtClean="0">
+              <a:rPr lang="ko-KR" altLang="en-US" dirty="0">
                 <a:latin typeface="+mn-ea"/>
               </a:rPr>
               <a:t>워킹 디렉토리 </a:t>
             </a:r>
             <a:r>
-              <a:rPr lang="en-US" altLang="ko-KR" dirty="0" smtClean="0">
+              <a:rPr lang="en-US" altLang="ko-KR" dirty="0">
                 <a:latin typeface="+mn-ea"/>
               </a:rPr>
               <a:t>bash </a:t>
             </a:r>
             <a:r>
-              <a:rPr lang="ko-KR" altLang="en-US" dirty="0" smtClean="0">
+              <a:rPr lang="ko-KR" altLang="en-US" dirty="0">
                 <a:latin typeface="+mn-ea"/>
               </a:rPr>
               <a:t>창에서</a:t>
             </a:r>
-            <a:endParaRPr lang="en-US" altLang="ko-KR" dirty="0" smtClean="0">
+            <a:endParaRPr lang="en-US" altLang="ko-KR" dirty="0">
               <a:latin typeface="+mn-ea"/>
             </a:endParaRPr>
           </a:p>
@@ -11042,7 +10889,7 @@
               <a:buNone/>
             </a:pPr>
             <a:r>
-              <a:rPr lang="en-US" altLang="ko-KR" dirty="0" smtClean="0">
+              <a:rPr lang="en-US" altLang="ko-KR" dirty="0">
                 <a:latin typeface="+mn-ea"/>
               </a:rPr>
               <a:t>    ☞ </a:t>
@@ -11057,13 +10904,7 @@
               <a:rPr lang="en-US" altLang="ko-KR" dirty="0">
                 <a:latin typeface="+mn-ea"/>
               </a:rPr>
-              <a:t> </a:t>
-            </a:r>
-            <a:r>
-              <a:rPr lang="en-US" altLang="ko-KR" dirty="0" smtClean="0">
-                <a:latin typeface="+mn-ea"/>
-              </a:rPr>
-              <a:t>add project.txt</a:t>
+              <a:t> add project.txt</a:t>
             </a:r>
           </a:p>
           <a:p>
@@ -11074,13 +10915,7 @@
               <a:rPr lang="en-US" altLang="ko-KR" dirty="0">
                 <a:latin typeface="+mn-ea"/>
               </a:rPr>
-              <a:t> </a:t>
-            </a:r>
-            <a:r>
-              <a:rPr lang="en-US" altLang="ko-KR" dirty="0" smtClean="0">
-                <a:latin typeface="+mn-ea"/>
-              </a:rPr>
-              <a:t>   ☞ </a:t>
+              <a:t>    ☞ </a:t>
             </a:r>
             <a:r>
               <a:rPr lang="en-US" altLang="ko-KR" dirty="0" err="1">
@@ -11092,34 +10927,28 @@
               <a:rPr lang="en-US" altLang="ko-KR" dirty="0">
                 <a:latin typeface="+mn-ea"/>
               </a:rPr>
-              <a:t> </a:t>
-            </a:r>
-            <a:r>
-              <a:rPr lang="en-US" altLang="ko-KR" dirty="0" smtClean="0">
-                <a:latin typeface="+mn-ea"/>
-              </a:rPr>
-              <a:t>commit –m ‘smart </a:t>
-            </a:r>
-            <a:r>
-              <a:rPr lang="en-US" altLang="ko-KR" dirty="0" err="1" smtClean="0">
+              <a:t> commit –m ‘smart </a:t>
+            </a:r>
+            <a:r>
+              <a:rPr lang="en-US" altLang="ko-KR" dirty="0" err="1">
                 <a:latin typeface="+mn-ea"/>
               </a:rPr>
               <a:t>paichai</a:t>
             </a:r>
             <a:r>
-              <a:rPr lang="en-US" altLang="ko-KR" dirty="0" smtClean="0">
+              <a:rPr lang="en-US" altLang="ko-KR" dirty="0">
                 <a:latin typeface="+mn-ea"/>
               </a:rPr>
               <a:t> from </a:t>
             </a:r>
             <a:r>
-              <a:rPr lang="en-US" altLang="ko-KR" dirty="0" err="1" smtClean="0">
+              <a:rPr lang="en-US" altLang="ko-KR" dirty="0" err="1">
                 <a:latin typeface="+mn-ea"/>
               </a:rPr>
               <a:t>fasthill</a:t>
             </a:r>
             <a:r>
-              <a:rPr lang="en-US" altLang="ko-KR" dirty="0" smtClean="0">
+              <a:rPr lang="en-US" altLang="ko-KR" dirty="0">
                 <a:latin typeface="+mn-ea"/>
               </a:rPr>
               <a:t>-sibling’</a:t>
@@ -11133,38 +10962,20 @@
               <a:rPr lang="en-US" altLang="ko-KR" dirty="0">
                 <a:latin typeface="+mn-ea"/>
               </a:rPr>
-              <a:t> </a:t>
-            </a:r>
-            <a:r>
-              <a:rPr lang="en-US" altLang="ko-KR" dirty="0" smtClean="0">
-                <a:latin typeface="+mn-ea"/>
-              </a:rPr>
-              <a:t>   ☞ </a:t>
-            </a:r>
-            <a:r>
-              <a:rPr lang="en-US" altLang="ko-KR" dirty="0" err="1" smtClean="0">
+              <a:t>    ☞ </a:t>
+            </a:r>
+            <a:r>
+              <a:rPr lang="en-US" altLang="ko-KR" dirty="0" err="1">
                 <a:latin typeface="+mn-ea"/>
               </a:rPr>
               <a:t>git</a:t>
             </a:r>
             <a:r>
-              <a:rPr lang="en-US" altLang="ko-KR" dirty="0" smtClean="0">
+              <a:rPr lang="en-US" altLang="ko-KR" dirty="0">
                 <a:latin typeface="+mn-ea"/>
               </a:rPr>
               <a:t> log  </a:t>
             </a:r>
-            <a:endParaRPr lang="en-US" altLang="ko-KR" dirty="0">
-              <a:latin typeface="+mn-ea"/>
-            </a:endParaRPr>
-          </a:p>
-          <a:p>
-            <a:pPr marL="609600" lvl="1" indent="-158750">
-              <a:buFont typeface="+mj-ea"/>
-              <a:buAutoNum type="circleNumDbPlain"/>
-            </a:pPr>
-            <a:endParaRPr lang="en-US" altLang="ko-KR" dirty="0" smtClean="0">
-              <a:latin typeface="+mn-ea"/>
-            </a:endParaRPr>
           </a:p>
           <a:p>
             <a:pPr marL="609600" lvl="1" indent="-158750">
@@ -11180,16 +10991,7 @@
               <a:buFont typeface="+mj-ea"/>
               <a:buAutoNum type="circleNumDbPlain"/>
             </a:pPr>
-            <a:endParaRPr lang="en-US" altLang="ko-KR" dirty="0" smtClean="0">
-              <a:latin typeface="+mn-ea"/>
-            </a:endParaRPr>
-          </a:p>
-          <a:p>
-            <a:pPr marL="609600" lvl="1" indent="-158750">
-              <a:buFont typeface="+mj-ea"/>
-              <a:buAutoNum type="circleNumDbPlain"/>
-            </a:pPr>
-            <a:endParaRPr lang="en-US" altLang="ko-KR" dirty="0" smtClean="0">
+            <a:endParaRPr lang="en-US" altLang="ko-KR" dirty="0">
               <a:latin typeface="+mn-ea"/>
             </a:endParaRPr>
           </a:p>
@@ -11207,7 +11009,25 @@
               <a:buFont typeface="+mj-ea"/>
               <a:buAutoNum type="circleNumDbPlain"/>
             </a:pPr>
-            <a:endParaRPr lang="en-US" altLang="ko-KR" dirty="0" smtClean="0">
+            <a:endParaRPr lang="en-US" altLang="ko-KR" dirty="0">
+              <a:latin typeface="+mn-ea"/>
+            </a:endParaRPr>
+          </a:p>
+          <a:p>
+            <a:pPr marL="609600" lvl="1" indent="-158750">
+              <a:buFont typeface="+mj-ea"/>
+              <a:buAutoNum type="circleNumDbPlain"/>
+            </a:pPr>
+            <a:endParaRPr lang="en-US" altLang="ko-KR" dirty="0">
+              <a:latin typeface="+mn-ea"/>
+            </a:endParaRPr>
+          </a:p>
+          <a:p>
+            <a:pPr marL="609600" lvl="1" indent="-158750">
+              <a:buFont typeface="+mj-ea"/>
+              <a:buAutoNum type="circleNumDbPlain"/>
+            </a:pPr>
+            <a:endParaRPr lang="en-US" altLang="ko-KR" dirty="0">
               <a:latin typeface="+mn-ea"/>
             </a:endParaRPr>
           </a:p>
@@ -11215,7 +11035,7 @@
             <a:pPr marL="450850" lvl="1" indent="0">
               <a:buNone/>
             </a:pPr>
-            <a:endParaRPr lang="en-US" altLang="ko-KR" dirty="0" smtClean="0">
+            <a:endParaRPr lang="en-US" altLang="ko-KR" dirty="0">
               <a:latin typeface="+mn-ea"/>
             </a:endParaRPr>
           </a:p>
@@ -11227,13 +11047,7 @@
           </a:p>
           <a:p>
             <a:pPr lvl="1"/>
-            <a:endParaRPr lang="en-US" altLang="ko-KR" dirty="0" smtClean="0">
-              <a:latin typeface="+mn-ea"/>
-            </a:endParaRPr>
-          </a:p>
-          <a:p>
-            <a:pPr lvl="1"/>
-            <a:endParaRPr lang="en-US" altLang="ko-KR" dirty="0" smtClean="0">
+            <a:endParaRPr lang="en-US" altLang="ko-KR" dirty="0">
               <a:latin typeface="+mn-ea"/>
             </a:endParaRPr>
           </a:p>
@@ -11245,7 +11059,7 @@
           </a:p>
           <a:p>
             <a:pPr lvl="1"/>
-            <a:endParaRPr lang="en-US" altLang="ko-KR" dirty="0" smtClean="0">
+            <a:endParaRPr lang="en-US" altLang="ko-KR" dirty="0">
               <a:latin typeface="+mn-ea"/>
             </a:endParaRPr>
           </a:p>
@@ -11257,7 +11071,13 @@
           </a:p>
           <a:p>
             <a:pPr lvl="1"/>
-            <a:endParaRPr lang="en-US" altLang="ko-KR" dirty="0" smtClean="0">
+            <a:endParaRPr lang="en-US" altLang="ko-KR" dirty="0">
+              <a:latin typeface="+mn-ea"/>
+            </a:endParaRPr>
+          </a:p>
+          <a:p>
+            <a:pPr lvl="1"/>
+            <a:endParaRPr lang="en-US" altLang="ko-KR" dirty="0">
               <a:latin typeface="+mn-ea"/>
             </a:endParaRPr>
           </a:p>
@@ -11290,19 +11110,19 @@
           <a:lstStyle/>
           <a:p>
             <a:r>
-              <a:rPr lang="ko-KR" altLang="en-US" dirty="0" smtClean="0"/>
+              <a:rPr lang="ko-KR" altLang="en-US" dirty="0"/>
               <a:t>협업하기 </a:t>
             </a:r>
             <a:r>
-              <a:rPr lang="en-US" altLang="ko-KR" dirty="0" smtClean="0"/>
+              <a:rPr lang="en-US" altLang="ko-KR" dirty="0"/>
               <a:t>(collaborator </a:t>
             </a:r>
             <a:r>
-              <a:rPr lang="ko-KR" altLang="en-US" dirty="0" smtClean="0"/>
+              <a:rPr lang="ko-KR" altLang="en-US" dirty="0"/>
               <a:t>활동</a:t>
             </a:r>
             <a:r>
-              <a:rPr lang="en-US" altLang="ko-KR" dirty="0" smtClean="0"/>
+              <a:rPr lang="en-US" altLang="ko-KR" dirty="0"/>
               <a:t>)</a:t>
             </a:r>
             <a:endParaRPr lang="ko-KR" altLang="en-US" dirty="0"/>
@@ -11343,13 +11163,6 @@
   <p:clrMapOvr>
     <a:masterClrMapping/>
   </p:clrMapOvr>
-  <p:timing>
-    <p:tnLst>
-      <p:par>
-        <p:cTn id="1" dur="indefinite" restart="never" nodeType="tmRoot"/>
-      </p:par>
-    </p:tnLst>
-  </p:timing>
 </p:sld>
 </file>
 
@@ -11538,53 +11351,40 @@
           </a:lstStyle>
           <a:p>
             <a:r>
-              <a:rPr lang="ko-KR" altLang="en-US" dirty="0" smtClean="0"/>
+              <a:rPr lang="ko-KR" altLang="en-US" dirty="0"/>
               <a:t>협업 과제 활동 공간 구성 </a:t>
             </a:r>
             <a:r>
               <a:rPr lang="en-US" altLang="ko-KR" dirty="0"/>
-              <a:t>(</a:t>
-            </a:r>
-            <a:r>
-              <a:rPr lang="en-US" altLang="ko-KR" dirty="0" smtClean="0"/>
-              <a:t>collaborator : </a:t>
-            </a:r>
-            <a:r>
-              <a:rPr lang="en-US" altLang="ko-KR" dirty="0" err="1" smtClean="0"/>
+              <a:t>(collaborator : </a:t>
+            </a:r>
+            <a:r>
+              <a:rPr lang="en-US" altLang="ko-KR" dirty="0" err="1"/>
               <a:t>fasthill</a:t>
             </a:r>
             <a:r>
-              <a:rPr lang="en-US" altLang="ko-KR" dirty="0" smtClean="0"/>
-              <a:t>-</a:t>
-            </a:r>
-            <a:r>
-              <a:rPr lang="en-US" altLang="ko-KR" dirty="0" smtClean="0"/>
-              <a:t>sibling</a:t>
-            </a:r>
-            <a:r>
-              <a:rPr lang="en-US" altLang="ko-KR" dirty="0" smtClean="0"/>
-              <a:t>)</a:t>
-            </a:r>
-            <a:endParaRPr lang="en-US" altLang="ko-KR" dirty="0"/>
+              <a:rPr lang="en-US" altLang="ko-KR" dirty="0"/>
+              <a:t>-sibling)</a:t>
+            </a:r>
           </a:p>
           <a:p>
             <a:pPr marL="266700" lvl="1" indent="0">
               <a:buNone/>
             </a:pPr>
             <a:r>
-              <a:rPr lang="ko-KR" altLang="en-US" dirty="0" smtClean="0">
+              <a:rPr lang="ko-KR" altLang="en-US" dirty="0">
                 <a:latin typeface="+mn-ea"/>
               </a:rPr>
               <a:t> </a:t>
             </a:r>
             <a:r>
-              <a:rPr lang="ko-KR" altLang="en-US" dirty="0" err="1" smtClean="0">
+              <a:rPr lang="ko-KR" altLang="en-US" dirty="0" err="1">
                 <a:latin typeface="+mn-ea"/>
               </a:rPr>
               <a:t>과제명</a:t>
             </a:r>
             <a:r>
-              <a:rPr lang="ko-KR" altLang="en-US" dirty="0" smtClean="0">
+              <a:rPr lang="ko-KR" altLang="en-US" dirty="0">
                 <a:latin typeface="+mn-ea"/>
               </a:rPr>
               <a:t> </a:t>
@@ -11617,13 +11417,13 @@
               <a:t> </a:t>
             </a:r>
             <a:r>
-              <a:rPr lang="ko-KR" altLang="en-US" dirty="0" smtClean="0">
+              <a:rPr lang="ko-KR" altLang="en-US" dirty="0">
                 <a:latin typeface="+mn-ea"/>
               </a:rPr>
               <a:t>원격저장소에 올리기</a:t>
             </a:r>
             <a:r>
-              <a:rPr lang="en-US" altLang="ko-KR" dirty="0" smtClean="0">
+              <a:rPr lang="en-US" altLang="ko-KR" dirty="0">
                 <a:latin typeface="+mn-ea"/>
               </a:rPr>
               <a:t>(push)</a:t>
@@ -11634,7 +11434,7 @@
               <a:buNone/>
             </a:pPr>
             <a:r>
-              <a:rPr lang="en-US" altLang="ko-KR" dirty="0" smtClean="0">
+              <a:rPr lang="en-US" altLang="ko-KR" dirty="0">
                 <a:latin typeface="+mn-ea"/>
               </a:rPr>
               <a:t>    ☞ </a:t>
@@ -11649,13 +11449,7 @@
               <a:rPr lang="en-US" altLang="ko-KR" dirty="0">
                 <a:latin typeface="+mn-ea"/>
               </a:rPr>
-              <a:t> </a:t>
-            </a:r>
-            <a:r>
-              <a:rPr lang="en-US" altLang="ko-KR" dirty="0" smtClean="0">
-                <a:latin typeface="+mn-ea"/>
-              </a:rPr>
-              <a:t>push –u origin</a:t>
+              <a:t> push –u origin</a:t>
             </a:r>
           </a:p>
           <a:p>
@@ -11666,13 +11460,7 @@
               <a:rPr lang="en-US" altLang="ko-KR" dirty="0">
                 <a:latin typeface="+mn-ea"/>
               </a:rPr>
-              <a:t> </a:t>
-            </a:r>
-            <a:r>
-              <a:rPr lang="en-US" altLang="ko-KR" dirty="0" smtClean="0">
-                <a:latin typeface="+mn-ea"/>
-              </a:rPr>
-              <a:t>   ☞ </a:t>
+              <a:t>    ☞ </a:t>
             </a:r>
             <a:r>
               <a:rPr lang="en-US" altLang="ko-KR" dirty="0" err="1">
@@ -11684,34 +11472,28 @@
               <a:rPr lang="en-US" altLang="ko-KR" dirty="0">
                 <a:latin typeface="+mn-ea"/>
               </a:rPr>
-              <a:t> </a:t>
-            </a:r>
-            <a:r>
-              <a:rPr lang="en-US" altLang="ko-KR" dirty="0" smtClean="0">
-                <a:latin typeface="+mn-ea"/>
-              </a:rPr>
-              <a:t>commit –m ‘smart </a:t>
-            </a:r>
-            <a:r>
-              <a:rPr lang="en-US" altLang="ko-KR" dirty="0" err="1" smtClean="0">
+              <a:t> commit –m ‘smart </a:t>
+            </a:r>
+            <a:r>
+              <a:rPr lang="en-US" altLang="ko-KR" dirty="0" err="1">
                 <a:latin typeface="+mn-ea"/>
               </a:rPr>
               <a:t>paichai</a:t>
             </a:r>
             <a:r>
-              <a:rPr lang="en-US" altLang="ko-KR" dirty="0" smtClean="0">
+              <a:rPr lang="en-US" altLang="ko-KR" dirty="0">
                 <a:latin typeface="+mn-ea"/>
               </a:rPr>
               <a:t> from </a:t>
             </a:r>
             <a:r>
-              <a:rPr lang="en-US" altLang="ko-KR" dirty="0" err="1" smtClean="0">
+              <a:rPr lang="en-US" altLang="ko-KR" dirty="0" err="1">
                 <a:latin typeface="+mn-ea"/>
               </a:rPr>
               <a:t>fasthill</a:t>
             </a:r>
             <a:r>
-              <a:rPr lang="en-US" altLang="ko-KR" dirty="0" smtClean="0">
+              <a:rPr lang="en-US" altLang="ko-KR" dirty="0">
                 <a:latin typeface="+mn-ea"/>
               </a:rPr>
               <a:t>-sibling’</a:t>
@@ -11725,38 +11507,20 @@
               <a:rPr lang="en-US" altLang="ko-KR" dirty="0">
                 <a:latin typeface="+mn-ea"/>
               </a:rPr>
-              <a:t> </a:t>
-            </a:r>
-            <a:r>
-              <a:rPr lang="en-US" altLang="ko-KR" dirty="0" smtClean="0">
-                <a:latin typeface="+mn-ea"/>
-              </a:rPr>
-              <a:t>   ☞ </a:t>
-            </a:r>
-            <a:r>
-              <a:rPr lang="en-US" altLang="ko-KR" dirty="0" err="1" smtClean="0">
+              <a:t>    ☞ </a:t>
+            </a:r>
+            <a:r>
+              <a:rPr lang="en-US" altLang="ko-KR" dirty="0" err="1">
                 <a:latin typeface="+mn-ea"/>
               </a:rPr>
               <a:t>git</a:t>
             </a:r>
             <a:r>
-              <a:rPr lang="en-US" altLang="ko-KR" dirty="0" smtClean="0">
+              <a:rPr lang="en-US" altLang="ko-KR" dirty="0">
                 <a:latin typeface="+mn-ea"/>
               </a:rPr>
               <a:t> log  </a:t>
             </a:r>
-            <a:endParaRPr lang="en-US" altLang="ko-KR" dirty="0">
-              <a:latin typeface="+mn-ea"/>
-            </a:endParaRPr>
-          </a:p>
-          <a:p>
-            <a:pPr marL="609600" lvl="1" indent="-158750">
-              <a:buFont typeface="+mj-ea"/>
-              <a:buAutoNum type="circleNumDbPlain"/>
-            </a:pPr>
-            <a:endParaRPr lang="en-US" altLang="ko-KR" dirty="0" smtClean="0">
-              <a:latin typeface="+mn-ea"/>
-            </a:endParaRPr>
           </a:p>
           <a:p>
             <a:pPr marL="609600" lvl="1" indent="-158750">
@@ -11772,8 +11536,17 @@
               <a:buFont typeface="+mj-ea"/>
               <a:buAutoNum type="circleNumDbPlain"/>
             </a:pPr>
-            <a:r>
-              <a:rPr lang="ko-KR" altLang="en-US" dirty="0" smtClean="0">
+            <a:endParaRPr lang="en-US" altLang="ko-KR" dirty="0">
+              <a:latin typeface="+mn-ea"/>
+            </a:endParaRPr>
+          </a:p>
+          <a:p>
+            <a:pPr marL="609600" lvl="1" indent="-158750">
+              <a:buFont typeface="+mj-ea"/>
+              <a:buAutoNum type="circleNumDbPlain"/>
+            </a:pPr>
+            <a:r>
+              <a:rPr lang="ko-KR" altLang="en-US" dirty="0">
                 <a:solidFill>
                   <a:srgbClr val="FF0000"/>
                 </a:solidFill>
@@ -11781,7 +11554,7 @@
               </a:rPr>
               <a:t>다시 해야 함</a:t>
             </a:r>
-            <a:endParaRPr lang="en-US" altLang="ko-KR" dirty="0" smtClean="0">
+            <a:endParaRPr lang="en-US" altLang="ko-KR" dirty="0">
               <a:solidFill>
                 <a:srgbClr val="FF0000"/>
               </a:solidFill>
@@ -11794,7 +11567,7 @@
               <a:buAutoNum type="circleNumDbPlain"/>
             </a:pPr>
             <a:r>
-              <a:rPr lang="en-US" altLang="ko-KR" dirty="0" err="1" smtClean="0">
+              <a:rPr lang="en-US" altLang="ko-KR" dirty="0" err="1">
                 <a:solidFill>
                   <a:srgbClr val="FF0000"/>
                 </a:solidFill>
@@ -11803,7 +11576,7 @@
               <a:t>Git</a:t>
             </a:r>
             <a:r>
-              <a:rPr lang="en-US" altLang="ko-KR" dirty="0" smtClean="0">
+              <a:rPr lang="en-US" altLang="ko-KR" dirty="0">
                 <a:solidFill>
                   <a:srgbClr val="FF0000"/>
                 </a:solidFill>
@@ -11812,7 +11585,7 @@
               <a:t> clone. User name </a:t>
             </a:r>
             <a:r>
-              <a:rPr lang="ko-KR" altLang="en-US" dirty="0" smtClean="0">
+              <a:rPr lang="ko-KR" altLang="en-US" dirty="0">
                 <a:solidFill>
                   <a:srgbClr val="FF0000"/>
                 </a:solidFill>
@@ -11821,7 +11594,7 @@
               <a:t>등 </a:t>
             </a:r>
             <a:r>
-              <a:rPr lang="ko-KR" altLang="en-US" dirty="0" err="1" smtClean="0">
+              <a:rPr lang="ko-KR" altLang="en-US" dirty="0" err="1">
                 <a:solidFill>
                   <a:srgbClr val="FF0000"/>
                 </a:solidFill>
@@ -11830,7 +11603,7 @@
               <a:t>바뀌여야</a:t>
             </a:r>
             <a:r>
-              <a:rPr lang="ko-KR" altLang="en-US" dirty="0" smtClean="0">
+              <a:rPr lang="ko-KR" altLang="en-US" dirty="0">
                 <a:solidFill>
                   <a:srgbClr val="FF0000"/>
                 </a:solidFill>
@@ -11839,7 +11612,7 @@
               <a:t> 함</a:t>
             </a:r>
             <a:r>
-              <a:rPr lang="en-US" altLang="ko-KR" dirty="0" smtClean="0">
+              <a:rPr lang="en-US" altLang="ko-KR" dirty="0">
                 <a:solidFill>
                   <a:srgbClr val="FF0000"/>
                 </a:solidFill>
@@ -11848,7 +11621,7 @@
               <a:t>.</a:t>
             </a:r>
             <a:r>
-              <a:rPr lang="ko-KR" altLang="en-US" dirty="0" err="1" smtClean="0">
+              <a:rPr lang="ko-KR" altLang="en-US" dirty="0" err="1">
                 <a:solidFill>
                   <a:srgbClr val="FF0000"/>
                 </a:solidFill>
@@ -11856,19 +11629,10 @@
               </a:rPr>
               <a:t>ㅎ</a:t>
             </a:r>
-            <a:endParaRPr lang="en-US" altLang="ko-KR" dirty="0" smtClean="0">
+            <a:endParaRPr lang="en-US" altLang="ko-KR" dirty="0">
               <a:solidFill>
                 <a:srgbClr val="FF0000"/>
               </a:solidFill>
-              <a:latin typeface="+mn-ea"/>
-            </a:endParaRPr>
-          </a:p>
-          <a:p>
-            <a:pPr marL="609600" lvl="1" indent="-158750">
-              <a:buFont typeface="+mj-ea"/>
-              <a:buAutoNum type="circleNumDbPlain"/>
-            </a:pPr>
-            <a:endParaRPr lang="en-US" altLang="ko-KR" dirty="0" smtClean="0">
               <a:latin typeface="+mn-ea"/>
             </a:endParaRPr>
           </a:p>
@@ -11886,7 +11650,16 @@
               <a:buFont typeface="+mj-ea"/>
               <a:buAutoNum type="circleNumDbPlain"/>
             </a:pPr>
-            <a:endParaRPr lang="en-US" altLang="ko-KR" dirty="0" smtClean="0">
+            <a:endParaRPr lang="en-US" altLang="ko-KR" dirty="0">
+              <a:latin typeface="+mn-ea"/>
+            </a:endParaRPr>
+          </a:p>
+          <a:p>
+            <a:pPr marL="609600" lvl="1" indent="-158750">
+              <a:buFont typeface="+mj-ea"/>
+              <a:buAutoNum type="circleNumDbPlain"/>
+            </a:pPr>
+            <a:endParaRPr lang="en-US" altLang="ko-KR" dirty="0">
               <a:latin typeface="+mn-ea"/>
             </a:endParaRPr>
           </a:p>
@@ -11894,7 +11667,7 @@
             <a:pPr marL="450850" lvl="1" indent="0">
               <a:buNone/>
             </a:pPr>
-            <a:endParaRPr lang="en-US" altLang="ko-KR" dirty="0" smtClean="0">
+            <a:endParaRPr lang="en-US" altLang="ko-KR" dirty="0">
               <a:latin typeface="+mn-ea"/>
             </a:endParaRPr>
           </a:p>
@@ -11906,13 +11679,7 @@
           </a:p>
           <a:p>
             <a:pPr lvl="1"/>
-            <a:endParaRPr lang="en-US" altLang="ko-KR" dirty="0" smtClean="0">
-              <a:latin typeface="+mn-ea"/>
-            </a:endParaRPr>
-          </a:p>
-          <a:p>
-            <a:pPr lvl="1"/>
-            <a:endParaRPr lang="en-US" altLang="ko-KR" dirty="0" smtClean="0">
+            <a:endParaRPr lang="en-US" altLang="ko-KR" dirty="0">
               <a:latin typeface="+mn-ea"/>
             </a:endParaRPr>
           </a:p>
@@ -11924,7 +11691,7 @@
           </a:p>
           <a:p>
             <a:pPr lvl="1"/>
-            <a:endParaRPr lang="en-US" altLang="ko-KR" dirty="0" smtClean="0">
+            <a:endParaRPr lang="en-US" altLang="ko-KR" dirty="0">
               <a:latin typeface="+mn-ea"/>
             </a:endParaRPr>
           </a:p>
@@ -11936,7 +11703,13 @@
           </a:p>
           <a:p>
             <a:pPr lvl="1"/>
-            <a:endParaRPr lang="en-US" altLang="ko-KR" dirty="0" smtClean="0">
+            <a:endParaRPr lang="en-US" altLang="ko-KR" dirty="0">
+              <a:latin typeface="+mn-ea"/>
+            </a:endParaRPr>
+          </a:p>
+          <a:p>
+            <a:pPr lvl="1"/>
+            <a:endParaRPr lang="en-US" altLang="ko-KR" dirty="0">
               <a:latin typeface="+mn-ea"/>
             </a:endParaRPr>
           </a:p>
@@ -11969,19 +11742,19 @@
           <a:lstStyle/>
           <a:p>
             <a:r>
-              <a:rPr lang="ko-KR" altLang="en-US" dirty="0" smtClean="0"/>
+              <a:rPr lang="ko-KR" altLang="en-US" dirty="0"/>
               <a:t>협업하기 </a:t>
             </a:r>
             <a:r>
-              <a:rPr lang="en-US" altLang="ko-KR" dirty="0" smtClean="0"/>
+              <a:rPr lang="en-US" altLang="ko-KR" dirty="0"/>
               <a:t>(collaborator </a:t>
             </a:r>
             <a:r>
-              <a:rPr lang="ko-KR" altLang="en-US" dirty="0" smtClean="0"/>
+              <a:rPr lang="ko-KR" altLang="en-US" dirty="0"/>
               <a:t>활동</a:t>
             </a:r>
             <a:r>
-              <a:rPr lang="en-US" altLang="ko-KR" dirty="0" smtClean="0"/>
+              <a:rPr lang="en-US" altLang="ko-KR" dirty="0"/>
               <a:t>)</a:t>
             </a:r>
             <a:endParaRPr lang="ko-KR" altLang="en-US" dirty="0"/>
@@ -11998,13 +11771,6 @@
   <p:clrMapOvr>
     <a:masterClrMapping/>
   </p:clrMapOvr>
-  <p:timing>
-    <p:tnLst>
-      <p:par>
-        <p:cTn id="1" dur="indefinite" restart="never" nodeType="tmRoot"/>
-      </p:par>
-    </p:tnLst>
-  </p:timing>
 </p:sld>
 </file>
 
@@ -12739,13 +12505,6 @@
   <p:clrMapOvr>
     <a:masterClrMapping/>
   </p:clrMapOvr>
-  <p:timing>
-    <p:tnLst>
-      <p:par>
-        <p:cTn id="1" dur="indefinite" restart="never" nodeType="tmRoot"/>
-      </p:par>
-    </p:tnLst>
-  </p:timing>
 </p:sld>
 </file>
 
@@ -14617,7 +14376,7 @@
           <a:p>
             <a:r>
               <a:rPr lang="ko-KR" altLang="en-US" dirty="0"/>
-              <a:t>대학생 특별 가입</a:t>
+              <a:t>협업 잘하기</a:t>
             </a:r>
           </a:p>
         </p:txBody>
@@ -14640,8 +14399,8 @@
         </p:nvSpPr>
         <p:spPr>
           <a:xfrm>
-            <a:off x="250825" y="1000221"/>
-            <a:ext cx="8641655" cy="5146579"/>
+            <a:off x="250825" y="1000222"/>
+            <a:ext cx="8641655" cy="1678058"/>
           </a:xfrm>
         </p:spPr>
         <p:txBody>
@@ -14661,8 +14420,179 @@
             </a:pPr>
             <a:r>
               <a:rPr lang="ko-KR" altLang="en-US" dirty="0"/>
-              <a:t>접근 오류 해결 방법</a:t>
-            </a:r>
+              <a:t>원격 </a:t>
+            </a:r>
+            <a:r>
+              <a:rPr lang="en-US" altLang="ko-KR" dirty="0"/>
+              <a:t>main</a:t>
+            </a:r>
+            <a:r>
+              <a:rPr lang="ko-KR" altLang="en-US" dirty="0"/>
+              <a:t>이나 </a:t>
+            </a:r>
+            <a:r>
+              <a:rPr lang="en-US" altLang="ko-KR" dirty="0"/>
+              <a:t>branch</a:t>
+            </a:r>
+            <a:r>
+              <a:rPr lang="ko-KR" altLang="en-US" dirty="0"/>
+              <a:t>에서의</a:t>
+            </a:r>
+            <a:r>
+              <a:rPr lang="en-US" altLang="ko-KR" dirty="0"/>
+              <a:t> </a:t>
+            </a:r>
+            <a:r>
+              <a:rPr lang="ko-KR" altLang="en-US" dirty="0"/>
+              <a:t>변경 내용을 수시로 확인할 것</a:t>
+            </a:r>
+            <a:endParaRPr lang="en-US" altLang="ko-KR" dirty="0"/>
+          </a:p>
+          <a:p>
+            <a:pPr marL="534988" lvl="1" indent="-268288">
+              <a:spcBef>
+                <a:spcPts val="0"/>
+              </a:spcBef>
+              <a:spcAft>
+                <a:spcPts val="0"/>
+              </a:spcAft>
+              <a:buClr>
+                <a:schemeClr val="tx1">
+                  <a:lumMod val="65000"/>
+                  <a:lumOff val="35000"/>
+                </a:schemeClr>
+              </a:buClr>
+              <a:buFont typeface="+mj-ea"/>
+              <a:buAutoNum type="circleNumDbPlain"/>
+              <a:defRPr/>
+            </a:pPr>
+            <a:r>
+              <a:rPr lang="ko-KR" altLang="en-US" dirty="0" err="1"/>
+              <a:t>브랜치에</a:t>
+            </a:r>
+            <a:r>
+              <a:rPr lang="ko-KR" altLang="en-US" dirty="0"/>
+              <a:t> 관계없이 중간 중간에 </a:t>
+            </a:r>
+            <a:r>
+              <a:rPr lang="en-US" altLang="ko-KR" dirty="0"/>
+              <a:t>origin</a:t>
+            </a:r>
+            <a:r>
+              <a:rPr lang="ko-KR" altLang="en-US" dirty="0"/>
+              <a:t> </a:t>
+            </a:r>
+            <a:r>
+              <a:rPr lang="en-US" altLang="ko-KR" dirty="0"/>
+              <a:t>main</a:t>
+            </a:r>
+            <a:r>
+              <a:rPr lang="ko-KR" altLang="en-US" dirty="0"/>
+              <a:t>에서 수정되는 내용을 확인</a:t>
+            </a:r>
+            <a:endParaRPr lang="en-US" altLang="ko-KR" dirty="0"/>
+          </a:p>
+          <a:p>
+            <a:pPr marL="534988" lvl="1" indent="-268288">
+              <a:spcBef>
+                <a:spcPts val="0"/>
+              </a:spcBef>
+              <a:spcAft>
+                <a:spcPts val="0"/>
+              </a:spcAft>
+              <a:buClr>
+                <a:schemeClr val="tx1">
+                  <a:lumMod val="65000"/>
+                  <a:lumOff val="35000"/>
+                </a:schemeClr>
+              </a:buClr>
+              <a:buNone/>
+              <a:defRPr/>
+            </a:pPr>
+            <a:r>
+              <a:rPr lang="en-US" altLang="ko-KR" dirty="0"/>
+              <a:t>        pull</a:t>
+            </a:r>
+            <a:r>
+              <a:rPr lang="ko-KR" altLang="en-US" dirty="0"/>
+              <a:t>을 이용하여 본인이 하고 있는 </a:t>
+            </a:r>
+            <a:r>
+              <a:rPr lang="ko-KR" altLang="en-US" dirty="0" err="1"/>
+              <a:t>브랜치에</a:t>
+            </a:r>
+            <a:r>
+              <a:rPr lang="ko-KR" altLang="en-US" dirty="0"/>
+              <a:t> 영향을 주는 변화가 없는지 확인</a:t>
+            </a:r>
+            <a:endParaRPr lang="en-US" altLang="ko-KR" dirty="0"/>
+          </a:p>
+          <a:p>
+            <a:pPr marL="534988" lvl="1" indent="-268288">
+              <a:spcBef>
+                <a:spcPts val="0"/>
+              </a:spcBef>
+              <a:spcAft>
+                <a:spcPts val="0"/>
+              </a:spcAft>
+              <a:buClr>
+                <a:schemeClr val="tx1">
+                  <a:lumMod val="65000"/>
+                  <a:lumOff val="35000"/>
+                </a:schemeClr>
+              </a:buClr>
+              <a:buFont typeface="+mj-ea"/>
+              <a:buAutoNum type="circleNumDbPlain" startAt="2"/>
+              <a:defRPr/>
+            </a:pPr>
+            <a:r>
+              <a:rPr lang="ko-KR" altLang="en-US" dirty="0"/>
+              <a:t>연관 </a:t>
+            </a:r>
+            <a:r>
+              <a:rPr lang="ko-KR" altLang="en-US" dirty="0" err="1"/>
+              <a:t>브랜치</a:t>
+            </a:r>
+            <a:r>
+              <a:rPr lang="ko-KR" altLang="en-US" dirty="0"/>
+              <a:t> 변화 확인</a:t>
+            </a:r>
+            <a:endParaRPr lang="en-US" altLang="ko-KR" dirty="0"/>
+          </a:p>
+          <a:p>
+            <a:pPr>
+              <a:buClr>
+                <a:schemeClr val="tx1">
+                  <a:lumMod val="65000"/>
+                  <a:lumOff val="35000"/>
+                </a:schemeClr>
+              </a:buClr>
+              <a:defRPr/>
+            </a:pPr>
+            <a:endParaRPr lang="en-US" altLang="ko-KR" dirty="0"/>
+          </a:p>
+          <a:p>
+            <a:pPr>
+              <a:buClr>
+                <a:schemeClr val="tx1">
+                  <a:lumMod val="65000"/>
+                  <a:lumOff val="35000"/>
+                </a:schemeClr>
+              </a:buClr>
+              <a:defRPr/>
+            </a:pPr>
+            <a:endParaRPr lang="en-US" altLang="ko-KR" dirty="0"/>
+          </a:p>
+          <a:p>
+            <a:pPr>
+              <a:buClr>
+                <a:schemeClr val="tx1">
+                  <a:lumMod val="65000"/>
+                  <a:lumOff val="35000"/>
+                </a:schemeClr>
+              </a:buClr>
+              <a:defRPr/>
+            </a:pPr>
             <a:endParaRPr lang="en-US" altLang="ko-KR" dirty="0"/>
           </a:p>
           <a:p>
@@ -14674,6 +14604,1706 @@
           </a:p>
         </p:txBody>
       </p:sp>
+      <p:sp>
+        <p:nvSpPr>
+          <p:cNvPr id="2" name="사각형: 둥근 모서리 1">
+            <a:extLst>
+              <a:ext uri="{FF2B5EF4-FFF2-40B4-BE49-F238E27FC236}">
+                <a16:creationId xmlns:a16="http://schemas.microsoft.com/office/drawing/2014/main" id="{18CD93FA-439D-4FCE-9EAA-243214284F27}"/>
+              </a:ext>
+            </a:extLst>
+          </p:cNvPr>
+          <p:cNvSpPr/>
+          <p:nvPr/>
+        </p:nvSpPr>
+        <p:spPr>
+          <a:xfrm>
+            <a:off x="4253970" y="2789108"/>
+            <a:ext cx="1080000" cy="288000"/>
+          </a:xfrm>
+          <a:prstGeom prst="roundRect">
+            <a:avLst/>
+          </a:prstGeom>
+          <a:solidFill>
+            <a:schemeClr val="bg2">
+              <a:lumMod val="40000"/>
+              <a:lumOff val="60000"/>
+            </a:schemeClr>
+          </a:solidFill>
+        </p:spPr>
+        <p:style>
+          <a:lnRef idx="2">
+            <a:schemeClr val="accent1">
+              <a:shade val="50000"/>
+            </a:schemeClr>
+          </a:lnRef>
+          <a:fillRef idx="1">
+            <a:schemeClr val="accent1"/>
+          </a:fillRef>
+          <a:effectRef idx="0">
+            <a:schemeClr val="accent1"/>
+          </a:effectRef>
+          <a:fontRef idx="minor">
+            <a:schemeClr val="lt1"/>
+          </a:fontRef>
+        </p:style>
+        <p:txBody>
+          <a:bodyPr rtlCol="0" anchor="ctr"/>
+          <a:lstStyle/>
+          <a:p>
+            <a:pPr algn="ctr"/>
+            <a:r>
+              <a:rPr lang="ko-KR" altLang="en-US" sz="1400" dirty="0">
+                <a:solidFill>
+                  <a:schemeClr val="tx1"/>
+                </a:solidFill>
+              </a:rPr>
+              <a:t>로컬 </a:t>
+            </a:r>
+            <a:r>
+              <a:rPr lang="en-US" altLang="ko-KR" sz="1400" dirty="0">
+                <a:solidFill>
+                  <a:schemeClr val="tx1"/>
+                </a:solidFill>
+              </a:rPr>
+              <a:t>1 </a:t>
+            </a:r>
+            <a:endParaRPr lang="ko-KR" altLang="en-US" sz="1400" dirty="0">
+              <a:solidFill>
+                <a:schemeClr val="tx1"/>
+              </a:solidFill>
+            </a:endParaRPr>
+          </a:p>
+        </p:txBody>
+      </p:sp>
+      <p:sp>
+        <p:nvSpPr>
+          <p:cNvPr id="6" name="사각형: 둥근 모서리 5">
+            <a:extLst>
+              <a:ext uri="{FF2B5EF4-FFF2-40B4-BE49-F238E27FC236}">
+                <a16:creationId xmlns:a16="http://schemas.microsoft.com/office/drawing/2014/main" id="{886A41D0-4F43-43C9-B015-4834CA53DA56}"/>
+              </a:ext>
+            </a:extLst>
+          </p:cNvPr>
+          <p:cNvSpPr/>
+          <p:nvPr/>
+        </p:nvSpPr>
+        <p:spPr>
+          <a:xfrm>
+            <a:off x="1102638" y="2789107"/>
+            <a:ext cx="1080000" cy="288000"/>
+          </a:xfrm>
+          <a:prstGeom prst="roundRect">
+            <a:avLst/>
+          </a:prstGeom>
+          <a:solidFill>
+            <a:schemeClr val="bg1">
+              <a:lumMod val="95000"/>
+            </a:schemeClr>
+          </a:solidFill>
+        </p:spPr>
+        <p:style>
+          <a:lnRef idx="2">
+            <a:schemeClr val="accent1">
+              <a:shade val="50000"/>
+            </a:schemeClr>
+          </a:lnRef>
+          <a:fillRef idx="1">
+            <a:schemeClr val="accent1"/>
+          </a:fillRef>
+          <a:effectRef idx="0">
+            <a:schemeClr val="accent1"/>
+          </a:effectRef>
+          <a:fontRef idx="minor">
+            <a:schemeClr val="lt1"/>
+          </a:fontRef>
+        </p:style>
+        <p:txBody>
+          <a:bodyPr rtlCol="0" anchor="ctr"/>
+          <a:lstStyle/>
+          <a:p>
+            <a:pPr algn="ctr"/>
+            <a:r>
+              <a:rPr lang="ko-KR" altLang="en-US" sz="1400" dirty="0">
+                <a:solidFill>
+                  <a:schemeClr val="tx1"/>
+                </a:solidFill>
+              </a:rPr>
+              <a:t>원격</a:t>
+            </a:r>
+            <a:r>
+              <a:rPr lang="en-US" altLang="ko-KR" sz="1400" dirty="0">
+                <a:solidFill>
+                  <a:schemeClr val="tx1"/>
+                </a:solidFill>
+              </a:rPr>
+              <a:t> </a:t>
+            </a:r>
+            <a:endParaRPr lang="ko-KR" altLang="en-US" sz="1400" dirty="0">
+              <a:solidFill>
+                <a:schemeClr val="tx1"/>
+              </a:solidFill>
+            </a:endParaRPr>
+          </a:p>
+        </p:txBody>
+      </p:sp>
+      <p:sp>
+        <p:nvSpPr>
+          <p:cNvPr id="3" name="사각형: 둥근 모서리 2">
+            <a:extLst>
+              <a:ext uri="{FF2B5EF4-FFF2-40B4-BE49-F238E27FC236}">
+                <a16:creationId xmlns:a16="http://schemas.microsoft.com/office/drawing/2014/main" id="{81013251-7459-499A-B56B-C96316F004CA}"/>
+              </a:ext>
+            </a:extLst>
+          </p:cNvPr>
+          <p:cNvSpPr/>
+          <p:nvPr/>
+        </p:nvSpPr>
+        <p:spPr>
+          <a:xfrm>
+            <a:off x="1102638" y="3077107"/>
+            <a:ext cx="1440000" cy="1980000"/>
+          </a:xfrm>
+          <a:prstGeom prst="roundRect">
+            <a:avLst>
+              <a:gd name="adj" fmla="val 5001"/>
+            </a:avLst>
+          </a:prstGeom>
+          <a:noFill/>
+          <a:ln>
+            <a:solidFill>
+              <a:schemeClr val="tx1"/>
+            </a:solidFill>
+          </a:ln>
+        </p:spPr>
+        <p:style>
+          <a:lnRef idx="2">
+            <a:schemeClr val="accent1">
+              <a:shade val="50000"/>
+            </a:schemeClr>
+          </a:lnRef>
+          <a:fillRef idx="1">
+            <a:schemeClr val="accent1"/>
+          </a:fillRef>
+          <a:effectRef idx="0">
+            <a:schemeClr val="accent1"/>
+          </a:effectRef>
+          <a:fontRef idx="minor">
+            <a:schemeClr val="lt1"/>
+          </a:fontRef>
+        </p:style>
+        <p:txBody>
+          <a:bodyPr rtlCol="0" anchor="ctr"/>
+          <a:lstStyle/>
+          <a:p>
+            <a:pPr algn="ctr"/>
+            <a:endParaRPr lang="ko-KR" altLang="en-US"/>
+          </a:p>
+        </p:txBody>
+      </p:sp>
+      <p:sp>
+        <p:nvSpPr>
+          <p:cNvPr id="7" name="사각형: 둥근 모서리 6">
+            <a:extLst>
+              <a:ext uri="{FF2B5EF4-FFF2-40B4-BE49-F238E27FC236}">
+                <a16:creationId xmlns:a16="http://schemas.microsoft.com/office/drawing/2014/main" id="{FF82F32A-E50D-4582-9B0E-96F905049ADF}"/>
+              </a:ext>
+            </a:extLst>
+          </p:cNvPr>
+          <p:cNvSpPr/>
+          <p:nvPr/>
+        </p:nvSpPr>
+        <p:spPr>
+          <a:xfrm>
+            <a:off x="4253970" y="3077107"/>
+            <a:ext cx="4134796" cy="540000"/>
+          </a:xfrm>
+          <a:prstGeom prst="roundRect">
+            <a:avLst>
+              <a:gd name="adj" fmla="val 5001"/>
+            </a:avLst>
+          </a:prstGeom>
+          <a:noFill/>
+          <a:ln>
+            <a:solidFill>
+              <a:schemeClr val="tx1"/>
+            </a:solidFill>
+          </a:ln>
+        </p:spPr>
+        <p:style>
+          <a:lnRef idx="2">
+            <a:schemeClr val="accent1">
+              <a:shade val="50000"/>
+            </a:schemeClr>
+          </a:lnRef>
+          <a:fillRef idx="1">
+            <a:schemeClr val="accent1"/>
+          </a:fillRef>
+          <a:effectRef idx="0">
+            <a:schemeClr val="accent1"/>
+          </a:effectRef>
+          <a:fontRef idx="minor">
+            <a:schemeClr val="lt1"/>
+          </a:fontRef>
+        </p:style>
+        <p:txBody>
+          <a:bodyPr rtlCol="0" anchor="ctr"/>
+          <a:lstStyle/>
+          <a:p>
+            <a:pPr algn="ctr"/>
+            <a:endParaRPr lang="ko-KR" altLang="en-US"/>
+          </a:p>
+        </p:txBody>
+      </p:sp>
+      <p:sp>
+        <p:nvSpPr>
+          <p:cNvPr id="8" name="사각형: 둥근 모서리 7">
+            <a:extLst>
+              <a:ext uri="{FF2B5EF4-FFF2-40B4-BE49-F238E27FC236}">
+                <a16:creationId xmlns:a16="http://schemas.microsoft.com/office/drawing/2014/main" id="{6A9D3B18-0826-4B2D-B881-533CE2B71E42}"/>
+              </a:ext>
+            </a:extLst>
+          </p:cNvPr>
+          <p:cNvSpPr/>
+          <p:nvPr/>
+        </p:nvSpPr>
+        <p:spPr>
+          <a:xfrm>
+            <a:off x="1282638" y="3400517"/>
+            <a:ext cx="1080000" cy="288000"/>
+          </a:xfrm>
+          <a:prstGeom prst="roundRect">
+            <a:avLst/>
+          </a:prstGeom>
+          <a:solidFill>
+            <a:schemeClr val="bg1">
+              <a:lumMod val="95000"/>
+            </a:schemeClr>
+          </a:solidFill>
+        </p:spPr>
+        <p:style>
+          <a:lnRef idx="2">
+            <a:schemeClr val="accent1">
+              <a:shade val="50000"/>
+            </a:schemeClr>
+          </a:lnRef>
+          <a:fillRef idx="1">
+            <a:schemeClr val="accent1"/>
+          </a:fillRef>
+          <a:effectRef idx="0">
+            <a:schemeClr val="accent1"/>
+          </a:effectRef>
+          <a:fontRef idx="minor">
+            <a:schemeClr val="lt1"/>
+          </a:fontRef>
+        </p:style>
+        <p:txBody>
+          <a:bodyPr rtlCol="0" anchor="ctr"/>
+          <a:lstStyle/>
+          <a:p>
+            <a:pPr algn="ctr"/>
+            <a:r>
+              <a:rPr lang="en-US" altLang="ko-KR" sz="1400">
+                <a:solidFill>
+                  <a:schemeClr val="tx1"/>
+                </a:solidFill>
+              </a:rPr>
+              <a:t>main</a:t>
+            </a:r>
+            <a:r>
+              <a:rPr lang="en-US" altLang="ko-KR" sz="1400" dirty="0">
+                <a:solidFill>
+                  <a:schemeClr val="tx1"/>
+                </a:solidFill>
+              </a:rPr>
+              <a:t> </a:t>
+            </a:r>
+            <a:endParaRPr lang="ko-KR" altLang="en-US" sz="1400" dirty="0">
+              <a:solidFill>
+                <a:schemeClr val="tx1"/>
+              </a:solidFill>
+            </a:endParaRPr>
+          </a:p>
+        </p:txBody>
+      </p:sp>
+      <p:sp>
+        <p:nvSpPr>
+          <p:cNvPr id="9" name="사각형: 둥근 모서리 8">
+            <a:extLst>
+              <a:ext uri="{FF2B5EF4-FFF2-40B4-BE49-F238E27FC236}">
+                <a16:creationId xmlns:a16="http://schemas.microsoft.com/office/drawing/2014/main" id="{F34DF67C-BA8A-44CF-B72E-49B13D40C1E9}"/>
+              </a:ext>
+            </a:extLst>
+          </p:cNvPr>
+          <p:cNvSpPr/>
+          <p:nvPr/>
+        </p:nvSpPr>
+        <p:spPr>
+          <a:xfrm>
+            <a:off x="1282638" y="3936298"/>
+            <a:ext cx="1080000" cy="288000"/>
+          </a:xfrm>
+          <a:prstGeom prst="roundRect">
+            <a:avLst/>
+          </a:prstGeom>
+          <a:solidFill>
+            <a:schemeClr val="bg1">
+              <a:lumMod val="95000"/>
+            </a:schemeClr>
+          </a:solidFill>
+        </p:spPr>
+        <p:style>
+          <a:lnRef idx="2">
+            <a:schemeClr val="accent1">
+              <a:shade val="50000"/>
+            </a:schemeClr>
+          </a:lnRef>
+          <a:fillRef idx="1">
+            <a:schemeClr val="accent1"/>
+          </a:fillRef>
+          <a:effectRef idx="0">
+            <a:schemeClr val="accent1"/>
+          </a:effectRef>
+          <a:fontRef idx="minor">
+            <a:schemeClr val="lt1"/>
+          </a:fontRef>
+        </p:style>
+        <p:txBody>
+          <a:bodyPr rtlCol="0" anchor="ctr"/>
+          <a:lstStyle/>
+          <a:p>
+            <a:pPr algn="ctr"/>
+            <a:r>
+              <a:rPr lang="en-US" altLang="ko-KR" sz="1400" dirty="0">
+                <a:solidFill>
+                  <a:schemeClr val="tx1"/>
+                </a:solidFill>
+              </a:rPr>
+              <a:t>branch-1 </a:t>
+            </a:r>
+            <a:endParaRPr lang="ko-KR" altLang="en-US" sz="1400" dirty="0">
+              <a:solidFill>
+                <a:schemeClr val="tx1"/>
+              </a:solidFill>
+            </a:endParaRPr>
+          </a:p>
+        </p:txBody>
+      </p:sp>
+      <p:sp>
+        <p:nvSpPr>
+          <p:cNvPr id="10" name="사각형: 둥근 모서리 9">
+            <a:extLst>
+              <a:ext uri="{FF2B5EF4-FFF2-40B4-BE49-F238E27FC236}">
+                <a16:creationId xmlns:a16="http://schemas.microsoft.com/office/drawing/2014/main" id="{13F2EB19-B2AD-49E6-A99D-122784884F1F}"/>
+              </a:ext>
+            </a:extLst>
+          </p:cNvPr>
+          <p:cNvSpPr/>
+          <p:nvPr/>
+        </p:nvSpPr>
+        <p:spPr>
+          <a:xfrm>
+            <a:off x="1282638" y="4483395"/>
+            <a:ext cx="1080000" cy="288000"/>
+          </a:xfrm>
+          <a:prstGeom prst="roundRect">
+            <a:avLst/>
+          </a:prstGeom>
+          <a:solidFill>
+            <a:schemeClr val="bg1">
+              <a:lumMod val="95000"/>
+            </a:schemeClr>
+          </a:solidFill>
+        </p:spPr>
+        <p:style>
+          <a:lnRef idx="2">
+            <a:schemeClr val="accent1">
+              <a:shade val="50000"/>
+            </a:schemeClr>
+          </a:lnRef>
+          <a:fillRef idx="1">
+            <a:schemeClr val="accent1"/>
+          </a:fillRef>
+          <a:effectRef idx="0">
+            <a:schemeClr val="accent1"/>
+          </a:effectRef>
+          <a:fontRef idx="minor">
+            <a:schemeClr val="lt1"/>
+          </a:fontRef>
+        </p:style>
+        <p:txBody>
+          <a:bodyPr rtlCol="0" anchor="ctr"/>
+          <a:lstStyle/>
+          <a:p>
+            <a:pPr algn="ctr"/>
+            <a:r>
+              <a:rPr lang="en-US" altLang="ko-KR" sz="1400" dirty="0">
+                <a:solidFill>
+                  <a:schemeClr val="tx1"/>
+                </a:solidFill>
+              </a:rPr>
+              <a:t>branch-2 </a:t>
+            </a:r>
+            <a:endParaRPr lang="ko-KR" altLang="en-US" sz="1400" dirty="0">
+              <a:solidFill>
+                <a:schemeClr val="tx1"/>
+              </a:solidFill>
+            </a:endParaRPr>
+          </a:p>
+        </p:txBody>
+      </p:sp>
+      <p:sp>
+        <p:nvSpPr>
+          <p:cNvPr id="11" name="사각형: 둥근 모서리 10">
+            <a:extLst>
+              <a:ext uri="{FF2B5EF4-FFF2-40B4-BE49-F238E27FC236}">
+                <a16:creationId xmlns:a16="http://schemas.microsoft.com/office/drawing/2014/main" id="{65FFA710-DB4E-451B-A7F0-DD8327427723}"/>
+              </a:ext>
+            </a:extLst>
+          </p:cNvPr>
+          <p:cNvSpPr/>
+          <p:nvPr/>
+        </p:nvSpPr>
+        <p:spPr>
+          <a:xfrm>
+            <a:off x="4442970" y="3203107"/>
+            <a:ext cx="1080000" cy="288000"/>
+          </a:xfrm>
+          <a:prstGeom prst="roundRect">
+            <a:avLst/>
+          </a:prstGeom>
+          <a:solidFill>
+            <a:schemeClr val="bg2">
+              <a:lumMod val="40000"/>
+              <a:lumOff val="60000"/>
+            </a:schemeClr>
+          </a:solidFill>
+        </p:spPr>
+        <p:style>
+          <a:lnRef idx="2">
+            <a:schemeClr val="accent1">
+              <a:shade val="50000"/>
+            </a:schemeClr>
+          </a:lnRef>
+          <a:fillRef idx="1">
+            <a:schemeClr val="accent1"/>
+          </a:fillRef>
+          <a:effectRef idx="0">
+            <a:schemeClr val="accent1"/>
+          </a:effectRef>
+          <a:fontRef idx="minor">
+            <a:schemeClr val="lt1"/>
+          </a:fontRef>
+        </p:style>
+        <p:txBody>
+          <a:bodyPr rtlCol="0" anchor="ctr"/>
+          <a:lstStyle/>
+          <a:p>
+            <a:pPr algn="ctr"/>
+            <a:r>
+              <a:rPr lang="en-US" altLang="ko-KR" sz="1400">
+                <a:solidFill>
+                  <a:schemeClr val="tx1"/>
+                </a:solidFill>
+              </a:rPr>
+              <a:t>main</a:t>
+            </a:r>
+            <a:r>
+              <a:rPr lang="en-US" altLang="ko-KR" sz="1400" dirty="0">
+                <a:solidFill>
+                  <a:schemeClr val="tx1"/>
+                </a:solidFill>
+              </a:rPr>
+              <a:t> </a:t>
+            </a:r>
+            <a:endParaRPr lang="ko-KR" altLang="en-US" sz="1400" dirty="0">
+              <a:solidFill>
+                <a:schemeClr val="tx1"/>
+              </a:solidFill>
+            </a:endParaRPr>
+          </a:p>
+        </p:txBody>
+      </p:sp>
+      <p:cxnSp>
+        <p:nvCxnSpPr>
+          <p:cNvPr id="15" name="직선 화살표 연결선 14">
+            <a:extLst>
+              <a:ext uri="{FF2B5EF4-FFF2-40B4-BE49-F238E27FC236}">
+                <a16:creationId xmlns:a16="http://schemas.microsoft.com/office/drawing/2014/main" id="{2E96DA91-B407-4928-867F-4CC09F536848}"/>
+              </a:ext>
+            </a:extLst>
+          </p:cNvPr>
+          <p:cNvCxnSpPr>
+            <a:endCxn id="2" idx="1"/>
+          </p:cNvCxnSpPr>
+          <p:nvPr/>
+        </p:nvCxnSpPr>
+        <p:spPr>
+          <a:xfrm>
+            <a:off x="2182638" y="2928134"/>
+            <a:ext cx="2071332" cy="4974"/>
+          </a:xfrm>
+          <a:prstGeom prst="straightConnector1">
+            <a:avLst/>
+          </a:prstGeom>
+          <a:ln w="19050">
+            <a:solidFill>
+              <a:srgbClr val="0000FF"/>
+            </a:solidFill>
+            <a:tailEnd type="triangle"/>
+          </a:ln>
+        </p:spPr>
+        <p:style>
+          <a:lnRef idx="1">
+            <a:schemeClr val="accent1"/>
+          </a:lnRef>
+          <a:fillRef idx="0">
+            <a:schemeClr val="accent1"/>
+          </a:fillRef>
+          <a:effectRef idx="0">
+            <a:schemeClr val="accent1"/>
+          </a:effectRef>
+          <a:fontRef idx="minor">
+            <a:schemeClr val="tx1"/>
+          </a:fontRef>
+        </p:style>
+      </p:cxnSp>
+      <p:sp>
+        <p:nvSpPr>
+          <p:cNvPr id="16" name="TextBox 15">
+            <a:extLst>
+              <a:ext uri="{FF2B5EF4-FFF2-40B4-BE49-F238E27FC236}">
+                <a16:creationId xmlns:a16="http://schemas.microsoft.com/office/drawing/2014/main" id="{070693C1-17F9-4F90-88C0-BD546DFA3A4D}"/>
+              </a:ext>
+            </a:extLst>
+          </p:cNvPr>
+          <p:cNvSpPr txBox="1"/>
+          <p:nvPr/>
+        </p:nvSpPr>
+        <p:spPr>
+          <a:xfrm>
+            <a:off x="2941317" y="2620357"/>
+            <a:ext cx="622286" cy="307777"/>
+          </a:xfrm>
+          <a:prstGeom prst="rect">
+            <a:avLst/>
+          </a:prstGeom>
+          <a:noFill/>
+        </p:spPr>
+        <p:txBody>
+          <a:bodyPr wrap="none" rtlCol="0">
+            <a:spAutoFit/>
+          </a:bodyPr>
+          <a:lstStyle/>
+          <a:p>
+            <a:r>
+              <a:rPr lang="en-US" altLang="ko-KR" sz="1400" dirty="0">
+                <a:latin typeface="+mn-ea"/>
+              </a:rPr>
+              <a:t>clone</a:t>
+            </a:r>
+            <a:endParaRPr lang="ko-KR" altLang="en-US" sz="1400" dirty="0">
+              <a:latin typeface="+mn-ea"/>
+            </a:endParaRPr>
+          </a:p>
+        </p:txBody>
+      </p:sp>
+      <p:sp>
+        <p:nvSpPr>
+          <p:cNvPr id="17" name="사각형: 둥근 모서리 16">
+            <a:extLst>
+              <a:ext uri="{FF2B5EF4-FFF2-40B4-BE49-F238E27FC236}">
+                <a16:creationId xmlns:a16="http://schemas.microsoft.com/office/drawing/2014/main" id="{B4AED6FE-F82D-42B3-A434-02FFCE8B5D15}"/>
+              </a:ext>
+            </a:extLst>
+          </p:cNvPr>
+          <p:cNvSpPr/>
+          <p:nvPr/>
+        </p:nvSpPr>
+        <p:spPr>
+          <a:xfrm>
+            <a:off x="4253970" y="3759342"/>
+            <a:ext cx="1080000" cy="288000"/>
+          </a:xfrm>
+          <a:prstGeom prst="roundRect">
+            <a:avLst/>
+          </a:prstGeom>
+          <a:solidFill>
+            <a:schemeClr val="bg2">
+              <a:lumMod val="40000"/>
+              <a:lumOff val="60000"/>
+            </a:schemeClr>
+          </a:solidFill>
+        </p:spPr>
+        <p:style>
+          <a:lnRef idx="2">
+            <a:schemeClr val="accent1">
+              <a:shade val="50000"/>
+            </a:schemeClr>
+          </a:lnRef>
+          <a:fillRef idx="1">
+            <a:schemeClr val="accent1"/>
+          </a:fillRef>
+          <a:effectRef idx="0">
+            <a:schemeClr val="accent1"/>
+          </a:effectRef>
+          <a:fontRef idx="minor">
+            <a:schemeClr val="lt1"/>
+          </a:fontRef>
+        </p:style>
+        <p:txBody>
+          <a:bodyPr rtlCol="0" anchor="ctr"/>
+          <a:lstStyle/>
+          <a:p>
+            <a:pPr algn="ctr"/>
+            <a:r>
+              <a:rPr lang="ko-KR" altLang="en-US" sz="1400" dirty="0">
+                <a:solidFill>
+                  <a:schemeClr val="tx1"/>
+                </a:solidFill>
+              </a:rPr>
+              <a:t>로컬 </a:t>
+            </a:r>
+            <a:r>
+              <a:rPr lang="en-US" altLang="ko-KR" sz="1400" dirty="0">
+                <a:solidFill>
+                  <a:schemeClr val="tx1"/>
+                </a:solidFill>
+              </a:rPr>
+              <a:t>2 </a:t>
+            </a:r>
+            <a:endParaRPr lang="ko-KR" altLang="en-US" sz="1400" dirty="0">
+              <a:solidFill>
+                <a:schemeClr val="tx1"/>
+              </a:solidFill>
+            </a:endParaRPr>
+          </a:p>
+        </p:txBody>
+      </p:sp>
+      <p:sp>
+        <p:nvSpPr>
+          <p:cNvPr id="18" name="사각형: 둥근 모서리 17">
+            <a:extLst>
+              <a:ext uri="{FF2B5EF4-FFF2-40B4-BE49-F238E27FC236}">
+                <a16:creationId xmlns:a16="http://schemas.microsoft.com/office/drawing/2014/main" id="{D57A6FC5-A574-47F4-B2BF-3579A2EE2F11}"/>
+              </a:ext>
+            </a:extLst>
+          </p:cNvPr>
+          <p:cNvSpPr/>
+          <p:nvPr/>
+        </p:nvSpPr>
+        <p:spPr>
+          <a:xfrm>
+            <a:off x="4253970" y="4047341"/>
+            <a:ext cx="4134795" cy="540000"/>
+          </a:xfrm>
+          <a:prstGeom prst="roundRect">
+            <a:avLst>
+              <a:gd name="adj" fmla="val 5001"/>
+            </a:avLst>
+          </a:prstGeom>
+          <a:noFill/>
+          <a:ln>
+            <a:solidFill>
+              <a:schemeClr val="tx1"/>
+            </a:solidFill>
+          </a:ln>
+        </p:spPr>
+        <p:style>
+          <a:lnRef idx="2">
+            <a:schemeClr val="accent1">
+              <a:shade val="50000"/>
+            </a:schemeClr>
+          </a:lnRef>
+          <a:fillRef idx="1">
+            <a:schemeClr val="accent1"/>
+          </a:fillRef>
+          <a:effectRef idx="0">
+            <a:schemeClr val="accent1"/>
+          </a:effectRef>
+          <a:fontRef idx="minor">
+            <a:schemeClr val="lt1"/>
+          </a:fontRef>
+        </p:style>
+        <p:txBody>
+          <a:bodyPr rtlCol="0" anchor="ctr"/>
+          <a:lstStyle/>
+          <a:p>
+            <a:pPr algn="ctr"/>
+            <a:endParaRPr lang="ko-KR" altLang="en-US"/>
+          </a:p>
+        </p:txBody>
+      </p:sp>
+      <p:sp>
+        <p:nvSpPr>
+          <p:cNvPr id="20" name="사각형: 둥근 모서리 19">
+            <a:extLst>
+              <a:ext uri="{FF2B5EF4-FFF2-40B4-BE49-F238E27FC236}">
+                <a16:creationId xmlns:a16="http://schemas.microsoft.com/office/drawing/2014/main" id="{1D8034BA-AC42-4B00-98A1-03A3CBC2502C}"/>
+              </a:ext>
+            </a:extLst>
+          </p:cNvPr>
+          <p:cNvSpPr/>
+          <p:nvPr/>
+        </p:nvSpPr>
+        <p:spPr>
+          <a:xfrm>
+            <a:off x="4442970" y="4173341"/>
+            <a:ext cx="1080000" cy="288000"/>
+          </a:xfrm>
+          <a:prstGeom prst="roundRect">
+            <a:avLst/>
+          </a:prstGeom>
+          <a:solidFill>
+            <a:schemeClr val="bg2">
+              <a:lumMod val="40000"/>
+              <a:lumOff val="60000"/>
+            </a:schemeClr>
+          </a:solidFill>
+        </p:spPr>
+        <p:style>
+          <a:lnRef idx="2">
+            <a:schemeClr val="accent1">
+              <a:shade val="50000"/>
+            </a:schemeClr>
+          </a:lnRef>
+          <a:fillRef idx="1">
+            <a:schemeClr val="accent1"/>
+          </a:fillRef>
+          <a:effectRef idx="0">
+            <a:schemeClr val="accent1"/>
+          </a:effectRef>
+          <a:fontRef idx="minor">
+            <a:schemeClr val="lt1"/>
+          </a:fontRef>
+        </p:style>
+        <p:txBody>
+          <a:bodyPr rtlCol="0" anchor="ctr"/>
+          <a:lstStyle/>
+          <a:p>
+            <a:pPr algn="ctr"/>
+            <a:r>
+              <a:rPr lang="en-US" altLang="ko-KR" sz="1400" dirty="0">
+                <a:solidFill>
+                  <a:schemeClr val="tx1"/>
+                </a:solidFill>
+              </a:rPr>
+              <a:t>branch-1 </a:t>
+            </a:r>
+            <a:endParaRPr lang="ko-KR" altLang="en-US" sz="1400" dirty="0">
+              <a:solidFill>
+                <a:schemeClr val="tx1"/>
+              </a:solidFill>
+            </a:endParaRPr>
+          </a:p>
+        </p:txBody>
+      </p:sp>
+      <p:sp>
+        <p:nvSpPr>
+          <p:cNvPr id="22" name="사각형: 둥근 모서리 21">
+            <a:extLst>
+              <a:ext uri="{FF2B5EF4-FFF2-40B4-BE49-F238E27FC236}">
+                <a16:creationId xmlns:a16="http://schemas.microsoft.com/office/drawing/2014/main" id="{D526BB84-96F4-4525-9185-9F11919B86A1}"/>
+              </a:ext>
+            </a:extLst>
+          </p:cNvPr>
+          <p:cNvSpPr/>
+          <p:nvPr/>
+        </p:nvSpPr>
+        <p:spPr>
+          <a:xfrm>
+            <a:off x="4253970" y="4729597"/>
+            <a:ext cx="1080000" cy="288000"/>
+          </a:xfrm>
+          <a:prstGeom prst="roundRect">
+            <a:avLst/>
+          </a:prstGeom>
+          <a:solidFill>
+            <a:schemeClr val="bg2">
+              <a:lumMod val="40000"/>
+              <a:lumOff val="60000"/>
+            </a:schemeClr>
+          </a:solidFill>
+        </p:spPr>
+        <p:style>
+          <a:lnRef idx="2">
+            <a:schemeClr val="accent1">
+              <a:shade val="50000"/>
+            </a:schemeClr>
+          </a:lnRef>
+          <a:fillRef idx="1">
+            <a:schemeClr val="accent1"/>
+          </a:fillRef>
+          <a:effectRef idx="0">
+            <a:schemeClr val="accent1"/>
+          </a:effectRef>
+          <a:fontRef idx="minor">
+            <a:schemeClr val="lt1"/>
+          </a:fontRef>
+        </p:style>
+        <p:txBody>
+          <a:bodyPr rtlCol="0" anchor="ctr"/>
+          <a:lstStyle/>
+          <a:p>
+            <a:pPr algn="ctr"/>
+            <a:r>
+              <a:rPr lang="ko-KR" altLang="en-US" sz="1400" dirty="0">
+                <a:solidFill>
+                  <a:schemeClr val="tx1"/>
+                </a:solidFill>
+              </a:rPr>
+              <a:t>로컬 </a:t>
+            </a:r>
+            <a:r>
+              <a:rPr lang="en-US" altLang="ko-KR" sz="1400" dirty="0">
+                <a:solidFill>
+                  <a:schemeClr val="tx1"/>
+                </a:solidFill>
+              </a:rPr>
+              <a:t>3 </a:t>
+            </a:r>
+            <a:endParaRPr lang="ko-KR" altLang="en-US" sz="1400" dirty="0">
+              <a:solidFill>
+                <a:schemeClr val="tx1"/>
+              </a:solidFill>
+            </a:endParaRPr>
+          </a:p>
+        </p:txBody>
+      </p:sp>
+      <p:sp>
+        <p:nvSpPr>
+          <p:cNvPr id="23" name="사각형: 둥근 모서리 22">
+            <a:extLst>
+              <a:ext uri="{FF2B5EF4-FFF2-40B4-BE49-F238E27FC236}">
+                <a16:creationId xmlns:a16="http://schemas.microsoft.com/office/drawing/2014/main" id="{B31CABE5-506A-4395-A36B-87DB16CEEF07}"/>
+              </a:ext>
+            </a:extLst>
+          </p:cNvPr>
+          <p:cNvSpPr/>
+          <p:nvPr/>
+        </p:nvSpPr>
+        <p:spPr>
+          <a:xfrm>
+            <a:off x="4253970" y="5017596"/>
+            <a:ext cx="4134794" cy="540000"/>
+          </a:xfrm>
+          <a:prstGeom prst="roundRect">
+            <a:avLst>
+              <a:gd name="adj" fmla="val 5001"/>
+            </a:avLst>
+          </a:prstGeom>
+          <a:noFill/>
+          <a:ln>
+            <a:solidFill>
+              <a:schemeClr val="tx1"/>
+            </a:solidFill>
+          </a:ln>
+        </p:spPr>
+        <p:style>
+          <a:lnRef idx="2">
+            <a:schemeClr val="accent1">
+              <a:shade val="50000"/>
+            </a:schemeClr>
+          </a:lnRef>
+          <a:fillRef idx="1">
+            <a:schemeClr val="accent1"/>
+          </a:fillRef>
+          <a:effectRef idx="0">
+            <a:schemeClr val="accent1"/>
+          </a:effectRef>
+          <a:fontRef idx="minor">
+            <a:schemeClr val="lt1"/>
+          </a:fontRef>
+        </p:style>
+        <p:txBody>
+          <a:bodyPr rtlCol="0" anchor="ctr"/>
+          <a:lstStyle/>
+          <a:p>
+            <a:pPr algn="ctr"/>
+            <a:endParaRPr lang="ko-KR" altLang="en-US"/>
+          </a:p>
+        </p:txBody>
+      </p:sp>
+      <p:sp>
+        <p:nvSpPr>
+          <p:cNvPr id="26" name="사각형: 둥근 모서리 25">
+            <a:extLst>
+              <a:ext uri="{FF2B5EF4-FFF2-40B4-BE49-F238E27FC236}">
+                <a16:creationId xmlns:a16="http://schemas.microsoft.com/office/drawing/2014/main" id="{1DCEC6A4-8B6F-4BE6-9BB7-51E053BDAF30}"/>
+              </a:ext>
+            </a:extLst>
+          </p:cNvPr>
+          <p:cNvSpPr/>
+          <p:nvPr/>
+        </p:nvSpPr>
+        <p:spPr>
+          <a:xfrm>
+            <a:off x="4442970" y="5143596"/>
+            <a:ext cx="1080000" cy="288000"/>
+          </a:xfrm>
+          <a:prstGeom prst="roundRect">
+            <a:avLst/>
+          </a:prstGeom>
+          <a:solidFill>
+            <a:schemeClr val="bg2">
+              <a:lumMod val="40000"/>
+              <a:lumOff val="60000"/>
+            </a:schemeClr>
+          </a:solidFill>
+        </p:spPr>
+        <p:style>
+          <a:lnRef idx="2">
+            <a:schemeClr val="accent1">
+              <a:shade val="50000"/>
+            </a:schemeClr>
+          </a:lnRef>
+          <a:fillRef idx="1">
+            <a:schemeClr val="accent1"/>
+          </a:fillRef>
+          <a:effectRef idx="0">
+            <a:schemeClr val="accent1"/>
+          </a:effectRef>
+          <a:fontRef idx="minor">
+            <a:schemeClr val="lt1"/>
+          </a:fontRef>
+        </p:style>
+        <p:txBody>
+          <a:bodyPr rtlCol="0" anchor="ctr"/>
+          <a:lstStyle/>
+          <a:p>
+            <a:pPr algn="ctr"/>
+            <a:r>
+              <a:rPr lang="en-US" altLang="ko-KR" sz="1400" dirty="0">
+                <a:solidFill>
+                  <a:schemeClr val="tx1"/>
+                </a:solidFill>
+              </a:rPr>
+              <a:t>branch-2 </a:t>
+            </a:r>
+            <a:endParaRPr lang="ko-KR" altLang="en-US" sz="1400" dirty="0">
+              <a:solidFill>
+                <a:schemeClr val="tx1"/>
+              </a:solidFill>
+            </a:endParaRPr>
+          </a:p>
+        </p:txBody>
+      </p:sp>
+      <p:sp>
+        <p:nvSpPr>
+          <p:cNvPr id="27" name="사각형: 둥근 모서리 26">
+            <a:extLst>
+              <a:ext uri="{FF2B5EF4-FFF2-40B4-BE49-F238E27FC236}">
+                <a16:creationId xmlns:a16="http://schemas.microsoft.com/office/drawing/2014/main" id="{89DAEB0B-3295-474F-AA1E-C6534579D32B}"/>
+              </a:ext>
+            </a:extLst>
+          </p:cNvPr>
+          <p:cNvSpPr/>
+          <p:nvPr/>
+        </p:nvSpPr>
+        <p:spPr>
+          <a:xfrm>
+            <a:off x="5790368" y="3209871"/>
+            <a:ext cx="1080000" cy="288000"/>
+          </a:xfrm>
+          <a:prstGeom prst="roundRect">
+            <a:avLst/>
+          </a:prstGeom>
+          <a:solidFill>
+            <a:schemeClr val="tx2">
+              <a:lumMod val="10000"/>
+              <a:lumOff val="90000"/>
+            </a:schemeClr>
+          </a:solidFill>
+        </p:spPr>
+        <p:style>
+          <a:lnRef idx="2">
+            <a:schemeClr val="accent1">
+              <a:shade val="50000"/>
+            </a:schemeClr>
+          </a:lnRef>
+          <a:fillRef idx="1">
+            <a:schemeClr val="accent1"/>
+          </a:fillRef>
+          <a:effectRef idx="0">
+            <a:schemeClr val="accent1"/>
+          </a:effectRef>
+          <a:fontRef idx="minor">
+            <a:schemeClr val="lt1"/>
+          </a:fontRef>
+        </p:style>
+        <p:txBody>
+          <a:bodyPr rtlCol="0" anchor="ctr"/>
+          <a:lstStyle/>
+          <a:p>
+            <a:pPr algn="ctr"/>
+            <a:r>
+              <a:rPr lang="en-US" altLang="ko-KR" sz="1400" dirty="0">
+                <a:solidFill>
+                  <a:schemeClr val="tx2">
+                    <a:lumMod val="50000"/>
+                    <a:lumOff val="50000"/>
+                  </a:schemeClr>
+                </a:solidFill>
+              </a:rPr>
+              <a:t>branch-1 </a:t>
+            </a:r>
+            <a:endParaRPr lang="ko-KR" altLang="en-US" sz="1400" dirty="0">
+              <a:solidFill>
+                <a:schemeClr val="tx2">
+                  <a:lumMod val="50000"/>
+                  <a:lumOff val="50000"/>
+                </a:schemeClr>
+              </a:solidFill>
+            </a:endParaRPr>
+          </a:p>
+        </p:txBody>
+      </p:sp>
+      <p:sp>
+        <p:nvSpPr>
+          <p:cNvPr id="28" name="사각형: 둥근 모서리 27">
+            <a:extLst>
+              <a:ext uri="{FF2B5EF4-FFF2-40B4-BE49-F238E27FC236}">
+                <a16:creationId xmlns:a16="http://schemas.microsoft.com/office/drawing/2014/main" id="{7C21CC70-4AB8-471A-BA7E-9EA231FF94A6}"/>
+              </a:ext>
+            </a:extLst>
+          </p:cNvPr>
+          <p:cNvSpPr/>
+          <p:nvPr/>
+        </p:nvSpPr>
+        <p:spPr>
+          <a:xfrm>
+            <a:off x="7137766" y="3185108"/>
+            <a:ext cx="1080000" cy="288000"/>
+          </a:xfrm>
+          <a:prstGeom prst="roundRect">
+            <a:avLst/>
+          </a:prstGeom>
+          <a:solidFill>
+            <a:schemeClr val="tx2">
+              <a:lumMod val="10000"/>
+              <a:lumOff val="90000"/>
+            </a:schemeClr>
+          </a:solidFill>
+        </p:spPr>
+        <p:style>
+          <a:lnRef idx="2">
+            <a:schemeClr val="accent1">
+              <a:shade val="50000"/>
+            </a:schemeClr>
+          </a:lnRef>
+          <a:fillRef idx="1">
+            <a:schemeClr val="accent1"/>
+          </a:fillRef>
+          <a:effectRef idx="0">
+            <a:schemeClr val="accent1"/>
+          </a:effectRef>
+          <a:fontRef idx="minor">
+            <a:schemeClr val="lt1"/>
+          </a:fontRef>
+        </p:style>
+        <p:txBody>
+          <a:bodyPr rtlCol="0" anchor="ctr"/>
+          <a:lstStyle/>
+          <a:p>
+            <a:pPr algn="ctr"/>
+            <a:r>
+              <a:rPr lang="en-US" altLang="ko-KR" sz="1400" dirty="0">
+                <a:solidFill>
+                  <a:schemeClr val="tx2">
+                    <a:lumMod val="50000"/>
+                    <a:lumOff val="50000"/>
+                  </a:schemeClr>
+                </a:solidFill>
+              </a:rPr>
+              <a:t>branch-2 </a:t>
+            </a:r>
+            <a:endParaRPr lang="ko-KR" altLang="en-US" sz="1400" dirty="0">
+              <a:solidFill>
+                <a:schemeClr val="tx2">
+                  <a:lumMod val="50000"/>
+                  <a:lumOff val="50000"/>
+                </a:schemeClr>
+              </a:solidFill>
+            </a:endParaRPr>
+          </a:p>
+        </p:txBody>
+      </p:sp>
+      <p:sp>
+        <p:nvSpPr>
+          <p:cNvPr id="29" name="사각형: 둥근 모서리 28">
+            <a:extLst>
+              <a:ext uri="{FF2B5EF4-FFF2-40B4-BE49-F238E27FC236}">
+                <a16:creationId xmlns:a16="http://schemas.microsoft.com/office/drawing/2014/main" id="{FBBE088E-A16D-4D58-8BA0-1329930E6D17}"/>
+              </a:ext>
+            </a:extLst>
+          </p:cNvPr>
+          <p:cNvSpPr/>
+          <p:nvPr/>
+        </p:nvSpPr>
+        <p:spPr>
+          <a:xfrm>
+            <a:off x="5790368" y="4185284"/>
+            <a:ext cx="1080000" cy="288000"/>
+          </a:xfrm>
+          <a:prstGeom prst="roundRect">
+            <a:avLst/>
+          </a:prstGeom>
+          <a:solidFill>
+            <a:schemeClr val="tx2">
+              <a:lumMod val="10000"/>
+              <a:lumOff val="90000"/>
+            </a:schemeClr>
+          </a:solidFill>
+        </p:spPr>
+        <p:style>
+          <a:lnRef idx="2">
+            <a:schemeClr val="accent1">
+              <a:shade val="50000"/>
+            </a:schemeClr>
+          </a:lnRef>
+          <a:fillRef idx="1">
+            <a:schemeClr val="accent1"/>
+          </a:fillRef>
+          <a:effectRef idx="0">
+            <a:schemeClr val="accent1"/>
+          </a:effectRef>
+          <a:fontRef idx="minor">
+            <a:schemeClr val="lt1"/>
+          </a:fontRef>
+        </p:style>
+        <p:txBody>
+          <a:bodyPr rtlCol="0" anchor="ctr"/>
+          <a:lstStyle/>
+          <a:p>
+            <a:pPr algn="ctr"/>
+            <a:r>
+              <a:rPr lang="en-US" altLang="ko-KR" sz="1400">
+                <a:solidFill>
+                  <a:schemeClr val="tx2">
+                    <a:lumMod val="50000"/>
+                    <a:lumOff val="50000"/>
+                  </a:schemeClr>
+                </a:solidFill>
+              </a:rPr>
+              <a:t>main</a:t>
+            </a:r>
+            <a:r>
+              <a:rPr lang="en-US" altLang="ko-KR" sz="1400" dirty="0">
+                <a:solidFill>
+                  <a:schemeClr val="tx2">
+                    <a:lumMod val="50000"/>
+                    <a:lumOff val="50000"/>
+                  </a:schemeClr>
+                </a:solidFill>
+              </a:rPr>
+              <a:t> </a:t>
+            </a:r>
+            <a:endParaRPr lang="ko-KR" altLang="en-US" sz="1400" dirty="0">
+              <a:solidFill>
+                <a:schemeClr val="tx2">
+                  <a:lumMod val="50000"/>
+                  <a:lumOff val="50000"/>
+                </a:schemeClr>
+              </a:solidFill>
+            </a:endParaRPr>
+          </a:p>
+        </p:txBody>
+      </p:sp>
+      <p:sp>
+        <p:nvSpPr>
+          <p:cNvPr id="30" name="사각형: 둥근 모서리 29">
+            <a:extLst>
+              <a:ext uri="{FF2B5EF4-FFF2-40B4-BE49-F238E27FC236}">
+                <a16:creationId xmlns:a16="http://schemas.microsoft.com/office/drawing/2014/main" id="{ADE90836-CAE1-4C67-8553-C5C8AC9EA296}"/>
+              </a:ext>
+            </a:extLst>
+          </p:cNvPr>
+          <p:cNvSpPr/>
+          <p:nvPr/>
+        </p:nvSpPr>
+        <p:spPr>
+          <a:xfrm>
+            <a:off x="7139970" y="4185284"/>
+            <a:ext cx="1080000" cy="288000"/>
+          </a:xfrm>
+          <a:prstGeom prst="roundRect">
+            <a:avLst/>
+          </a:prstGeom>
+          <a:solidFill>
+            <a:schemeClr val="tx2">
+              <a:lumMod val="10000"/>
+              <a:lumOff val="90000"/>
+            </a:schemeClr>
+          </a:solidFill>
+        </p:spPr>
+        <p:style>
+          <a:lnRef idx="2">
+            <a:schemeClr val="accent1">
+              <a:shade val="50000"/>
+            </a:schemeClr>
+          </a:lnRef>
+          <a:fillRef idx="1">
+            <a:schemeClr val="accent1"/>
+          </a:fillRef>
+          <a:effectRef idx="0">
+            <a:schemeClr val="accent1"/>
+          </a:effectRef>
+          <a:fontRef idx="minor">
+            <a:schemeClr val="lt1"/>
+          </a:fontRef>
+        </p:style>
+        <p:txBody>
+          <a:bodyPr rtlCol="0" anchor="ctr"/>
+          <a:lstStyle/>
+          <a:p>
+            <a:pPr algn="ctr"/>
+            <a:r>
+              <a:rPr lang="en-US" altLang="ko-KR" sz="1400" dirty="0">
+                <a:solidFill>
+                  <a:schemeClr val="tx2">
+                    <a:lumMod val="50000"/>
+                    <a:lumOff val="50000"/>
+                  </a:schemeClr>
+                </a:solidFill>
+              </a:rPr>
+              <a:t>branch-2 </a:t>
+            </a:r>
+            <a:endParaRPr lang="ko-KR" altLang="en-US" sz="1400" dirty="0">
+              <a:solidFill>
+                <a:schemeClr val="tx2">
+                  <a:lumMod val="50000"/>
+                  <a:lumOff val="50000"/>
+                </a:schemeClr>
+              </a:solidFill>
+            </a:endParaRPr>
+          </a:p>
+        </p:txBody>
+      </p:sp>
+      <p:sp>
+        <p:nvSpPr>
+          <p:cNvPr id="31" name="사각형: 둥근 모서리 30">
+            <a:extLst>
+              <a:ext uri="{FF2B5EF4-FFF2-40B4-BE49-F238E27FC236}">
+                <a16:creationId xmlns:a16="http://schemas.microsoft.com/office/drawing/2014/main" id="{7BC31C6C-568A-4FCB-98C4-8D9EDBDC63C4}"/>
+              </a:ext>
+            </a:extLst>
+          </p:cNvPr>
+          <p:cNvSpPr/>
+          <p:nvPr/>
+        </p:nvSpPr>
+        <p:spPr>
+          <a:xfrm>
+            <a:off x="5790368" y="5151598"/>
+            <a:ext cx="1080000" cy="288000"/>
+          </a:xfrm>
+          <a:prstGeom prst="roundRect">
+            <a:avLst/>
+          </a:prstGeom>
+          <a:solidFill>
+            <a:schemeClr val="tx2">
+              <a:lumMod val="10000"/>
+              <a:lumOff val="90000"/>
+            </a:schemeClr>
+          </a:solidFill>
+        </p:spPr>
+        <p:style>
+          <a:lnRef idx="2">
+            <a:schemeClr val="accent1">
+              <a:shade val="50000"/>
+            </a:schemeClr>
+          </a:lnRef>
+          <a:fillRef idx="1">
+            <a:schemeClr val="accent1"/>
+          </a:fillRef>
+          <a:effectRef idx="0">
+            <a:schemeClr val="accent1"/>
+          </a:effectRef>
+          <a:fontRef idx="minor">
+            <a:schemeClr val="lt1"/>
+          </a:fontRef>
+        </p:style>
+        <p:txBody>
+          <a:bodyPr rtlCol="0" anchor="ctr"/>
+          <a:lstStyle/>
+          <a:p>
+            <a:pPr algn="ctr"/>
+            <a:r>
+              <a:rPr lang="en-US" altLang="ko-KR" sz="1400">
+                <a:solidFill>
+                  <a:schemeClr val="tx2">
+                    <a:lumMod val="50000"/>
+                    <a:lumOff val="50000"/>
+                  </a:schemeClr>
+                </a:solidFill>
+              </a:rPr>
+              <a:t>main</a:t>
+            </a:r>
+            <a:r>
+              <a:rPr lang="en-US" altLang="ko-KR" sz="1400" dirty="0">
+                <a:solidFill>
+                  <a:schemeClr val="tx2">
+                    <a:lumMod val="50000"/>
+                    <a:lumOff val="50000"/>
+                  </a:schemeClr>
+                </a:solidFill>
+              </a:rPr>
+              <a:t> </a:t>
+            </a:r>
+            <a:endParaRPr lang="ko-KR" altLang="en-US" sz="1400" dirty="0">
+              <a:solidFill>
+                <a:schemeClr val="tx2">
+                  <a:lumMod val="50000"/>
+                  <a:lumOff val="50000"/>
+                </a:schemeClr>
+              </a:solidFill>
+            </a:endParaRPr>
+          </a:p>
+        </p:txBody>
+      </p:sp>
+      <p:sp>
+        <p:nvSpPr>
+          <p:cNvPr id="32" name="사각형: 둥근 모서리 31">
+            <a:extLst>
+              <a:ext uri="{FF2B5EF4-FFF2-40B4-BE49-F238E27FC236}">
+                <a16:creationId xmlns:a16="http://schemas.microsoft.com/office/drawing/2014/main" id="{9D5F923A-2035-4983-85C4-D7D6565928E4}"/>
+              </a:ext>
+            </a:extLst>
+          </p:cNvPr>
+          <p:cNvSpPr/>
+          <p:nvPr/>
+        </p:nvSpPr>
+        <p:spPr>
+          <a:xfrm>
+            <a:off x="7132481" y="5151598"/>
+            <a:ext cx="1080000" cy="288000"/>
+          </a:xfrm>
+          <a:prstGeom prst="roundRect">
+            <a:avLst/>
+          </a:prstGeom>
+          <a:solidFill>
+            <a:schemeClr val="tx2">
+              <a:lumMod val="10000"/>
+              <a:lumOff val="90000"/>
+            </a:schemeClr>
+          </a:solidFill>
+        </p:spPr>
+        <p:style>
+          <a:lnRef idx="2">
+            <a:schemeClr val="accent1">
+              <a:shade val="50000"/>
+            </a:schemeClr>
+          </a:lnRef>
+          <a:fillRef idx="1">
+            <a:schemeClr val="accent1"/>
+          </a:fillRef>
+          <a:effectRef idx="0">
+            <a:schemeClr val="accent1"/>
+          </a:effectRef>
+          <a:fontRef idx="minor">
+            <a:schemeClr val="lt1"/>
+          </a:fontRef>
+        </p:style>
+        <p:txBody>
+          <a:bodyPr rtlCol="0" anchor="ctr"/>
+          <a:lstStyle/>
+          <a:p>
+            <a:pPr algn="ctr"/>
+            <a:r>
+              <a:rPr lang="en-US" altLang="ko-KR" sz="1400" dirty="0">
+                <a:solidFill>
+                  <a:schemeClr val="tx2">
+                    <a:lumMod val="50000"/>
+                    <a:lumOff val="50000"/>
+                  </a:schemeClr>
+                </a:solidFill>
+              </a:rPr>
+              <a:t>branch-1 </a:t>
+            </a:r>
+            <a:endParaRPr lang="ko-KR" altLang="en-US" sz="1400" dirty="0">
+              <a:solidFill>
+                <a:schemeClr val="tx2">
+                  <a:lumMod val="50000"/>
+                  <a:lumOff val="50000"/>
+                </a:schemeClr>
+              </a:solidFill>
+            </a:endParaRPr>
+          </a:p>
+        </p:txBody>
+      </p:sp>
+      <p:cxnSp>
+        <p:nvCxnSpPr>
+          <p:cNvPr id="34" name="연결선: 꺾임 33">
+            <a:extLst>
+              <a:ext uri="{FF2B5EF4-FFF2-40B4-BE49-F238E27FC236}">
+                <a16:creationId xmlns:a16="http://schemas.microsoft.com/office/drawing/2014/main" id="{E9A18F23-D20B-4F9A-AA06-D91B97DBE0D7}"/>
+              </a:ext>
+            </a:extLst>
+          </p:cNvPr>
+          <p:cNvCxnSpPr>
+            <a:cxnSpLocks/>
+            <a:endCxn id="17" idx="1"/>
+          </p:cNvCxnSpPr>
+          <p:nvPr/>
+        </p:nvCxnSpPr>
+        <p:spPr>
+          <a:xfrm>
+            <a:off x="2182638" y="2928134"/>
+            <a:ext cx="2071332" cy="975208"/>
+          </a:xfrm>
+          <a:prstGeom prst="bentConnector3">
+            <a:avLst/>
+          </a:prstGeom>
+          <a:ln w="19050">
+            <a:solidFill>
+              <a:srgbClr val="0000FF"/>
+            </a:solidFill>
+            <a:tailEnd type="triangle"/>
+          </a:ln>
+        </p:spPr>
+        <p:style>
+          <a:lnRef idx="1">
+            <a:schemeClr val="accent1"/>
+          </a:lnRef>
+          <a:fillRef idx="0">
+            <a:schemeClr val="accent1"/>
+          </a:fillRef>
+          <a:effectRef idx="0">
+            <a:schemeClr val="accent1"/>
+          </a:effectRef>
+          <a:fontRef idx="minor">
+            <a:schemeClr val="tx1"/>
+          </a:fontRef>
+        </p:style>
+      </p:cxnSp>
+      <p:cxnSp>
+        <p:nvCxnSpPr>
+          <p:cNvPr id="35" name="연결선: 꺾임 34">
+            <a:extLst>
+              <a:ext uri="{FF2B5EF4-FFF2-40B4-BE49-F238E27FC236}">
+                <a16:creationId xmlns:a16="http://schemas.microsoft.com/office/drawing/2014/main" id="{A3C9CCB4-13B1-4B9B-BE22-CFC276E0AE4A}"/>
+              </a:ext>
+            </a:extLst>
+          </p:cNvPr>
+          <p:cNvCxnSpPr>
+            <a:cxnSpLocks/>
+            <a:stCxn id="6" idx="3"/>
+            <a:endCxn id="22" idx="1"/>
+          </p:cNvCxnSpPr>
+          <p:nvPr/>
+        </p:nvCxnSpPr>
+        <p:spPr>
+          <a:xfrm>
+            <a:off x="2182638" y="2933107"/>
+            <a:ext cx="2071332" cy="1940490"/>
+          </a:xfrm>
+          <a:prstGeom prst="bentConnector3">
+            <a:avLst/>
+          </a:prstGeom>
+          <a:ln w="19050">
+            <a:solidFill>
+              <a:srgbClr val="0000FF"/>
+            </a:solidFill>
+            <a:tailEnd type="triangle"/>
+          </a:ln>
+        </p:spPr>
+        <p:style>
+          <a:lnRef idx="1">
+            <a:schemeClr val="accent1"/>
+          </a:lnRef>
+          <a:fillRef idx="0">
+            <a:schemeClr val="accent1"/>
+          </a:fillRef>
+          <a:effectRef idx="0">
+            <a:schemeClr val="accent1"/>
+          </a:effectRef>
+          <a:fontRef idx="minor">
+            <a:schemeClr val="tx1"/>
+          </a:fontRef>
+        </p:style>
+      </p:cxnSp>
+      <p:cxnSp>
+        <p:nvCxnSpPr>
+          <p:cNvPr id="57" name="직선 화살표 연결선 56">
+            <a:extLst>
+              <a:ext uri="{FF2B5EF4-FFF2-40B4-BE49-F238E27FC236}">
+                <a16:creationId xmlns:a16="http://schemas.microsoft.com/office/drawing/2014/main" id="{126BD5DA-3242-4FD6-8FED-FE1363196D0B}"/>
+              </a:ext>
+            </a:extLst>
+          </p:cNvPr>
+          <p:cNvCxnSpPr>
+            <a:stCxn id="8" idx="3"/>
+            <a:endCxn id="20" idx="1"/>
+          </p:cNvCxnSpPr>
+          <p:nvPr/>
+        </p:nvCxnSpPr>
+        <p:spPr>
+          <a:xfrm>
+            <a:off x="2362638" y="3544517"/>
+            <a:ext cx="2080332" cy="772824"/>
+          </a:xfrm>
+          <a:prstGeom prst="straightConnector1">
+            <a:avLst/>
+          </a:prstGeom>
+          <a:ln w="19050">
+            <a:solidFill>
+              <a:srgbClr val="FFC000"/>
+            </a:solidFill>
+            <a:tailEnd type="triangle"/>
+          </a:ln>
+        </p:spPr>
+        <p:style>
+          <a:lnRef idx="1">
+            <a:schemeClr val="accent1"/>
+          </a:lnRef>
+          <a:fillRef idx="0">
+            <a:schemeClr val="accent1"/>
+          </a:fillRef>
+          <a:effectRef idx="0">
+            <a:schemeClr val="accent1"/>
+          </a:effectRef>
+          <a:fontRef idx="minor">
+            <a:schemeClr val="tx1"/>
+          </a:fontRef>
+        </p:style>
+      </p:cxnSp>
+      <p:cxnSp>
+        <p:nvCxnSpPr>
+          <p:cNvPr id="58" name="직선 화살표 연결선 57">
+            <a:extLst>
+              <a:ext uri="{FF2B5EF4-FFF2-40B4-BE49-F238E27FC236}">
+                <a16:creationId xmlns:a16="http://schemas.microsoft.com/office/drawing/2014/main" id="{EAC161FE-DC69-4755-9A03-4E9BA9CE3983}"/>
+              </a:ext>
+            </a:extLst>
+          </p:cNvPr>
+          <p:cNvCxnSpPr>
+            <a:cxnSpLocks/>
+            <a:stCxn id="8" idx="3"/>
+            <a:endCxn id="11" idx="1"/>
+          </p:cNvCxnSpPr>
+          <p:nvPr/>
+        </p:nvCxnSpPr>
+        <p:spPr>
+          <a:xfrm flipV="1">
+            <a:off x="2362638" y="3347107"/>
+            <a:ext cx="2080332" cy="197410"/>
+          </a:xfrm>
+          <a:prstGeom prst="straightConnector1">
+            <a:avLst/>
+          </a:prstGeom>
+          <a:ln w="19050">
+            <a:solidFill>
+              <a:srgbClr val="FFC000"/>
+            </a:solidFill>
+            <a:tailEnd type="triangle"/>
+          </a:ln>
+        </p:spPr>
+        <p:style>
+          <a:lnRef idx="1">
+            <a:schemeClr val="accent1"/>
+          </a:lnRef>
+          <a:fillRef idx="0">
+            <a:schemeClr val="accent1"/>
+          </a:fillRef>
+          <a:effectRef idx="0">
+            <a:schemeClr val="accent1"/>
+          </a:effectRef>
+          <a:fontRef idx="minor">
+            <a:schemeClr val="tx1"/>
+          </a:fontRef>
+        </p:style>
+      </p:cxnSp>
+      <p:cxnSp>
+        <p:nvCxnSpPr>
+          <p:cNvPr id="61" name="직선 화살표 연결선 60">
+            <a:extLst>
+              <a:ext uri="{FF2B5EF4-FFF2-40B4-BE49-F238E27FC236}">
+                <a16:creationId xmlns:a16="http://schemas.microsoft.com/office/drawing/2014/main" id="{C9591855-13E4-445D-AA22-88E2D62EFBE3}"/>
+              </a:ext>
+            </a:extLst>
+          </p:cNvPr>
+          <p:cNvCxnSpPr>
+            <a:cxnSpLocks/>
+            <a:endCxn id="26" idx="1"/>
+          </p:cNvCxnSpPr>
+          <p:nvPr/>
+        </p:nvCxnSpPr>
+        <p:spPr>
+          <a:xfrm>
+            <a:off x="2358138" y="3553225"/>
+            <a:ext cx="2084832" cy="1734371"/>
+          </a:xfrm>
+          <a:prstGeom prst="straightConnector1">
+            <a:avLst/>
+          </a:prstGeom>
+          <a:ln w="19050">
+            <a:solidFill>
+              <a:srgbClr val="FFC000"/>
+            </a:solidFill>
+            <a:tailEnd type="triangle"/>
+          </a:ln>
+        </p:spPr>
+        <p:style>
+          <a:lnRef idx="1">
+            <a:schemeClr val="accent1"/>
+          </a:lnRef>
+          <a:fillRef idx="0">
+            <a:schemeClr val="accent1"/>
+          </a:fillRef>
+          <a:effectRef idx="0">
+            <a:schemeClr val="accent1"/>
+          </a:effectRef>
+          <a:fontRef idx="minor">
+            <a:schemeClr val="tx1"/>
+          </a:fontRef>
+        </p:style>
+      </p:cxnSp>
+      <p:cxnSp>
+        <p:nvCxnSpPr>
+          <p:cNvPr id="64" name="직선 화살표 연결선 63">
+            <a:extLst>
+              <a:ext uri="{FF2B5EF4-FFF2-40B4-BE49-F238E27FC236}">
+                <a16:creationId xmlns:a16="http://schemas.microsoft.com/office/drawing/2014/main" id="{4BB51278-F1E0-498F-BC3D-2835B9AC2370}"/>
+              </a:ext>
+            </a:extLst>
+          </p:cNvPr>
+          <p:cNvCxnSpPr>
+            <a:cxnSpLocks/>
+            <a:stCxn id="9" idx="3"/>
+            <a:endCxn id="26" idx="1"/>
+          </p:cNvCxnSpPr>
+          <p:nvPr/>
+        </p:nvCxnSpPr>
+        <p:spPr>
+          <a:xfrm>
+            <a:off x="2362638" y="4080298"/>
+            <a:ext cx="2080332" cy="1207298"/>
+          </a:xfrm>
+          <a:prstGeom prst="straightConnector1">
+            <a:avLst/>
+          </a:prstGeom>
+          <a:ln w="19050">
+            <a:solidFill>
+              <a:srgbClr val="FF0000"/>
+            </a:solidFill>
+            <a:prstDash val="dash"/>
+            <a:tailEnd type="triangle"/>
+          </a:ln>
+        </p:spPr>
+        <p:style>
+          <a:lnRef idx="1">
+            <a:schemeClr val="accent1"/>
+          </a:lnRef>
+          <a:fillRef idx="0">
+            <a:schemeClr val="accent1"/>
+          </a:fillRef>
+          <a:effectRef idx="0">
+            <a:schemeClr val="accent1"/>
+          </a:effectRef>
+          <a:fontRef idx="minor">
+            <a:schemeClr val="tx1"/>
+          </a:fontRef>
+        </p:style>
+      </p:cxnSp>
     </p:spTree>
     <p:extLst>
       <p:ext uri="{BB962C8B-B14F-4D97-AF65-F5344CB8AC3E}">
@@ -14726,19 +16356,19 @@
           <a:lstStyle/>
           <a:p>
             <a:r>
-              <a:rPr lang="ko-KR" altLang="en-US" dirty="0" smtClean="0"/>
+              <a:rPr lang="ko-KR" altLang="en-US" dirty="0"/>
               <a:t>협업하기 </a:t>
             </a:r>
             <a:r>
-              <a:rPr lang="en-US" altLang="ko-KR" dirty="0" smtClean="0"/>
+              <a:rPr lang="en-US" altLang="ko-KR" dirty="0"/>
               <a:t>(</a:t>
             </a:r>
             <a:r>
-              <a:rPr lang="ko-KR" altLang="en-US" dirty="0" smtClean="0"/>
+              <a:rPr lang="ko-KR" altLang="en-US" dirty="0"/>
               <a:t>과제 등록</a:t>
             </a:r>
             <a:r>
-              <a:rPr lang="en-US" altLang="ko-KR" dirty="0" smtClean="0"/>
+              <a:rPr lang="en-US" altLang="ko-KR" dirty="0"/>
               <a:t>)</a:t>
             </a:r>
             <a:endParaRPr lang="ko-KR" altLang="en-US" dirty="0"/>
@@ -14921,24 +16551,12 @@
           <a:p>
             <a:pPr lvl="1"/>
             <a:r>
-              <a:rPr lang="ko-KR" altLang="en-US" dirty="0" smtClean="0">
-                <a:latin typeface="+mn-ea"/>
-              </a:rPr>
-              <a:t>리더는 로컬저장소에 </a:t>
-            </a:r>
-            <a:r>
               <a:rPr lang="ko-KR" altLang="en-US" dirty="0">
                 <a:latin typeface="+mn-ea"/>
               </a:rPr>
-              <a:t>과제 텍스트 </a:t>
-            </a:r>
-            <a:r>
-              <a:rPr lang="ko-KR" altLang="en-US" dirty="0" smtClean="0">
-                <a:latin typeface="+mn-ea"/>
-              </a:rPr>
-              <a:t>등록</a:t>
-            </a:r>
-            <a:endParaRPr lang="en-US" altLang="ko-KR" dirty="0" smtClean="0">
+              <a:t>리더는 로컬저장소에 과제 텍스트 등록</a:t>
+            </a:r>
+            <a:endParaRPr lang="en-US" altLang="ko-KR" dirty="0">
               <a:latin typeface="+mn-ea"/>
             </a:endParaRPr>
           </a:p>
@@ -14947,31 +16565,31 @@
               <a:buNone/>
             </a:pPr>
             <a:r>
-              <a:rPr lang="ko-KR" altLang="en-US" dirty="0" smtClean="0">
+              <a:rPr lang="ko-KR" altLang="en-US" dirty="0">
                 <a:latin typeface="+mn-ea"/>
               </a:rPr>
               <a:t>   </a:t>
             </a:r>
             <a:r>
-              <a:rPr lang="ko-KR" altLang="en-US" dirty="0" err="1" smtClean="0">
+              <a:rPr lang="ko-KR" altLang="en-US" dirty="0" err="1">
                 <a:latin typeface="+mn-ea"/>
               </a:rPr>
               <a:t>과제명</a:t>
             </a:r>
             <a:r>
-              <a:rPr lang="ko-KR" altLang="en-US" dirty="0" smtClean="0">
+              <a:rPr lang="ko-KR" altLang="en-US" dirty="0">
                 <a:latin typeface="+mn-ea"/>
               </a:rPr>
               <a:t> </a:t>
             </a:r>
             <a:r>
-              <a:rPr lang="en-US" altLang="ko-KR" dirty="0" smtClean="0">
+              <a:rPr lang="en-US" altLang="ko-KR" dirty="0">
                 <a:latin typeface="+mn-ea"/>
               </a:rPr>
               <a:t>: </a:t>
             </a:r>
             <a:r>
-              <a:rPr lang="ko-KR" altLang="en-US" dirty="0" smtClean="0">
+              <a:rPr lang="ko-KR" altLang="en-US" dirty="0">
                 <a:latin typeface="+mn-ea"/>
               </a:rPr>
               <a:t>배재대학교 설명하기</a:t>
@@ -14989,27 +16607,15 @@
               <a:rPr lang="en-US" altLang="ko-KR" dirty="0">
                 <a:latin typeface="+mn-ea"/>
               </a:rPr>
-              <a:t> </a:t>
-            </a:r>
-            <a:r>
-              <a:rPr lang="en-US" altLang="ko-KR" dirty="0" smtClean="0">
-                <a:latin typeface="+mn-ea"/>
-              </a:rPr>
-              <a:t>working </a:t>
-            </a:r>
-            <a:r>
-              <a:rPr lang="en-US" altLang="ko-KR" dirty="0">
-                <a:latin typeface="+mn-ea"/>
-              </a:rPr>
-              <a:t>directory </a:t>
-            </a:r>
-            <a:r>
-              <a:rPr lang="ko-KR" altLang="en-US" dirty="0" smtClean="0">
+              <a:t> working directory </a:t>
+            </a:r>
+            <a:r>
+              <a:rPr lang="ko-KR" altLang="en-US" dirty="0">
                 <a:latin typeface="+mn-ea"/>
               </a:rPr>
               <a:t>생성</a:t>
             </a:r>
-            <a:endParaRPr lang="en-US" altLang="ko-KR" dirty="0" smtClean="0">
+            <a:endParaRPr lang="en-US" altLang="ko-KR" dirty="0">
               <a:latin typeface="+mn-ea"/>
             </a:endParaRPr>
           </a:p>
@@ -15021,39 +16627,33 @@
               <a:rPr lang="en-US" altLang="ko-KR" dirty="0">
                 <a:latin typeface="+mn-ea"/>
               </a:rPr>
+              <a:t>     </a:t>
+            </a:r>
+            <a:r>
+              <a:rPr lang="ko-KR" altLang="en-US" dirty="0" err="1">
+                <a:latin typeface="+mn-ea"/>
+              </a:rPr>
+              <a:t>폴더명</a:t>
+            </a:r>
+            <a:r>
+              <a:rPr lang="ko-KR" altLang="en-US" dirty="0">
+                <a:latin typeface="+mn-ea"/>
+              </a:rPr>
               <a:t> </a:t>
             </a:r>
             <a:r>
-              <a:rPr lang="en-US" altLang="ko-KR" dirty="0" smtClean="0">
-                <a:latin typeface="+mn-ea"/>
-              </a:rPr>
-              <a:t>    </a:t>
-            </a:r>
-            <a:r>
-              <a:rPr lang="ko-KR" altLang="en-US" dirty="0" err="1" smtClean="0">
-                <a:latin typeface="+mn-ea"/>
-              </a:rPr>
-              <a:t>폴더명</a:t>
-            </a:r>
-            <a:r>
-              <a:rPr lang="ko-KR" altLang="en-US" dirty="0" smtClean="0">
-                <a:latin typeface="+mn-ea"/>
-              </a:rPr>
-              <a:t> </a:t>
-            </a:r>
-            <a:r>
-              <a:rPr lang="en-US" altLang="ko-KR" dirty="0" smtClean="0">
+              <a:rPr lang="en-US" altLang="ko-KR" dirty="0">
                 <a:latin typeface="+mn-ea"/>
               </a:rPr>
               <a:t>: </a:t>
             </a:r>
             <a:r>
-              <a:rPr lang="ko-KR" altLang="en-US" dirty="0" err="1" smtClean="0">
+              <a:rPr lang="ko-KR" altLang="en-US" dirty="0" err="1">
                 <a:latin typeface="+mn-ea"/>
               </a:rPr>
               <a:t>배재대설명</a:t>
             </a:r>
-            <a:endParaRPr lang="en-US" altLang="ko-KR" dirty="0" smtClean="0">
+            <a:endParaRPr lang="en-US" altLang="ko-KR" dirty="0">
               <a:latin typeface="+mn-ea"/>
             </a:endParaRPr>
           </a:p>
@@ -15063,36 +16663,36 @@
               <a:buAutoNum type="circleNumDbPlain" startAt="2"/>
             </a:pPr>
             <a:r>
-              <a:rPr lang="ko-KR" altLang="en-US" dirty="0" smtClean="0">
+              <a:rPr lang="ko-KR" altLang="en-US" dirty="0">
                 <a:latin typeface="+mn-ea"/>
               </a:rPr>
               <a:t>초안 작성 </a:t>
             </a:r>
             <a:r>
-              <a:rPr lang="en-US" altLang="ko-KR" dirty="0" smtClean="0">
+              <a:rPr lang="en-US" altLang="ko-KR" dirty="0">
                 <a:latin typeface="+mn-ea"/>
               </a:rPr>
               <a:t>(</a:t>
             </a:r>
             <a:r>
-              <a:rPr lang="ko-KR" altLang="en-US" dirty="0" smtClean="0">
+              <a:rPr lang="ko-KR" altLang="en-US" dirty="0">
                 <a:latin typeface="+mn-ea"/>
               </a:rPr>
               <a:t>텍스트 파일</a:t>
             </a:r>
             <a:r>
-              <a:rPr lang="en-US" altLang="ko-KR" dirty="0" smtClean="0">
+              <a:rPr lang="en-US" altLang="ko-KR" dirty="0">
                 <a:latin typeface="+mn-ea"/>
               </a:rPr>
               <a:t>)</a:t>
             </a:r>
             <a:r>
-              <a:rPr lang="ko-KR" altLang="en-US" dirty="0" smtClean="0">
+              <a:rPr lang="ko-KR" altLang="en-US" dirty="0">
                 <a:latin typeface="+mn-ea"/>
               </a:rPr>
               <a:t> </a:t>
             </a:r>
-            <a:endParaRPr lang="en-US" altLang="ko-KR" dirty="0" smtClean="0">
+            <a:endParaRPr lang="en-US" altLang="ko-KR" dirty="0">
               <a:latin typeface="+mn-ea"/>
             </a:endParaRPr>
           </a:p>
@@ -15102,31 +16702,31 @@
               <a:buAutoNum type="circleNumDbPlain" startAt="2"/>
             </a:pPr>
             <a:r>
-              <a:rPr lang="en-US" altLang="ko-KR" dirty="0" err="1" smtClean="0">
+              <a:rPr lang="en-US" altLang="ko-KR" dirty="0" err="1">
                 <a:latin typeface="+mn-ea"/>
               </a:rPr>
               <a:t>Git</a:t>
             </a:r>
             <a:r>
-              <a:rPr lang="en-US" altLang="ko-KR" dirty="0" smtClean="0">
+              <a:rPr lang="en-US" altLang="ko-KR" dirty="0">
                 <a:latin typeface="+mn-ea"/>
               </a:rPr>
               <a:t> </a:t>
             </a:r>
             <a:r>
-              <a:rPr lang="ko-KR" altLang="en-US" dirty="0" smtClean="0">
+              <a:rPr lang="ko-KR" altLang="en-US" dirty="0">
                 <a:latin typeface="+mn-ea"/>
               </a:rPr>
               <a:t>초기화 및 </a:t>
             </a:r>
             <a:r>
-              <a:rPr lang="en-US" altLang="ko-KR" dirty="0" smtClean="0">
+              <a:rPr lang="en-US" altLang="ko-KR" dirty="0">
                 <a:latin typeface="+mn-ea"/>
               </a:rPr>
               <a:t>commit </a:t>
             </a:r>
             <a:r>
-              <a:rPr lang="ko-KR" altLang="en-US" dirty="0" smtClean="0">
+              <a:rPr lang="ko-KR" altLang="en-US" dirty="0">
                 <a:latin typeface="+mn-ea"/>
               </a:rPr>
               <a:t>진행</a:t>
@@ -15143,19 +16743,7 @@
               <a:rPr lang="en-US" altLang="ko-KR" dirty="0">
                 <a:latin typeface="+mn-ea"/>
               </a:rPr>
-              <a:t>    </a:t>
-            </a:r>
-            <a:r>
-              <a:rPr lang="en-US" altLang="ko-KR" dirty="0" smtClean="0">
-                <a:latin typeface="+mn-ea"/>
-              </a:rPr>
-              <a:t>  ☞ </a:t>
-            </a:r>
-            <a:r>
-              <a:rPr lang="en-US" altLang="ko-KR" dirty="0">
-                <a:latin typeface="+mn-ea"/>
-              </a:rPr>
-              <a:t>git </a:t>
+              <a:t>      ☞ git </a:t>
             </a:r>
             <a:r>
               <a:rPr lang="en-US" altLang="ko-KR" dirty="0" err="1">
@@ -15187,19 +16775,7 @@
               <a:rPr lang="en-US" altLang="ko-KR" dirty="0">
                 <a:latin typeface="+mn-ea"/>
               </a:rPr>
-              <a:t>  </a:t>
-            </a:r>
-            <a:r>
-              <a:rPr lang="en-US" altLang="ko-KR" dirty="0" smtClean="0">
-                <a:latin typeface="+mn-ea"/>
-              </a:rPr>
-              <a:t>   </a:t>
-            </a:r>
-            <a:r>
-              <a:rPr lang="en-US" altLang="ko-KR" dirty="0">
-                <a:latin typeface="+mn-ea"/>
-              </a:rPr>
-              <a:t>☞ git add</a:t>
+              <a:t>     ☞ git add</a:t>
             </a:r>
             <a:r>
               <a:rPr lang="ko-KR" altLang="en-US" dirty="0">
@@ -15234,19 +16810,7 @@
               <a:rPr lang="en-US" altLang="ko-KR" dirty="0">
                 <a:latin typeface="+mn-ea"/>
               </a:rPr>
-              <a:t>  </a:t>
-            </a:r>
-            <a:r>
-              <a:rPr lang="en-US" altLang="ko-KR" dirty="0" smtClean="0">
-                <a:latin typeface="+mn-ea"/>
-              </a:rPr>
-              <a:t>   </a:t>
-            </a:r>
-            <a:r>
-              <a:rPr lang="en-US" altLang="ko-KR" dirty="0">
-                <a:latin typeface="+mn-ea"/>
-              </a:rPr>
-              <a:t>☞ git commit –m ‘start</a:t>
+              <a:t>     ☞ git commit –m ‘start</a:t>
             </a:r>
             <a:r>
               <a:rPr lang="ko-KR" altLang="en-US" dirty="0">
@@ -15279,62 +16843,41 @@
               <a:buAutoNum type="circleNumDbPlain" startAt="4"/>
             </a:pPr>
             <a:r>
-              <a:rPr lang="en-US" altLang="ko-KR" dirty="0" smtClean="0">
+              <a:rPr lang="en-US" altLang="ko-KR" dirty="0">
                 <a:latin typeface="+mn-ea"/>
               </a:rPr>
               <a:t> </a:t>
             </a:r>
             <a:r>
-              <a:rPr lang="en-US" altLang="ko-KR" dirty="0" err="1" smtClean="0">
+              <a:rPr lang="en-US" altLang="ko-KR" dirty="0" err="1">
                 <a:latin typeface="+mn-ea"/>
               </a:rPr>
               <a:t>paichaisw</a:t>
             </a:r>
             <a:r>
-              <a:rPr lang="en-US" altLang="ko-KR" dirty="0" smtClean="0">
+              <a:rPr lang="en-US" altLang="ko-KR" dirty="0">
                 <a:latin typeface="+mn-ea"/>
               </a:rPr>
               <a:t>/</a:t>
             </a:r>
             <a:r>
-              <a:rPr lang="en-US" altLang="ko-KR" dirty="0" err="1" smtClean="0">
-                <a:latin typeface="+mn-ea"/>
-              </a:rPr>
-              <a:t>paichai_c</a:t>
-            </a:r>
-            <a:r>
-              <a:rPr lang="en-US" altLang="ko-KR" dirty="0" err="1" smtClean="0">
-                <a:latin typeface="+mn-ea"/>
-              </a:rPr>
-              <a:t>ollab</a:t>
-            </a:r>
-            <a:r>
-              <a:rPr lang="ko-KR" altLang="en-US" dirty="0" smtClean="0">
-                <a:latin typeface="+mn-ea"/>
-              </a:rPr>
-              <a:t> </a:t>
+              <a:rPr lang="en-US" altLang="ko-KR" dirty="0" err="1">
+                <a:latin typeface="+mn-ea"/>
+              </a:rPr>
+              <a:t>paichai_collab</a:t>
             </a:r>
             <a:r>
               <a:rPr lang="ko-KR" altLang="en-US" dirty="0">
                 <a:latin typeface="+mn-ea"/>
               </a:rPr>
-              <a:t>저장소 </a:t>
-            </a:r>
-            <a:r>
-              <a:rPr lang="ko-KR" altLang="en-US" dirty="0" smtClean="0">
-                <a:latin typeface="+mn-ea"/>
-              </a:rPr>
-              <a:t>연결 및 </a:t>
-            </a:r>
-            <a:r>
-              <a:rPr lang="en-US" altLang="ko-KR" dirty="0" smtClean="0">
+              <a:t> 저장소 연결 및 </a:t>
+            </a:r>
+            <a:r>
+              <a:rPr lang="en-US" altLang="ko-KR" dirty="0">
                 <a:latin typeface="+mn-ea"/>
               </a:rPr>
               <a:t>push</a:t>
             </a:r>
-            <a:endParaRPr lang="en-US" altLang="ko-KR" dirty="0">
-              <a:latin typeface="+mn-ea"/>
-            </a:endParaRPr>
           </a:p>
           <a:p>
             <a:pPr marL="266700" lvl="1" indent="0">
@@ -15344,19 +16887,7 @@
               <a:rPr lang="en-US" altLang="ko-KR" dirty="0">
                 <a:latin typeface="+mn-ea"/>
               </a:rPr>
-              <a:t>    </a:t>
-            </a:r>
-            <a:r>
-              <a:rPr lang="en-US" altLang="ko-KR" dirty="0" smtClean="0">
-                <a:latin typeface="+mn-ea"/>
-              </a:rPr>
-              <a:t>  ☞ </a:t>
-            </a:r>
-            <a:r>
-              <a:rPr lang="en-US" altLang="ko-KR" dirty="0">
-                <a:latin typeface="+mn-ea"/>
-              </a:rPr>
-              <a:t>git remote add origin https://github.com/paichaisw/paichai_collab.git</a:t>
+              <a:t>      ☞ git remote add origin https://github.com/paichaisw/paichai_collab.git</a:t>
             </a:r>
           </a:p>
           <a:p>
@@ -15367,31 +16898,13 @@
               <a:rPr lang="en-US" altLang="ko-KR" dirty="0">
                 <a:latin typeface="+mn-ea"/>
               </a:rPr>
-              <a:t>    </a:t>
-            </a:r>
-            <a:r>
-              <a:rPr lang="en-US" altLang="ko-KR" dirty="0" smtClean="0">
-                <a:latin typeface="+mn-ea"/>
-              </a:rPr>
-              <a:t>  ☞ </a:t>
-            </a:r>
-            <a:r>
-              <a:rPr lang="en-US" altLang="ko-KR" dirty="0">
-                <a:latin typeface="+mn-ea"/>
-              </a:rPr>
-              <a:t>git push -u origin main : </a:t>
+              <a:t>      ☞ git push -u origin main : </a:t>
             </a:r>
             <a:r>
               <a:rPr lang="ko-KR" altLang="en-US" dirty="0">
                 <a:latin typeface="+mn-ea"/>
               </a:rPr>
-              <a:t>팀원 찾기 시작 준비 </a:t>
-            </a:r>
-            <a:r>
-              <a:rPr lang="ko-KR" altLang="en-US" dirty="0" smtClean="0">
-                <a:latin typeface="+mn-ea"/>
-              </a:rPr>
-              <a:t>완료</a:t>
+              <a:t>팀원 찾기 시작 준비 완료</a:t>
             </a:r>
             <a:endParaRPr lang="en-US" altLang="ko-KR" dirty="0">
               <a:latin typeface="+mn-ea"/>
@@ -15511,24 +17024,24 @@
               <a:t> ※ </a:t>
             </a:r>
             <a:r>
-              <a:rPr lang="ko-KR" altLang="en-US" sz="1400" dirty="0" smtClean="0">
+              <a:rPr lang="ko-KR" altLang="en-US" sz="1400" dirty="0">
                 <a:latin typeface="+mn-ea"/>
               </a:rPr>
               <a:t>프로젝트 리더는 </a:t>
             </a:r>
             <a:r>
-              <a:rPr lang="en-US" altLang="ko-KR" sz="1400" dirty="0" err="1" smtClean="0">
+              <a:rPr lang="en-US" altLang="ko-KR" sz="1400" dirty="0" err="1">
                 <a:latin typeface="+mn-ea"/>
               </a:rPr>
               <a:t>github</a:t>
             </a:r>
             <a:r>
-              <a:rPr lang="ko-KR" altLang="en-US" sz="1400" dirty="0" smtClean="0">
+              <a:rPr lang="ko-KR" altLang="en-US" sz="1400" dirty="0">
                 <a:latin typeface="+mn-ea"/>
               </a:rPr>
               <a:t>에서 과제를 생성하고</a:t>
             </a:r>
-            <a:endParaRPr lang="en-US" altLang="ko-KR" sz="1400" dirty="0" smtClean="0">
+            <a:endParaRPr lang="en-US" altLang="ko-KR" sz="1400" dirty="0">
               <a:latin typeface="+mn-ea"/>
             </a:endParaRPr>
           </a:p>
@@ -15537,28 +17050,22 @@
               <a:rPr lang="en-US" altLang="ko-KR" sz="1400" dirty="0">
                 <a:latin typeface="+mn-ea"/>
               </a:rPr>
-              <a:t> </a:t>
-            </a:r>
-            <a:r>
-              <a:rPr lang="en-US" altLang="ko-KR" sz="1400" dirty="0" smtClean="0">
-                <a:latin typeface="+mn-ea"/>
-              </a:rPr>
-              <a:t>   </a:t>
-            </a:r>
-            <a:r>
-              <a:rPr lang="en-US" altLang="ko-KR" sz="1400" dirty="0" err="1" smtClean="0">
+              <a:t>    </a:t>
+            </a:r>
+            <a:r>
+              <a:rPr lang="en-US" altLang="ko-KR" sz="1400" dirty="0" err="1">
                 <a:latin typeface="+mn-ea"/>
               </a:rPr>
               <a:t>git</a:t>
             </a:r>
             <a:r>
-              <a:rPr lang="en-US" altLang="ko-KR" sz="1400" dirty="0" smtClean="0">
+              <a:rPr lang="en-US" altLang="ko-KR" sz="1400" dirty="0">
                 <a:latin typeface="+mn-ea"/>
               </a:rPr>
               <a:t> clone</a:t>
             </a:r>
             <a:r>
-              <a:rPr lang="ko-KR" altLang="en-US" sz="1400" dirty="0" smtClean="0">
+              <a:rPr lang="ko-KR" altLang="en-US" sz="1400" dirty="0">
                 <a:latin typeface="+mn-ea"/>
               </a:rPr>
               <a:t>을 이용하여 과제를 진행할 수 있음</a:t>
@@ -15669,6 +17176,116 @@
           <a:p>
             <a:r>
               <a:rPr lang="ko-KR" altLang="en-US" dirty="0"/>
+              <a:t>대학생 특별 가입</a:t>
+            </a:r>
+          </a:p>
+        </p:txBody>
+      </p:sp>
+      <p:sp>
+        <p:nvSpPr>
+          <p:cNvPr id="5" name="내용 개체 틀 4">
+            <a:extLst>
+              <a:ext uri="{FF2B5EF4-FFF2-40B4-BE49-F238E27FC236}">
+                <a16:creationId xmlns:a16="http://schemas.microsoft.com/office/drawing/2014/main" id="{FDF69C25-9F43-470B-8A20-AEDC0F371CCD}"/>
+              </a:ext>
+            </a:extLst>
+          </p:cNvPr>
+          <p:cNvSpPr>
+            <a:spLocks noGrp="1"/>
+          </p:cNvSpPr>
+          <p:nvPr>
+            <p:ph idx="1"/>
+          </p:nvPr>
+        </p:nvSpPr>
+        <p:spPr>
+          <a:xfrm>
+            <a:off x="250825" y="1000221"/>
+            <a:ext cx="8641655" cy="5146579"/>
+          </a:xfrm>
+        </p:spPr>
+        <p:txBody>
+          <a:bodyPr tIns="0" bIns="0">
+            <a:noAutofit/>
+          </a:bodyPr>
+          <a:lstStyle/>
+          <a:p>
+            <a:pPr>
+              <a:buClr>
+                <a:schemeClr val="tx1">
+                  <a:lumMod val="65000"/>
+                  <a:lumOff val="35000"/>
+                </a:schemeClr>
+              </a:buClr>
+              <a:defRPr/>
+            </a:pPr>
+            <a:r>
+              <a:rPr lang="ko-KR" altLang="en-US" dirty="0"/>
+              <a:t>접근 오류 해결 방법</a:t>
+            </a:r>
+            <a:endParaRPr lang="en-US" altLang="ko-KR" dirty="0"/>
+          </a:p>
+          <a:p>
+            <a:endParaRPr lang="ko-KR" altLang="en-US" dirty="0">
+              <a:solidFill>
+                <a:srgbClr val="FF0000"/>
+              </a:solidFill>
+            </a:endParaRPr>
+          </a:p>
+        </p:txBody>
+      </p:sp>
+    </p:spTree>
+    <p:extLst>
+      <p:ext uri="{BB962C8B-B14F-4D97-AF65-F5344CB8AC3E}">
+        <p14:creationId xmlns:p14="http://schemas.microsoft.com/office/powerpoint/2010/main" val="3973995856"/>
+      </p:ext>
+    </p:extLst>
+  </p:cSld>
+  <p:clrMapOvr>
+    <a:masterClrMapping/>
+  </p:clrMapOvr>
+</p:sld>
+</file>
+
+<file path=ppt/slides/slide31.xml><?xml version="1.0" encoding="utf-8"?>
+<p:sld xmlns:a="http://schemas.openxmlformats.org/drawingml/2006/main" xmlns:r="http://schemas.openxmlformats.org/officeDocument/2006/relationships" xmlns:p="http://schemas.openxmlformats.org/presentationml/2006/main">
+  <p:cSld>
+    <p:spTree>
+      <p:nvGrpSpPr>
+        <p:cNvPr id="1" name=""/>
+        <p:cNvGrpSpPr/>
+        <p:nvPr/>
+      </p:nvGrpSpPr>
+      <p:grpSpPr>
+        <a:xfrm>
+          <a:off x="0" y="0"/>
+          <a:ext cx="0" cy="0"/>
+          <a:chOff x="0" y="0"/>
+          <a:chExt cx="0" cy="0"/>
+        </a:xfrm>
+      </p:grpSpPr>
+      <p:sp>
+        <p:nvSpPr>
+          <p:cNvPr id="4" name="제목 3">
+            <a:extLst>
+              <a:ext uri="{FF2B5EF4-FFF2-40B4-BE49-F238E27FC236}">
+                <a16:creationId xmlns:a16="http://schemas.microsoft.com/office/drawing/2014/main" id="{F0CEB32B-CB43-4410-BA08-A97E4BC47FCB}"/>
+              </a:ext>
+            </a:extLst>
+          </p:cNvPr>
+          <p:cNvSpPr>
+            <a:spLocks noGrp="1"/>
+          </p:cNvSpPr>
+          <p:nvPr>
+            <p:ph type="title"/>
+          </p:nvPr>
+        </p:nvSpPr>
+        <p:spPr/>
+        <p:txBody>
+          <a:bodyPr/>
+          <a:lstStyle/>
+          <a:p>
+            <a:r>
+              <a:rPr lang="ko-KR" altLang="en-US" dirty="0"/>
               <a:t>협업하기</a:t>
             </a:r>
           </a:p>
@@ -15947,7 +17564,7 @@
 </p:sld>
 </file>
 
-<file path=ppt/slides/slide31.xml><?xml version="1.0" encoding="utf-8"?>
+<file path=ppt/slides/slide32.xml><?xml version="1.0" encoding="utf-8"?>
 <p:sld xmlns:a="http://schemas.openxmlformats.org/drawingml/2006/main" xmlns:r="http://schemas.openxmlformats.org/officeDocument/2006/relationships" xmlns:p="http://schemas.openxmlformats.org/presentationml/2006/main">
   <p:cSld>
     <p:spTree>
@@ -16343,7 +17960,7 @@
 </p:sld>
 </file>
 
-<file path=ppt/slides/slide32.xml><?xml version="1.0" encoding="utf-8"?>
+<file path=ppt/slides/slide33.xml><?xml version="1.0" encoding="utf-8"?>
 <p:sld xmlns:a="http://schemas.openxmlformats.org/drawingml/2006/main" xmlns:r="http://schemas.openxmlformats.org/officeDocument/2006/relationships" xmlns:p="http://schemas.openxmlformats.org/presentationml/2006/main">
   <p:cSld>
     <p:spTree>
@@ -16739,7 +18356,7 @@
 </p:sld>
 </file>
 
-<file path=ppt/slides/slide33.xml><?xml version="1.0" encoding="utf-8"?>
+<file path=ppt/slides/slide34.xml><?xml version="1.0" encoding="utf-8"?>
 <p:sld xmlns:a="http://schemas.openxmlformats.org/drawingml/2006/main" xmlns:r="http://schemas.openxmlformats.org/officeDocument/2006/relationships" xmlns:p="http://schemas.openxmlformats.org/presentationml/2006/main">
   <p:cSld>
     <p:spTree>
@@ -17109,7 +18726,7 @@
 </p:sld>
 </file>
 
-<file path=ppt/slides/slide34.xml><?xml version="1.0" encoding="utf-8"?>
+<file path=ppt/slides/slide35.xml><?xml version="1.0" encoding="utf-8"?>
 <p:sld xmlns:a="http://schemas.openxmlformats.org/drawingml/2006/main" xmlns:r="http://schemas.openxmlformats.org/officeDocument/2006/relationships" xmlns:p="http://schemas.openxmlformats.org/presentationml/2006/main">
   <p:cSld>
     <p:spTree>
@@ -17427,6 +19044,506 @@
 </p:sld>
 </file>
 
+<file path=ppt/slides/slide36.xml><?xml version="1.0" encoding="utf-8"?>
+<p:sld xmlns:a="http://schemas.openxmlformats.org/drawingml/2006/main" xmlns:r="http://schemas.openxmlformats.org/officeDocument/2006/relationships" xmlns:p="http://schemas.openxmlformats.org/presentationml/2006/main">
+  <p:cSld>
+    <p:spTree>
+      <p:nvGrpSpPr>
+        <p:cNvPr id="1" name=""/>
+        <p:cNvGrpSpPr/>
+        <p:nvPr/>
+      </p:nvGrpSpPr>
+      <p:grpSpPr>
+        <a:xfrm>
+          <a:off x="0" y="0"/>
+          <a:ext cx="0" cy="0"/>
+          <a:chOff x="0" y="0"/>
+          <a:chExt cx="0" cy="0"/>
+        </a:xfrm>
+      </p:grpSpPr>
+      <p:sp>
+        <p:nvSpPr>
+          <p:cNvPr id="5" name="슬라이드 번호 개체 틀 4">
+            <a:extLst>
+              <a:ext uri="{FF2B5EF4-FFF2-40B4-BE49-F238E27FC236}">
+                <a16:creationId xmlns:a16="http://schemas.microsoft.com/office/drawing/2014/main" id="{F173C1D3-216A-403A-A8C8-A8FF24D1DB4D}"/>
+              </a:ext>
+            </a:extLst>
+          </p:cNvPr>
+          <p:cNvSpPr>
+            <a:spLocks noGrp="1"/>
+          </p:cNvSpPr>
+          <p:nvPr>
+            <p:ph type="sldNum" sz="quarter" idx="12"/>
+          </p:nvPr>
+        </p:nvSpPr>
+        <p:spPr>
+          <a:xfrm>
+            <a:off x="6457950" y="6356351"/>
+            <a:ext cx="2057400" cy="365125"/>
+          </a:xfrm>
+          <a:prstGeom prst="rect">
+            <a:avLst/>
+          </a:prstGeom>
+        </p:spPr>
+        <p:txBody>
+          <a:bodyPr vert="horz" lIns="91440" tIns="45720" rIns="91440" bIns="45720" rtlCol="0" anchor="ctr"/>
+          <a:lstStyle>
+            <a:defPPr>
+              <a:defRPr lang="en-US"/>
+            </a:defPPr>
+            <a:lvl1pPr marL="0" algn="r" defTabSz="457200" rtl="0" eaLnBrk="1" latinLnBrk="0" hangingPunct="1">
+              <a:defRPr sz="1200" kern="1200">
+                <a:solidFill>
+                  <a:schemeClr val="bg1">
+                    <a:lumMod val="75000"/>
+                  </a:schemeClr>
+                </a:solidFill>
+                <a:latin typeface="+mn-lt"/>
+                <a:ea typeface="+mn-ea"/>
+                <a:cs typeface="+mn-cs"/>
+              </a:defRPr>
+            </a:lvl1pPr>
+            <a:lvl2pPr marL="457200" algn="l" defTabSz="457200" rtl="0" eaLnBrk="1" latinLnBrk="0" hangingPunct="1">
+              <a:defRPr sz="1800" kern="1200">
+                <a:solidFill>
+                  <a:schemeClr val="tx1"/>
+                </a:solidFill>
+                <a:latin typeface="+mn-lt"/>
+                <a:ea typeface="+mn-ea"/>
+                <a:cs typeface="+mn-cs"/>
+              </a:defRPr>
+            </a:lvl2pPr>
+            <a:lvl3pPr marL="914400" algn="l" defTabSz="457200" rtl="0" eaLnBrk="1" latinLnBrk="0" hangingPunct="1">
+              <a:defRPr sz="1800" kern="1200">
+                <a:solidFill>
+                  <a:schemeClr val="tx1"/>
+                </a:solidFill>
+                <a:latin typeface="+mn-lt"/>
+                <a:ea typeface="+mn-ea"/>
+                <a:cs typeface="+mn-cs"/>
+              </a:defRPr>
+            </a:lvl3pPr>
+            <a:lvl4pPr marL="1371600" algn="l" defTabSz="457200" rtl="0" eaLnBrk="1" latinLnBrk="0" hangingPunct="1">
+              <a:defRPr sz="1800" kern="1200">
+                <a:solidFill>
+                  <a:schemeClr val="tx1"/>
+                </a:solidFill>
+                <a:latin typeface="+mn-lt"/>
+                <a:ea typeface="+mn-ea"/>
+                <a:cs typeface="+mn-cs"/>
+              </a:defRPr>
+            </a:lvl4pPr>
+            <a:lvl5pPr marL="1828800" algn="l" defTabSz="457200" rtl="0" eaLnBrk="1" latinLnBrk="0" hangingPunct="1">
+              <a:defRPr sz="1800" kern="1200">
+                <a:solidFill>
+                  <a:schemeClr val="tx1"/>
+                </a:solidFill>
+                <a:latin typeface="+mn-lt"/>
+                <a:ea typeface="+mn-ea"/>
+                <a:cs typeface="+mn-cs"/>
+              </a:defRPr>
+            </a:lvl5pPr>
+            <a:lvl6pPr marL="2286000" algn="l" defTabSz="457200" rtl="0" eaLnBrk="1" latinLnBrk="0" hangingPunct="1">
+              <a:defRPr sz="1800" kern="1200">
+                <a:solidFill>
+                  <a:schemeClr val="tx1"/>
+                </a:solidFill>
+                <a:latin typeface="+mn-lt"/>
+                <a:ea typeface="+mn-ea"/>
+                <a:cs typeface="+mn-cs"/>
+              </a:defRPr>
+            </a:lvl6pPr>
+            <a:lvl7pPr marL="2743200" algn="l" defTabSz="457200" rtl="0" eaLnBrk="1" latinLnBrk="0" hangingPunct="1">
+              <a:defRPr sz="1800" kern="1200">
+                <a:solidFill>
+                  <a:schemeClr val="tx1"/>
+                </a:solidFill>
+                <a:latin typeface="+mn-lt"/>
+                <a:ea typeface="+mn-ea"/>
+                <a:cs typeface="+mn-cs"/>
+              </a:defRPr>
+            </a:lvl7pPr>
+            <a:lvl8pPr marL="3200400" algn="l" defTabSz="457200" rtl="0" eaLnBrk="1" latinLnBrk="0" hangingPunct="1">
+              <a:defRPr sz="1800" kern="1200">
+                <a:solidFill>
+                  <a:schemeClr val="tx1"/>
+                </a:solidFill>
+                <a:latin typeface="+mn-lt"/>
+                <a:ea typeface="+mn-ea"/>
+                <a:cs typeface="+mn-cs"/>
+              </a:defRPr>
+            </a:lvl8pPr>
+            <a:lvl9pPr marL="3657600" algn="l" defTabSz="457200" rtl="0" eaLnBrk="1" latinLnBrk="0" hangingPunct="1">
+              <a:defRPr sz="1800" kern="1200">
+                <a:solidFill>
+                  <a:schemeClr val="tx1"/>
+                </a:solidFill>
+                <a:latin typeface="+mn-lt"/>
+                <a:ea typeface="+mn-ea"/>
+                <a:cs typeface="+mn-cs"/>
+              </a:defRPr>
+            </a:lvl9pPr>
+          </a:lstStyle>
+          <a:p>
+            <a:fld id="{526ADF51-C4A2-4521-899C-87F34FDB9C0A}" type="slidenum">
+              <a:rPr lang="ko-KR" altLang="en-US" smtClean="0"/>
+              <a:pPr/>
+              <a:t>36</a:t>
+            </a:fld>
+            <a:endParaRPr lang="ko-KR" altLang="en-US" dirty="0"/>
+          </a:p>
+        </p:txBody>
+      </p:sp>
+      <p:pic>
+        <p:nvPicPr>
+          <p:cNvPr id="8" name="그림 7">
+            <a:extLst>
+              <a:ext uri="{FF2B5EF4-FFF2-40B4-BE49-F238E27FC236}">
+                <a16:creationId xmlns:a16="http://schemas.microsoft.com/office/drawing/2014/main" id="{72AF3F4D-4481-45F8-BE2F-012C295856F2}"/>
+              </a:ext>
+            </a:extLst>
+          </p:cNvPr>
+          <p:cNvPicPr>
+            <a:picLocks noChangeAspect="1"/>
+          </p:cNvPicPr>
+          <p:nvPr/>
+        </p:nvPicPr>
+        <p:blipFill>
+          <a:blip r:embed="rId2"/>
+          <a:stretch>
+            <a:fillRect/>
+          </a:stretch>
+        </p:blipFill>
+        <p:spPr>
+          <a:xfrm>
+            <a:off x="0" y="1042932"/>
+            <a:ext cx="9144000" cy="4751588"/>
+          </a:xfrm>
+          <a:prstGeom prst="rect">
+            <a:avLst/>
+          </a:prstGeom>
+        </p:spPr>
+      </p:pic>
+      <p:sp>
+        <p:nvSpPr>
+          <p:cNvPr id="9" name="TextBox 8">
+            <a:extLst>
+              <a:ext uri="{FF2B5EF4-FFF2-40B4-BE49-F238E27FC236}">
+                <a16:creationId xmlns:a16="http://schemas.microsoft.com/office/drawing/2014/main" id="{5DA02F52-7618-40A7-A957-FDDB959F849F}"/>
+              </a:ext>
+            </a:extLst>
+          </p:cNvPr>
+          <p:cNvSpPr txBox="1"/>
+          <p:nvPr/>
+        </p:nvSpPr>
+        <p:spPr>
+          <a:xfrm>
+            <a:off x="5886686" y="5991138"/>
+            <a:ext cx="3220753" cy="261610"/>
+          </a:xfrm>
+          <a:prstGeom prst="rect">
+            <a:avLst/>
+          </a:prstGeom>
+          <a:noFill/>
+        </p:spPr>
+        <p:txBody>
+          <a:bodyPr wrap="none" rtlCol="0">
+            <a:spAutoFit/>
+          </a:bodyPr>
+          <a:lstStyle/>
+          <a:p>
+            <a:r>
+              <a:rPr lang="en-US" altLang="ko-KR" sz="1100" dirty="0"/>
+              <a:t>ETRI </a:t>
+            </a:r>
+            <a:r>
+              <a:rPr lang="ko-KR" altLang="en-US" sz="1100" dirty="0" err="1"/>
+              <a:t>오픈소스전문위원</a:t>
+            </a:r>
+            <a:r>
+              <a:rPr lang="ko-KR" altLang="en-US" sz="1100" dirty="0"/>
+              <a:t> 특강자료</a:t>
+            </a:r>
+            <a:r>
+              <a:rPr lang="en-US" altLang="ko-KR" sz="1100" dirty="0"/>
+              <a:t> </a:t>
+            </a:r>
+            <a:r>
+              <a:rPr lang="ko-KR" altLang="en-US" sz="1100" dirty="0"/>
+              <a:t>발췌</a:t>
+            </a:r>
+            <a:r>
+              <a:rPr lang="en-US" altLang="ko-KR" sz="1100" dirty="0"/>
+              <a:t>. 2020.11.03</a:t>
+            </a:r>
+            <a:endParaRPr lang="ko-KR" altLang="en-US" sz="1100" dirty="0"/>
+          </a:p>
+        </p:txBody>
+      </p:sp>
+    </p:spTree>
+    <p:extLst>
+      <p:ext uri="{BB962C8B-B14F-4D97-AF65-F5344CB8AC3E}">
+        <p14:creationId xmlns:p14="http://schemas.microsoft.com/office/powerpoint/2010/main" val="1963916080"/>
+      </p:ext>
+    </p:extLst>
+  </p:cSld>
+  <p:clrMapOvr>
+    <a:masterClrMapping/>
+  </p:clrMapOvr>
+</p:sld>
+</file>
+
+<file path=ppt/slides/slide37.xml><?xml version="1.0" encoding="utf-8"?>
+<p:sld xmlns:a="http://schemas.openxmlformats.org/drawingml/2006/main" xmlns:r="http://schemas.openxmlformats.org/officeDocument/2006/relationships" xmlns:p="http://schemas.openxmlformats.org/presentationml/2006/main">
+  <p:cSld>
+    <p:spTree>
+      <p:nvGrpSpPr>
+        <p:cNvPr id="1" name=""/>
+        <p:cNvGrpSpPr/>
+        <p:nvPr/>
+      </p:nvGrpSpPr>
+      <p:grpSpPr>
+        <a:xfrm>
+          <a:off x="0" y="0"/>
+          <a:ext cx="0" cy="0"/>
+          <a:chOff x="0" y="0"/>
+          <a:chExt cx="0" cy="0"/>
+        </a:xfrm>
+      </p:grpSpPr>
+      <p:sp>
+        <p:nvSpPr>
+          <p:cNvPr id="5" name="슬라이드 번호 개체 틀 4">
+            <a:extLst>
+              <a:ext uri="{FF2B5EF4-FFF2-40B4-BE49-F238E27FC236}">
+                <a16:creationId xmlns:a16="http://schemas.microsoft.com/office/drawing/2014/main" id="{F173C1D3-216A-403A-A8C8-A8FF24D1DB4D}"/>
+              </a:ext>
+            </a:extLst>
+          </p:cNvPr>
+          <p:cNvSpPr>
+            <a:spLocks noGrp="1"/>
+          </p:cNvSpPr>
+          <p:nvPr>
+            <p:ph type="sldNum" sz="quarter" idx="12"/>
+          </p:nvPr>
+        </p:nvSpPr>
+        <p:spPr>
+          <a:xfrm>
+            <a:off x="6457950" y="6356351"/>
+            <a:ext cx="2057400" cy="365125"/>
+          </a:xfrm>
+          <a:prstGeom prst="rect">
+            <a:avLst/>
+          </a:prstGeom>
+        </p:spPr>
+        <p:txBody>
+          <a:bodyPr vert="horz" lIns="91440" tIns="45720" rIns="91440" bIns="45720" rtlCol="0" anchor="ctr"/>
+          <a:lstStyle>
+            <a:defPPr>
+              <a:defRPr lang="en-US"/>
+            </a:defPPr>
+            <a:lvl1pPr marL="0" algn="r" defTabSz="457200" rtl="0" eaLnBrk="1" latinLnBrk="0" hangingPunct="1">
+              <a:defRPr sz="1200" kern="1200">
+                <a:solidFill>
+                  <a:schemeClr val="bg1">
+                    <a:lumMod val="75000"/>
+                  </a:schemeClr>
+                </a:solidFill>
+                <a:latin typeface="+mn-lt"/>
+                <a:ea typeface="+mn-ea"/>
+                <a:cs typeface="+mn-cs"/>
+              </a:defRPr>
+            </a:lvl1pPr>
+            <a:lvl2pPr marL="457200" algn="l" defTabSz="457200" rtl="0" eaLnBrk="1" latinLnBrk="0" hangingPunct="1">
+              <a:defRPr sz="1800" kern="1200">
+                <a:solidFill>
+                  <a:schemeClr val="tx1"/>
+                </a:solidFill>
+                <a:latin typeface="+mn-lt"/>
+                <a:ea typeface="+mn-ea"/>
+                <a:cs typeface="+mn-cs"/>
+              </a:defRPr>
+            </a:lvl2pPr>
+            <a:lvl3pPr marL="914400" algn="l" defTabSz="457200" rtl="0" eaLnBrk="1" latinLnBrk="0" hangingPunct="1">
+              <a:defRPr sz="1800" kern="1200">
+                <a:solidFill>
+                  <a:schemeClr val="tx1"/>
+                </a:solidFill>
+                <a:latin typeface="+mn-lt"/>
+                <a:ea typeface="+mn-ea"/>
+                <a:cs typeface="+mn-cs"/>
+              </a:defRPr>
+            </a:lvl3pPr>
+            <a:lvl4pPr marL="1371600" algn="l" defTabSz="457200" rtl="0" eaLnBrk="1" latinLnBrk="0" hangingPunct="1">
+              <a:defRPr sz="1800" kern="1200">
+                <a:solidFill>
+                  <a:schemeClr val="tx1"/>
+                </a:solidFill>
+                <a:latin typeface="+mn-lt"/>
+                <a:ea typeface="+mn-ea"/>
+                <a:cs typeface="+mn-cs"/>
+              </a:defRPr>
+            </a:lvl4pPr>
+            <a:lvl5pPr marL="1828800" algn="l" defTabSz="457200" rtl="0" eaLnBrk="1" latinLnBrk="0" hangingPunct="1">
+              <a:defRPr sz="1800" kern="1200">
+                <a:solidFill>
+                  <a:schemeClr val="tx1"/>
+                </a:solidFill>
+                <a:latin typeface="+mn-lt"/>
+                <a:ea typeface="+mn-ea"/>
+                <a:cs typeface="+mn-cs"/>
+              </a:defRPr>
+            </a:lvl5pPr>
+            <a:lvl6pPr marL="2286000" algn="l" defTabSz="457200" rtl="0" eaLnBrk="1" latinLnBrk="0" hangingPunct="1">
+              <a:defRPr sz="1800" kern="1200">
+                <a:solidFill>
+                  <a:schemeClr val="tx1"/>
+                </a:solidFill>
+                <a:latin typeface="+mn-lt"/>
+                <a:ea typeface="+mn-ea"/>
+                <a:cs typeface="+mn-cs"/>
+              </a:defRPr>
+            </a:lvl6pPr>
+            <a:lvl7pPr marL="2743200" algn="l" defTabSz="457200" rtl="0" eaLnBrk="1" latinLnBrk="0" hangingPunct="1">
+              <a:defRPr sz="1800" kern="1200">
+                <a:solidFill>
+                  <a:schemeClr val="tx1"/>
+                </a:solidFill>
+                <a:latin typeface="+mn-lt"/>
+                <a:ea typeface="+mn-ea"/>
+                <a:cs typeface="+mn-cs"/>
+              </a:defRPr>
+            </a:lvl7pPr>
+            <a:lvl8pPr marL="3200400" algn="l" defTabSz="457200" rtl="0" eaLnBrk="1" latinLnBrk="0" hangingPunct="1">
+              <a:defRPr sz="1800" kern="1200">
+                <a:solidFill>
+                  <a:schemeClr val="tx1"/>
+                </a:solidFill>
+                <a:latin typeface="+mn-lt"/>
+                <a:ea typeface="+mn-ea"/>
+                <a:cs typeface="+mn-cs"/>
+              </a:defRPr>
+            </a:lvl8pPr>
+            <a:lvl9pPr marL="3657600" algn="l" defTabSz="457200" rtl="0" eaLnBrk="1" latinLnBrk="0" hangingPunct="1">
+              <a:defRPr sz="1800" kern="1200">
+                <a:solidFill>
+                  <a:schemeClr val="tx1"/>
+                </a:solidFill>
+                <a:latin typeface="+mn-lt"/>
+                <a:ea typeface="+mn-ea"/>
+                <a:cs typeface="+mn-cs"/>
+              </a:defRPr>
+            </a:lvl9pPr>
+          </a:lstStyle>
+          <a:p>
+            <a:fld id="{526ADF51-C4A2-4521-899C-87F34FDB9C0A}" type="slidenum">
+              <a:rPr lang="ko-KR" altLang="en-US" smtClean="0"/>
+              <a:pPr/>
+              <a:t>37</a:t>
+            </a:fld>
+            <a:endParaRPr lang="ko-KR" altLang="en-US" dirty="0"/>
+          </a:p>
+        </p:txBody>
+      </p:sp>
+      <p:pic>
+        <p:nvPicPr>
+          <p:cNvPr id="3" name="그림 2">
+            <a:extLst>
+              <a:ext uri="{FF2B5EF4-FFF2-40B4-BE49-F238E27FC236}">
+                <a16:creationId xmlns:a16="http://schemas.microsoft.com/office/drawing/2014/main" id="{C48AED3C-C908-4B19-A858-55CB43AF6882}"/>
+              </a:ext>
+            </a:extLst>
+          </p:cNvPr>
+          <p:cNvPicPr>
+            <a:picLocks noChangeAspect="1"/>
+          </p:cNvPicPr>
+          <p:nvPr/>
+        </p:nvPicPr>
+        <p:blipFill>
+          <a:blip r:embed="rId2"/>
+          <a:stretch>
+            <a:fillRect/>
+          </a:stretch>
+        </p:blipFill>
+        <p:spPr>
+          <a:xfrm>
+            <a:off x="0" y="1037268"/>
+            <a:ext cx="9144000" cy="4783464"/>
+          </a:xfrm>
+          <a:prstGeom prst="rect">
+            <a:avLst/>
+          </a:prstGeom>
+        </p:spPr>
+      </p:pic>
+      <p:sp>
+        <p:nvSpPr>
+          <p:cNvPr id="4" name="TextBox 3">
+            <a:extLst>
+              <a:ext uri="{FF2B5EF4-FFF2-40B4-BE49-F238E27FC236}">
+                <a16:creationId xmlns:a16="http://schemas.microsoft.com/office/drawing/2014/main" id="{540EF42A-5194-45BA-BA9E-6C4730B12D0C}"/>
+              </a:ext>
+            </a:extLst>
+          </p:cNvPr>
+          <p:cNvSpPr txBox="1"/>
+          <p:nvPr/>
+        </p:nvSpPr>
+        <p:spPr>
+          <a:xfrm>
+            <a:off x="5886686" y="5991138"/>
+            <a:ext cx="3220753" cy="261610"/>
+          </a:xfrm>
+          <a:prstGeom prst="rect">
+            <a:avLst/>
+          </a:prstGeom>
+          <a:noFill/>
+        </p:spPr>
+        <p:txBody>
+          <a:bodyPr wrap="none" rtlCol="0">
+            <a:spAutoFit/>
+          </a:bodyPr>
+          <a:lstStyle/>
+          <a:p>
+            <a:r>
+              <a:rPr lang="en-US" altLang="ko-KR" sz="1100" dirty="0"/>
+              <a:t>ETRI </a:t>
+            </a:r>
+            <a:r>
+              <a:rPr lang="ko-KR" altLang="en-US" sz="1100" dirty="0" err="1"/>
+              <a:t>오픈소스전문위원</a:t>
+            </a:r>
+            <a:r>
+              <a:rPr lang="ko-KR" altLang="en-US" sz="1100" dirty="0"/>
+              <a:t> 특강자료</a:t>
+            </a:r>
+            <a:r>
+              <a:rPr lang="en-US" altLang="ko-KR" sz="1100" dirty="0"/>
+              <a:t> </a:t>
+            </a:r>
+            <a:r>
+              <a:rPr lang="ko-KR" altLang="en-US" sz="1100" dirty="0"/>
+              <a:t>발췌</a:t>
+            </a:r>
+            <a:r>
+              <a:rPr lang="en-US" altLang="ko-KR" sz="1100" dirty="0"/>
+              <a:t>. 2020.11.03</a:t>
+            </a:r>
+            <a:endParaRPr lang="ko-KR" altLang="en-US" sz="1100" dirty="0"/>
+          </a:p>
+        </p:txBody>
+      </p:sp>
+    </p:spTree>
+    <p:extLst>
+      <p:ext uri="{BB962C8B-B14F-4D97-AF65-F5344CB8AC3E}">
+        <p14:creationId xmlns:p14="http://schemas.microsoft.com/office/powerpoint/2010/main" val="1770299477"/>
+      </p:ext>
+    </p:extLst>
+  </p:cSld>
+  <p:clrMapOvr>
+    <a:masterClrMapping/>
+  </p:clrMapOvr>
+</p:sld>
+</file>
+
 <file path=ppt/slides/slide4.xml><?xml version="1.0" encoding="utf-8"?>
 <p:sld xmlns:a="http://schemas.openxmlformats.org/drawingml/2006/main" xmlns:r="http://schemas.openxmlformats.org/officeDocument/2006/relationships" xmlns:p="http://schemas.openxmlformats.org/presentationml/2006/main">
   <p:cSld>
@@ -17466,19 +19583,19 @@
           <a:lstStyle/>
           <a:p>
             <a:r>
-              <a:rPr lang="ko-KR" altLang="en-US" dirty="0" smtClean="0"/>
+              <a:rPr lang="ko-KR" altLang="en-US" dirty="0"/>
               <a:t>협업하기 </a:t>
             </a:r>
             <a:r>
-              <a:rPr lang="en-US" altLang="ko-KR" dirty="0" smtClean="0"/>
+              <a:rPr lang="en-US" altLang="ko-KR" dirty="0"/>
               <a:t>(</a:t>
             </a:r>
             <a:r>
-              <a:rPr lang="ko-KR" altLang="en-US" dirty="0" smtClean="0"/>
+              <a:rPr lang="ko-KR" altLang="en-US" dirty="0"/>
               <a:t>참고</a:t>
             </a:r>
             <a:r>
-              <a:rPr lang="en-US" altLang="ko-KR" dirty="0" smtClean="0"/>
+              <a:rPr lang="en-US" altLang="ko-KR" dirty="0"/>
               <a:t>)</a:t>
             </a:r>
             <a:endParaRPr lang="ko-KR" altLang="en-US" dirty="0"/>
@@ -17653,15 +19770,15 @@
           </a:lstStyle>
           <a:p>
             <a:r>
-              <a:rPr lang="ko-KR" altLang="en-US" dirty="0" smtClean="0"/>
+              <a:rPr lang="ko-KR" altLang="en-US" dirty="0"/>
               <a:t>다른 </a:t>
             </a:r>
             <a:r>
-              <a:rPr lang="en-US" altLang="ko-KR" dirty="0" smtClean="0"/>
+              <a:rPr lang="en-US" altLang="ko-KR" dirty="0"/>
               <a:t>ID</a:t>
             </a:r>
             <a:r>
-              <a:rPr lang="ko-KR" altLang="en-US" dirty="0" smtClean="0"/>
+              <a:rPr lang="ko-KR" altLang="en-US" dirty="0"/>
               <a:t>로 협업할 때 주의 사항</a:t>
             </a:r>
             <a:endParaRPr lang="en-US" altLang="ko-KR" dirty="0"/>
@@ -17669,30 +19786,30 @@
           <a:p>
             <a:pPr lvl="1"/>
             <a:r>
-              <a:rPr lang="en-US" altLang="ko-KR" dirty="0" smtClean="0">
+              <a:rPr lang="en-US" altLang="ko-KR" dirty="0">
                 <a:latin typeface="+mn-ea"/>
               </a:rPr>
               <a:t>Working directory</a:t>
             </a:r>
             <a:r>
-              <a:rPr lang="ko-KR" altLang="en-US" dirty="0" smtClean="0">
+              <a:rPr lang="ko-KR" altLang="en-US" dirty="0">
                 <a:latin typeface="+mn-ea"/>
               </a:rPr>
               <a:t>에서</a:t>
             </a:r>
             <a:r>
-              <a:rPr lang="en-US" altLang="ko-KR" dirty="0" smtClean="0">
+              <a:rPr lang="en-US" altLang="ko-KR" dirty="0">
                 <a:latin typeface="+mn-ea"/>
               </a:rPr>
               <a:t> bash </a:t>
             </a:r>
             <a:r>
-              <a:rPr lang="ko-KR" altLang="en-US" dirty="0" smtClean="0">
+              <a:rPr lang="ko-KR" altLang="en-US" dirty="0">
                 <a:latin typeface="+mn-ea"/>
               </a:rPr>
               <a:t>실행</a:t>
             </a:r>
-            <a:endParaRPr lang="en-US" altLang="ko-KR" dirty="0" smtClean="0">
+            <a:endParaRPr lang="en-US" altLang="ko-KR" dirty="0">
               <a:latin typeface="+mn-ea"/>
             </a:endParaRPr>
           </a:p>
@@ -17704,118 +19821,112 @@
               <a:rPr lang="en-US" altLang="ko-KR" dirty="0">
                 <a:latin typeface="+mn-ea"/>
               </a:rPr>
+              <a:t>  -</a:t>
+            </a:r>
+            <a:r>
+              <a:rPr lang="ko-KR" altLang="en-US" dirty="0">
+                <a:latin typeface="+mn-ea"/>
+              </a:rPr>
               <a:t> </a:t>
             </a:r>
             <a:r>
-              <a:rPr lang="en-US" altLang="ko-KR" dirty="0" smtClean="0">
-                <a:latin typeface="+mn-ea"/>
-              </a:rPr>
-              <a:t> -</a:t>
-            </a:r>
-            <a:r>
-              <a:rPr lang="ko-KR" altLang="en-US" dirty="0" smtClean="0">
+              <a:rPr lang="en-US" altLang="ko-KR" dirty="0" err="1">
+                <a:latin typeface="+mn-ea"/>
+              </a:rPr>
+              <a:t>git</a:t>
+            </a:r>
+            <a:r>
+              <a:rPr lang="en-US" altLang="ko-KR" dirty="0">
                 <a:latin typeface="+mn-ea"/>
               </a:rPr>
               <a:t> </a:t>
             </a:r>
             <a:r>
-              <a:rPr lang="en-US" altLang="ko-KR" dirty="0" err="1" smtClean="0">
-                <a:latin typeface="+mn-ea"/>
-              </a:rPr>
-              <a:t>git</a:t>
-            </a:r>
-            <a:r>
-              <a:rPr lang="en-US" altLang="ko-KR" dirty="0" smtClean="0">
+              <a:rPr lang="en-US" altLang="ko-KR" dirty="0" err="1">
+                <a:latin typeface="+mn-ea"/>
+              </a:rPr>
+              <a:t>config</a:t>
+            </a:r>
+            <a:r>
+              <a:rPr lang="en-US" altLang="ko-KR" dirty="0">
+                <a:latin typeface="+mn-ea"/>
+              </a:rPr>
+              <a:t> user.name </a:t>
+            </a:r>
+            <a:r>
+              <a:rPr lang="ko-KR" altLang="en-US" dirty="0">
+                <a:latin typeface="+mn-ea"/>
+              </a:rPr>
+              <a:t>과 </a:t>
+            </a:r>
+            <a:r>
+              <a:rPr lang="en-US" altLang="ko-KR" dirty="0" err="1">
+                <a:latin typeface="+mn-ea"/>
+              </a:rPr>
+              <a:t>user.email</a:t>
+            </a:r>
+            <a:r>
+              <a:rPr lang="en-US" altLang="ko-KR" dirty="0">
                 <a:latin typeface="+mn-ea"/>
               </a:rPr>
               <a:t> </a:t>
             </a:r>
             <a:r>
-              <a:rPr lang="en-US" altLang="ko-KR" dirty="0" err="1" smtClean="0">
-                <a:latin typeface="+mn-ea"/>
-              </a:rPr>
-              <a:t>config</a:t>
-            </a:r>
-            <a:r>
-              <a:rPr lang="en-US" altLang="ko-KR" dirty="0" smtClean="0">
-                <a:latin typeface="+mn-ea"/>
-              </a:rPr>
-              <a:t> user.name </a:t>
-            </a:r>
-            <a:r>
-              <a:rPr lang="ko-KR" altLang="en-US" dirty="0" smtClean="0">
-                <a:latin typeface="+mn-ea"/>
-              </a:rPr>
-              <a:t>과 </a:t>
-            </a:r>
-            <a:r>
-              <a:rPr lang="en-US" altLang="ko-KR" dirty="0" err="1" smtClean="0">
-                <a:latin typeface="+mn-ea"/>
-              </a:rPr>
-              <a:t>user.email</a:t>
-            </a:r>
-            <a:r>
-              <a:rPr lang="en-US" altLang="ko-KR" dirty="0" smtClean="0">
+              <a:rPr lang="ko-KR" altLang="en-US" dirty="0">
+                <a:latin typeface="+mn-ea"/>
+              </a:rPr>
+              <a:t>수정 등록</a:t>
+            </a:r>
+            <a:r>
+              <a:rPr lang="en-US" altLang="ko-KR" dirty="0">
+                <a:latin typeface="+mn-ea"/>
+              </a:rPr>
+              <a:t>, </a:t>
+            </a:r>
+            <a:r>
+              <a:rPr lang="ko-KR" altLang="en-US" dirty="0">
+                <a:latin typeface="+mn-ea"/>
+              </a:rPr>
+              <a:t>필요시 기타 환경 수정</a:t>
+            </a:r>
+            <a:r>
+              <a:rPr lang="en-US" altLang="ko-KR" dirty="0">
+                <a:latin typeface="+mn-ea"/>
+              </a:rPr>
+              <a:t>(</a:t>
+            </a:r>
+            <a:r>
+              <a:rPr lang="ko-KR" altLang="en-US" dirty="0">
+                <a:latin typeface="+mn-ea"/>
+              </a:rPr>
+              <a:t>폰트</a:t>
+            </a:r>
+            <a:r>
+              <a:rPr lang="en-US" altLang="ko-KR" dirty="0">
+                <a:latin typeface="+mn-ea"/>
+              </a:rPr>
+              <a:t>, </a:t>
+            </a:r>
+            <a:r>
+              <a:rPr lang="en-US" altLang="ko-KR" dirty="0" err="1">
+                <a:latin typeface="+mn-ea"/>
+              </a:rPr>
+              <a:t>crlf</a:t>
+            </a:r>
+            <a:r>
+              <a:rPr lang="en-US" altLang="ko-KR" dirty="0">
                 <a:latin typeface="+mn-ea"/>
               </a:rPr>
               <a:t> </a:t>
             </a:r>
             <a:r>
-              <a:rPr lang="ko-KR" altLang="en-US" dirty="0" smtClean="0">
-                <a:latin typeface="+mn-ea"/>
-              </a:rPr>
-              <a:t>수정 등록</a:t>
-            </a:r>
-            <a:r>
-              <a:rPr lang="en-US" altLang="ko-KR" dirty="0" smtClean="0">
-                <a:latin typeface="+mn-ea"/>
-              </a:rPr>
-              <a:t>, </a:t>
-            </a:r>
-            <a:r>
-              <a:rPr lang="ko-KR" altLang="en-US" dirty="0" smtClean="0">
-                <a:latin typeface="+mn-ea"/>
-              </a:rPr>
-              <a:t>필요시 기타 환경 수정</a:t>
-            </a:r>
-            <a:r>
-              <a:rPr lang="en-US" altLang="ko-KR" dirty="0" smtClean="0">
-                <a:latin typeface="+mn-ea"/>
-              </a:rPr>
-              <a:t>(</a:t>
-            </a:r>
-            <a:r>
-              <a:rPr lang="ko-KR" altLang="en-US" dirty="0" smtClean="0">
-                <a:latin typeface="+mn-ea"/>
-              </a:rPr>
-              <a:t>폰트</a:t>
-            </a:r>
-            <a:r>
-              <a:rPr lang="en-US" altLang="ko-KR" dirty="0" smtClean="0">
-                <a:latin typeface="+mn-ea"/>
-              </a:rPr>
-              <a:t>, </a:t>
-            </a:r>
-            <a:r>
-              <a:rPr lang="en-US" altLang="ko-KR" dirty="0" err="1" smtClean="0">
-                <a:latin typeface="+mn-ea"/>
-              </a:rPr>
-              <a:t>crlf</a:t>
-            </a:r>
-            <a:r>
-              <a:rPr lang="en-US" altLang="ko-KR" dirty="0" smtClean="0">
-                <a:latin typeface="+mn-ea"/>
-              </a:rPr>
-              <a:t> </a:t>
-            </a:r>
-            <a:r>
-              <a:rPr lang="ko-KR" altLang="en-US" dirty="0" smtClean="0">
+              <a:rPr lang="ko-KR" altLang="en-US" dirty="0">
                 <a:latin typeface="+mn-ea"/>
               </a:rPr>
               <a:t>등</a:t>
             </a:r>
             <a:r>
-              <a:rPr lang="en-US" altLang="ko-KR" dirty="0" smtClean="0">
+              <a:rPr lang="en-US" altLang="ko-KR" dirty="0">
                 <a:latin typeface="+mn-ea"/>
               </a:rPr>
               <a:t>)</a:t>
@@ -17824,7 +19935,7 @@
           <a:p>
             <a:pPr lvl="1"/>
             <a:r>
-              <a:rPr lang="en-US" altLang="ko-KR" dirty="0" smtClean="0">
+              <a:rPr lang="en-US" altLang="ko-KR" dirty="0">
                 <a:latin typeface="+mn-ea"/>
               </a:rPr>
               <a:t>Push</a:t>
@@ -17833,15 +19944,9 @@
               <a:rPr lang="ko-KR" altLang="en-US" dirty="0">
                 <a:latin typeface="+mn-ea"/>
               </a:rPr>
-              <a:t>할 때 </a:t>
-            </a:r>
-            <a:r>
-              <a:rPr lang="ko-KR" altLang="en-US" dirty="0" smtClean="0">
-                <a:latin typeface="+mn-ea"/>
-              </a:rPr>
-              <a:t>다음과 같은 에러 발생시</a:t>
-            </a:r>
-            <a:endParaRPr lang="en-US" altLang="ko-KR" dirty="0" smtClean="0">
+              <a:t>할 때 다음과 같은 에러 발생시</a:t>
+            </a:r>
+            <a:endParaRPr lang="en-US" altLang="ko-KR" dirty="0">
               <a:latin typeface="+mn-ea"/>
             </a:endParaRPr>
           </a:p>
@@ -17853,103 +19958,79 @@
               <a:rPr lang="en-US" altLang="ko-KR" dirty="0">
                 <a:latin typeface="+mn-ea"/>
               </a:rPr>
-              <a:t> </a:t>
-            </a:r>
-            <a:r>
-              <a:rPr lang="en-US" altLang="ko-KR" dirty="0" smtClean="0">
-                <a:latin typeface="+mn-ea"/>
-              </a:rPr>
-              <a:t>   </a:t>
+              <a:t>    fatal: unable to access,…..    The requested URL returned error: 403</a:t>
+            </a:r>
+          </a:p>
+          <a:p>
+            <a:pPr lvl="1"/>
+            <a:r>
+              <a:rPr lang="ko-KR" altLang="en-US" dirty="0">
+                <a:latin typeface="+mn-ea"/>
+              </a:rPr>
+              <a:t>제어판 → </a:t>
             </a:r>
             <a:r>
               <a:rPr lang="en-US" altLang="ko-KR" dirty="0">
                 <a:latin typeface="+mn-ea"/>
               </a:rPr>
-              <a:t>fatal: unable to access,….. </a:t>
-            </a:r>
-            <a:r>
-              <a:rPr lang="en-US" altLang="ko-KR" dirty="0" smtClean="0">
-                <a:latin typeface="+mn-ea"/>
-              </a:rPr>
-              <a:t>   The </a:t>
+              <a:t>(</a:t>
+            </a:r>
+            <a:r>
+              <a:rPr lang="ko-KR" altLang="en-US" dirty="0" err="1">
+                <a:latin typeface="+mn-ea"/>
+              </a:rPr>
+              <a:t>사용자계정</a:t>
             </a:r>
             <a:r>
               <a:rPr lang="en-US" altLang="ko-KR" dirty="0">
                 <a:latin typeface="+mn-ea"/>
               </a:rPr>
-              <a:t>requested URL returned error: 403</a:t>
-            </a:r>
-          </a:p>
-          <a:p>
-            <a:pPr lvl="1"/>
-            <a:r>
-              <a:rPr lang="ko-KR" altLang="en-US" dirty="0" smtClean="0">
-                <a:latin typeface="+mn-ea"/>
-              </a:rPr>
-              <a:t>제어판 → </a:t>
-            </a:r>
-            <a:r>
-              <a:rPr lang="en-US" altLang="ko-KR" dirty="0" smtClean="0">
-                <a:latin typeface="+mn-ea"/>
-              </a:rPr>
-              <a:t>(</a:t>
-            </a:r>
-            <a:r>
-              <a:rPr lang="ko-KR" altLang="en-US" dirty="0" err="1" smtClean="0">
-                <a:latin typeface="+mn-ea"/>
-              </a:rPr>
-              <a:t>사용자계정</a:t>
-            </a:r>
-            <a:r>
-              <a:rPr lang="en-US" altLang="ko-KR" dirty="0" smtClean="0">
-                <a:latin typeface="+mn-ea"/>
-              </a:rPr>
               <a:t>)</a:t>
             </a:r>
             <a:r>
-              <a:rPr lang="ko-KR" altLang="en-US" dirty="0" smtClean="0">
+              <a:rPr lang="ko-KR" altLang="en-US" dirty="0">
                 <a:latin typeface="+mn-ea"/>
               </a:rPr>
               <a:t>자격증명관리자 → </a:t>
             </a:r>
             <a:r>
-              <a:rPr lang="en-US" altLang="ko-KR" dirty="0" smtClean="0">
+              <a:rPr lang="en-US" altLang="ko-KR" dirty="0">
                 <a:latin typeface="+mn-ea"/>
               </a:rPr>
               <a:t>window </a:t>
             </a:r>
             <a:r>
-              <a:rPr lang="ko-KR" altLang="en-US" dirty="0" smtClean="0">
+              <a:rPr lang="ko-KR" altLang="en-US" dirty="0">
                 <a:latin typeface="+mn-ea"/>
               </a:rPr>
               <a:t>자격증명→ </a:t>
             </a:r>
             <a:r>
-              <a:rPr lang="en-US" altLang="ko-KR" dirty="0" err="1" smtClean="0">
+              <a:rPr lang="en-US" altLang="ko-KR" dirty="0" err="1">
                 <a:latin typeface="+mn-ea"/>
               </a:rPr>
               <a:t>github</a:t>
             </a:r>
             <a:r>
-              <a:rPr lang="ko-KR" altLang="en-US" dirty="0" err="1" smtClean="0">
+              <a:rPr lang="ko-KR" altLang="en-US" dirty="0" err="1">
                 <a:latin typeface="+mn-ea"/>
               </a:rPr>
               <a:t>관련항목</a:t>
             </a:r>
             <a:r>
-              <a:rPr lang="ko-KR" altLang="en-US" dirty="0" smtClean="0">
+              <a:rPr lang="ko-KR" altLang="en-US" dirty="0">
                 <a:latin typeface="+mn-ea"/>
               </a:rPr>
               <a:t> 모두 삭제</a:t>
             </a:r>
-            <a:endParaRPr lang="en-US" altLang="ko-KR" dirty="0" smtClean="0">
+            <a:endParaRPr lang="en-US" altLang="ko-KR" dirty="0">
               <a:latin typeface="+mn-ea"/>
             </a:endParaRPr>
           </a:p>
           <a:p>
             <a:pPr lvl="1"/>
             <a:r>
-              <a:rPr lang="ko-KR" altLang="en-US" dirty="0" smtClean="0">
+              <a:rPr lang="ko-KR" altLang="en-US" dirty="0">
                 <a:latin typeface="+mn-ea"/>
               </a:rPr>
               <a:t>다시 </a:t>
@@ -17961,42 +20042,30 @@
               <a:t>push</a:t>
             </a:r>
             <a:r>
-              <a:rPr lang="ko-KR" altLang="en-US" dirty="0" smtClean="0">
-                <a:latin typeface="+mn-ea"/>
-              </a:rPr>
-              <a:t>하면 아래와 같은 등록 </a:t>
-            </a:r>
-            <a:r>
               <a:rPr lang="ko-KR" altLang="en-US" dirty="0">
                 <a:latin typeface="+mn-ea"/>
               </a:rPr>
-              <a:t>화면이 </a:t>
-            </a:r>
-            <a:r>
-              <a:rPr lang="ko-KR" altLang="en-US" dirty="0" smtClean="0">
-                <a:latin typeface="+mn-ea"/>
-              </a:rPr>
-              <a:t>나옴</a:t>
-            </a:r>
-            <a:r>
-              <a:rPr lang="en-US" altLang="ko-KR" dirty="0" smtClean="0">
+              <a:t>하면 아래와 같은 등록 화면이 나옴</a:t>
+            </a:r>
+            <a:r>
+              <a:rPr lang="en-US" altLang="ko-KR" dirty="0">
                 <a:latin typeface="+mn-ea"/>
               </a:rPr>
               <a:t>. </a:t>
             </a:r>
             <a:r>
-              <a:rPr lang="ko-KR" altLang="en-US" dirty="0" smtClean="0">
+              <a:rPr lang="ko-KR" altLang="en-US" dirty="0">
                 <a:latin typeface="+mn-ea"/>
               </a:rPr>
               <a:t>클릭하면 이런 화면이 나오면서 </a:t>
             </a:r>
             <a:r>
-              <a:rPr lang="ko-KR" altLang="en-US" dirty="0" err="1" smtClean="0">
+              <a:rPr lang="ko-KR" altLang="en-US" dirty="0" err="1">
                 <a:latin typeface="+mn-ea"/>
               </a:rPr>
               <a:t>등록완료</a:t>
             </a:r>
-            <a:endParaRPr lang="en-US" altLang="ko-KR" dirty="0" smtClean="0">
+            <a:endParaRPr lang="en-US" altLang="ko-KR" dirty="0">
               <a:latin typeface="+mn-ea"/>
             </a:endParaRPr>
           </a:p>
@@ -18280,23 +20349,23 @@
           <a:lstStyle/>
           <a:p>
             <a:r>
-              <a:rPr lang="ko-KR" altLang="en-US" dirty="0" smtClean="0"/>
+              <a:rPr lang="ko-KR" altLang="en-US" dirty="0"/>
               <a:t>협업하기 </a:t>
             </a:r>
             <a:r>
-              <a:rPr lang="en-US" altLang="ko-KR" dirty="0" smtClean="0"/>
+              <a:rPr lang="en-US" altLang="ko-KR" dirty="0"/>
               <a:t>(</a:t>
             </a:r>
             <a:r>
-              <a:rPr lang="ko-KR" altLang="en-US" dirty="0" err="1" smtClean="0"/>
+              <a:rPr lang="ko-KR" altLang="en-US" dirty="0" err="1"/>
               <a:t>원격저장소</a:t>
             </a:r>
             <a:r>
-              <a:rPr lang="ko-KR" altLang="en-US" dirty="0" smtClean="0"/>
+              <a:rPr lang="ko-KR" altLang="en-US" dirty="0"/>
               <a:t> 설명</a:t>
             </a:r>
             <a:r>
-              <a:rPr lang="en-US" altLang="ko-KR" dirty="0" smtClean="0"/>
+              <a:rPr lang="en-US" altLang="ko-KR" dirty="0"/>
               <a:t>)</a:t>
             </a:r>
             <a:endParaRPr lang="ko-KR" altLang="en-US" dirty="0"/>
@@ -18677,19 +20746,19 @@
           <a:lstStyle/>
           <a:p>
             <a:r>
-              <a:rPr lang="ko-KR" altLang="en-US" dirty="0" smtClean="0"/>
+              <a:rPr lang="ko-KR" altLang="en-US" dirty="0"/>
               <a:t>협업하기 </a:t>
             </a:r>
             <a:r>
-              <a:rPr lang="en-US" altLang="ko-KR" dirty="0" smtClean="0"/>
+              <a:rPr lang="en-US" altLang="ko-KR" dirty="0"/>
               <a:t>(collaborator </a:t>
             </a:r>
             <a:r>
-              <a:rPr lang="ko-KR" altLang="en-US" dirty="0" smtClean="0"/>
+              <a:rPr lang="ko-KR" altLang="en-US" dirty="0"/>
               <a:t>등록</a:t>
             </a:r>
             <a:r>
-              <a:rPr lang="en-US" altLang="ko-KR" dirty="0" smtClean="0"/>
+              <a:rPr lang="en-US" altLang="ko-KR" dirty="0"/>
               <a:t>)</a:t>
             </a:r>
             <a:endParaRPr lang="ko-KR" altLang="en-US" dirty="0"/>
@@ -18886,28 +20955,16 @@
               <a:rPr lang="en-US" altLang="ko-KR" dirty="0">
                 <a:latin typeface="+mn-ea"/>
               </a:rPr>
-              <a:t>Settings → Manage </a:t>
+              <a:t>Settings → Manage Access → Invite</a:t>
+            </a:r>
+            <a:r>
+              <a:rPr lang="ko-KR" altLang="en-US" dirty="0">
+                <a:latin typeface="+mn-ea"/>
+              </a:rPr>
+              <a:t> </a:t>
             </a:r>
             <a:r>
               <a:rPr lang="en-US" altLang="ko-KR" dirty="0">
-                <a:latin typeface="+mn-ea"/>
-              </a:rPr>
-              <a:t>Access </a:t>
-            </a:r>
-            <a:r>
-              <a:rPr lang="en-US" altLang="ko-KR" dirty="0" smtClean="0">
-                <a:latin typeface="+mn-ea"/>
-              </a:rPr>
-              <a:t>→ Invite</a:t>
-            </a:r>
-            <a:r>
-              <a:rPr lang="ko-KR" altLang="en-US" dirty="0" smtClean="0">
-                <a:latin typeface="+mn-ea"/>
-              </a:rPr>
-              <a:t> </a:t>
-            </a:r>
-            <a:r>
-              <a:rPr lang="en-US" altLang="ko-KR" dirty="0" smtClean="0">
                 <a:latin typeface="+mn-ea"/>
               </a:rPr>
               <a:t>a collaborator </a:t>
@@ -19745,19 +21802,19 @@
           <a:lstStyle/>
           <a:p>
             <a:r>
-              <a:rPr lang="ko-KR" altLang="en-US" dirty="0" smtClean="0"/>
+              <a:rPr lang="ko-KR" altLang="en-US" dirty="0"/>
               <a:t>협업하기 </a:t>
             </a:r>
             <a:r>
-              <a:rPr lang="en-US" altLang="ko-KR" dirty="0" smtClean="0"/>
+              <a:rPr lang="en-US" altLang="ko-KR" dirty="0"/>
               <a:t>(collaborator </a:t>
             </a:r>
             <a:r>
-              <a:rPr lang="ko-KR" altLang="en-US" dirty="0" smtClean="0"/>
+              <a:rPr lang="ko-KR" altLang="en-US" dirty="0"/>
               <a:t>등록</a:t>
             </a:r>
             <a:r>
-              <a:rPr lang="en-US" altLang="ko-KR" dirty="0" smtClean="0"/>
+              <a:rPr lang="en-US" altLang="ko-KR" dirty="0"/>
               <a:t>)</a:t>
             </a:r>
             <a:endParaRPr lang="ko-KR" altLang="en-US" dirty="0"/>
@@ -20095,19 +22152,19 @@
           <a:lstStyle/>
           <a:p>
             <a:r>
-              <a:rPr lang="ko-KR" altLang="en-US" dirty="0" smtClean="0"/>
+              <a:rPr lang="ko-KR" altLang="en-US" dirty="0"/>
               <a:t>협업하기 </a:t>
             </a:r>
             <a:r>
-              <a:rPr lang="en-US" altLang="ko-KR" dirty="0" smtClean="0"/>
+              <a:rPr lang="en-US" altLang="ko-KR" dirty="0"/>
               <a:t>(collaborator </a:t>
             </a:r>
             <a:r>
-              <a:rPr lang="ko-KR" altLang="en-US" dirty="0" smtClean="0"/>
+              <a:rPr lang="ko-KR" altLang="en-US" dirty="0"/>
               <a:t>등록</a:t>
             </a:r>
             <a:r>
-              <a:rPr lang="en-US" altLang="ko-KR" dirty="0" smtClean="0"/>
+              <a:rPr lang="en-US" altLang="ko-KR" dirty="0"/>
               <a:t>)</a:t>
             </a:r>
             <a:endParaRPr lang="ko-KR" altLang="en-US" dirty="0"/>
@@ -20355,13 +22412,13 @@
           <a:p>
             <a:pPr lvl="1"/>
             <a:r>
-              <a:rPr lang="ko-KR" altLang="en-US" dirty="0" err="1" smtClean="0">
+              <a:rPr lang="ko-KR" altLang="en-US" dirty="0" err="1">
                 <a:latin typeface="+mn-ea"/>
               </a:rPr>
               <a:t>로그인되어</a:t>
             </a:r>
             <a:r>
-              <a:rPr lang="ko-KR" altLang="en-US" dirty="0" smtClean="0">
+              <a:rPr lang="ko-KR" altLang="en-US" dirty="0">
                 <a:latin typeface="+mn-ea"/>
               </a:rPr>
               <a:t> 있지 않으면 아래 화면이 나옴</a:t>
@@ -20370,31 +22427,13 @@
               <a:rPr lang="en-US" altLang="ko-KR" dirty="0">
                 <a:latin typeface="+mn-ea"/>
               </a:rPr>
-              <a:t> </a:t>
-            </a:r>
-            <a:r>
-              <a:rPr lang="en-US" altLang="ko-KR" dirty="0" smtClean="0">
-                <a:latin typeface="+mn-ea"/>
-              </a:rPr>
-              <a:t>→ sign in</a:t>
-            </a:r>
-            <a:r>
-              <a:rPr lang="ko-KR" altLang="en-US" dirty="0" smtClean="0">
-                <a:latin typeface="+mn-ea"/>
-              </a:rPr>
-              <a:t>해야 </a:t>
-            </a:r>
-            <a:r>
-              <a:rPr lang="ko-KR" altLang="en-US" dirty="0" smtClean="0">
-                <a:latin typeface="+mn-ea"/>
-              </a:rPr>
-              <a:t>함</a:t>
-            </a:r>
-            <a:r>
-              <a:rPr lang="ko-KR" altLang="en-US" dirty="0" smtClean="0">
-                <a:latin typeface="+mn-ea"/>
-              </a:rPr>
-              <a:t> </a:t>
+              <a:t> → sign in</a:t>
+            </a:r>
+            <a:r>
+              <a:rPr lang="ko-KR" altLang="en-US" dirty="0">
+                <a:latin typeface="+mn-ea"/>
+              </a:rPr>
+              <a:t>해야 함 </a:t>
             </a:r>
             <a:endParaRPr lang="en-US" altLang="ko-KR" dirty="0">
               <a:latin typeface="+mn-ea"/>
@@ -20525,19 +22564,19 @@
           <a:lstStyle/>
           <a:p>
             <a:r>
-              <a:rPr lang="ko-KR" altLang="en-US" dirty="0" smtClean="0"/>
+              <a:rPr lang="ko-KR" altLang="en-US" dirty="0"/>
               <a:t>협업하기 </a:t>
             </a:r>
             <a:r>
-              <a:rPr lang="en-US" altLang="ko-KR" dirty="0" smtClean="0"/>
+              <a:rPr lang="en-US" altLang="ko-KR" dirty="0"/>
               <a:t>(collaborator </a:t>
             </a:r>
             <a:r>
-              <a:rPr lang="ko-KR" altLang="en-US" dirty="0" smtClean="0"/>
+              <a:rPr lang="ko-KR" altLang="en-US" dirty="0"/>
               <a:t>등록</a:t>
             </a:r>
             <a:r>
-              <a:rPr lang="en-US" altLang="ko-KR" dirty="0" smtClean="0"/>
+              <a:rPr lang="en-US" altLang="ko-KR" dirty="0"/>
               <a:t>)</a:t>
             </a:r>
             <a:endParaRPr lang="ko-KR" altLang="en-US" dirty="0"/>
